--- a/Presentations/final ppt.pptx
+++ b/Presentations/final ppt.pptx
@@ -146,6 +146,7 @@
   </mc:AlternateContent>
   <c:chart>
     <c:title>
+      <c:layout/>
       <c:overlay val="0"/>
       <c:spPr>
         <a:noFill/>
@@ -585,6 +586,7 @@
     </c:plotArea>
     <c:legend>
       <c:legendPos val="b"/>
+      <c:layout/>
       <c:overlay val="0"/>
       <c:spPr>
         <a:noFill/>
@@ -8805,7 +8807,11 @@
             </a:r>
             <a:r>
               <a:rPr lang="en-US" dirty="0" smtClean="0"/>
-              <a:t>and Changes</a:t>
+              <a:t>faced and </a:t>
+            </a:r>
+            <a:r>
+              <a:rPr lang="en-US" smtClean="0"/>
+              <a:t>Implemented changes.</a:t>
             </a:r>
             <a:endParaRPr lang="en-US" dirty="0"/>
           </a:p>
@@ -8835,7 +8841,7 @@
           </a:p>
           <a:p>
             <a:r>
-              <a:rPr lang="en-US"/>
+              <a:rPr lang="en-US" dirty="0"/>
               <a:t>Status </a:t>
             </a:r>
             <a:endParaRPr lang="en-US" dirty="0" smtClean="0"/>

--- a/Presentations/final ppt.pptx
+++ b/Presentations/final ppt.pptx
@@ -5,10 +5,10 @@
     <p:sldMasterId id="2147483648" r:id="rId1"/>
   </p:sldMasterIdLst>
   <p:notesMasterIdLst>
-    <p:notesMasterId r:id="rId13"/>
+    <p:notesMasterId r:id="rId11"/>
   </p:notesMasterIdLst>
   <p:handoutMasterIdLst>
-    <p:handoutMasterId r:id="rId14"/>
+    <p:handoutMasterId r:id="rId12"/>
   </p:handoutMasterIdLst>
   <p:sldIdLst>
     <p:sldId id="258" r:id="rId2"/>
@@ -16,12 +16,10 @@
     <p:sldId id="261" r:id="rId4"/>
     <p:sldId id="262" r:id="rId5"/>
     <p:sldId id="263" r:id="rId6"/>
-    <p:sldId id="264" r:id="rId7"/>
-    <p:sldId id="265" r:id="rId8"/>
-    <p:sldId id="266" r:id="rId9"/>
-    <p:sldId id="267" r:id="rId10"/>
-    <p:sldId id="268" r:id="rId11"/>
-    <p:sldId id="269" r:id="rId12"/>
+    <p:sldId id="265" r:id="rId7"/>
+    <p:sldId id="266" r:id="rId8"/>
+    <p:sldId id="268" r:id="rId9"/>
+    <p:sldId id="269" r:id="rId10"/>
   </p:sldIdLst>
   <p:sldSz cx="12192000" cy="6858000"/>
   <p:notesSz cx="6858000" cy="9144000"/>
@@ -129,1024 +127,6 @@
     </p:ext>
   </p:extLst>
 </p:presentation>
-</file>
-
-<file path=ppt/charts/chart1.xml><?xml version="1.0" encoding="utf-8"?>
-<c:chartSpace xmlns:c="http://schemas.openxmlformats.org/drawingml/2006/chart" xmlns:a="http://schemas.openxmlformats.org/drawingml/2006/main" xmlns:r="http://schemas.openxmlformats.org/officeDocument/2006/relationships" xmlns:c16r2="http://schemas.microsoft.com/office/drawing/2015/06/chart">
-  <c:date1904 val="0"/>
-  <c:lang val="en-US"/>
-  <c:roundedCorners val="0"/>
-  <mc:AlternateContent xmlns:mc="http://schemas.openxmlformats.org/markup-compatibility/2006">
-    <mc:Choice xmlns:c14="http://schemas.microsoft.com/office/drawing/2007/8/2/chart" Requires="c14">
-      <c14:style val="102"/>
-    </mc:Choice>
-    <mc:Fallback>
-      <c:style val="2"/>
-    </mc:Fallback>
-  </mc:AlternateContent>
-  <c:chart>
-    <c:title>
-      <c:layout/>
-      <c:overlay val="0"/>
-      <c:spPr>
-        <a:noFill/>
-        <a:ln>
-          <a:noFill/>
-        </a:ln>
-        <a:effectLst/>
-      </c:spPr>
-      <c:txPr>
-        <a:bodyPr rot="0" spcFirstLastPara="1" vertOverflow="ellipsis" vert="horz" wrap="square" anchor="ctr" anchorCtr="1"/>
-        <a:lstStyle/>
-        <a:p>
-          <a:pPr>
-            <a:defRPr sz="2128" b="1" i="0" u="none" strike="noStrike" kern="1200" baseline="0">
-              <a:solidFill>
-                <a:schemeClr val="tx2"/>
-              </a:solidFill>
-              <a:latin typeface="+mn-lt"/>
-              <a:ea typeface="+mn-ea"/>
-              <a:cs typeface="+mn-cs"/>
-            </a:defRPr>
-          </a:pPr>
-          <a:endParaRPr lang="en-US"/>
-        </a:p>
-      </c:txPr>
-    </c:title>
-    <c:autoTitleDeleted val="0"/>
-    <c:plotArea>
-      <c:layout/>
-      <c:barChart>
-        <c:barDir val="col"/>
-        <c:grouping val="clustered"/>
-        <c:varyColors val="0"/>
-        <c:ser>
-          <c:idx val="0"/>
-          <c:order val="0"/>
-          <c:tx>
-            <c:strRef>
-              <c:f>Sheet1!$B$1</c:f>
-              <c:strCache>
-                <c:ptCount val="1"/>
-                <c:pt idx="0">
-                  <c:v>Series 1</c:v>
-                </c:pt>
-              </c:strCache>
-            </c:strRef>
-          </c:tx>
-          <c:spPr>
-            <a:gradFill rotWithShape="1">
-              <a:gsLst>
-                <a:gs pos="0">
-                  <a:schemeClr val="accent1">
-                    <a:satMod val="103000"/>
-                    <a:lumMod val="102000"/>
-                    <a:tint val="94000"/>
-                  </a:schemeClr>
-                </a:gs>
-                <a:gs pos="50000">
-                  <a:schemeClr val="accent1">
-                    <a:satMod val="110000"/>
-                    <a:lumMod val="100000"/>
-                    <a:shade val="100000"/>
-                  </a:schemeClr>
-                </a:gs>
-                <a:gs pos="100000">
-                  <a:schemeClr val="accent1">
-                    <a:lumMod val="99000"/>
-                    <a:satMod val="120000"/>
-                    <a:shade val="78000"/>
-                  </a:schemeClr>
-                </a:gs>
-              </a:gsLst>
-              <a:lin ang="5400000" scaled="0"/>
-            </a:gradFill>
-            <a:ln>
-              <a:noFill/>
-            </a:ln>
-            <a:effectLst/>
-          </c:spPr>
-          <c:invertIfNegative val="0"/>
-          <c:cat>
-            <c:strRef>
-              <c:f>Sheet1!$A$2:$A$5</c:f>
-              <c:strCache>
-                <c:ptCount val="4"/>
-                <c:pt idx="0">
-                  <c:v>Category 1</c:v>
-                </c:pt>
-                <c:pt idx="1">
-                  <c:v>Category 2</c:v>
-                </c:pt>
-                <c:pt idx="2">
-                  <c:v>Category 3</c:v>
-                </c:pt>
-                <c:pt idx="3">
-                  <c:v>Category 4</c:v>
-                </c:pt>
-              </c:strCache>
-            </c:strRef>
-          </c:cat>
-          <c:val>
-            <c:numRef>
-              <c:f>Sheet1!$B$2:$B$5</c:f>
-              <c:numCache>
-                <c:formatCode>General</c:formatCode>
-                <c:ptCount val="4"/>
-                <c:pt idx="0">
-                  <c:v>4.3</c:v>
-                </c:pt>
-                <c:pt idx="1">
-                  <c:v>2.5</c:v>
-                </c:pt>
-                <c:pt idx="2">
-                  <c:v>3.5</c:v>
-                </c:pt>
-                <c:pt idx="3">
-                  <c:v>4.5</c:v>
-                </c:pt>
-              </c:numCache>
-            </c:numRef>
-          </c:val>
-          <c:extLst>
-            <c:ext xmlns:c16="http://schemas.microsoft.com/office/drawing/2014/chart" uri="{C3380CC4-5D6E-409C-BE32-E72D297353CC}">
-              <c16:uniqueId val="{00000000-9240-45BB-82C1-E2BD88AF7838}"/>
-            </c:ext>
-          </c:extLst>
-        </c:ser>
-        <c:ser>
-          <c:idx val="1"/>
-          <c:order val="1"/>
-          <c:tx>
-            <c:strRef>
-              <c:f>Sheet1!$C$1</c:f>
-              <c:strCache>
-                <c:ptCount val="1"/>
-                <c:pt idx="0">
-                  <c:v>Series 2</c:v>
-                </c:pt>
-              </c:strCache>
-            </c:strRef>
-          </c:tx>
-          <c:spPr>
-            <a:gradFill rotWithShape="1">
-              <a:gsLst>
-                <a:gs pos="0">
-                  <a:schemeClr val="accent2">
-                    <a:satMod val="103000"/>
-                    <a:lumMod val="102000"/>
-                    <a:tint val="94000"/>
-                  </a:schemeClr>
-                </a:gs>
-                <a:gs pos="50000">
-                  <a:schemeClr val="accent2">
-                    <a:satMod val="110000"/>
-                    <a:lumMod val="100000"/>
-                    <a:shade val="100000"/>
-                  </a:schemeClr>
-                </a:gs>
-                <a:gs pos="100000">
-                  <a:schemeClr val="accent2">
-                    <a:lumMod val="99000"/>
-                    <a:satMod val="120000"/>
-                    <a:shade val="78000"/>
-                  </a:schemeClr>
-                </a:gs>
-              </a:gsLst>
-              <a:lin ang="5400000" scaled="0"/>
-            </a:gradFill>
-            <a:ln>
-              <a:noFill/>
-            </a:ln>
-            <a:effectLst/>
-          </c:spPr>
-          <c:invertIfNegative val="0"/>
-          <c:cat>
-            <c:strRef>
-              <c:f>Sheet1!$A$2:$A$5</c:f>
-              <c:strCache>
-                <c:ptCount val="4"/>
-                <c:pt idx="0">
-                  <c:v>Category 1</c:v>
-                </c:pt>
-                <c:pt idx="1">
-                  <c:v>Category 2</c:v>
-                </c:pt>
-                <c:pt idx="2">
-                  <c:v>Category 3</c:v>
-                </c:pt>
-                <c:pt idx="3">
-                  <c:v>Category 4</c:v>
-                </c:pt>
-              </c:strCache>
-            </c:strRef>
-          </c:cat>
-          <c:val>
-            <c:numRef>
-              <c:f>Sheet1!$C$2:$C$5</c:f>
-              <c:numCache>
-                <c:formatCode>General</c:formatCode>
-                <c:ptCount val="4"/>
-                <c:pt idx="0">
-                  <c:v>2.4</c:v>
-                </c:pt>
-                <c:pt idx="1">
-                  <c:v>4.4000000000000004</c:v>
-                </c:pt>
-                <c:pt idx="2">
-                  <c:v>1.8</c:v>
-                </c:pt>
-                <c:pt idx="3">
-                  <c:v>2.8</c:v>
-                </c:pt>
-              </c:numCache>
-            </c:numRef>
-          </c:val>
-          <c:extLst>
-            <c:ext xmlns:c16="http://schemas.microsoft.com/office/drawing/2014/chart" uri="{C3380CC4-5D6E-409C-BE32-E72D297353CC}">
-              <c16:uniqueId val="{00000001-9240-45BB-82C1-E2BD88AF7838}"/>
-            </c:ext>
-          </c:extLst>
-        </c:ser>
-        <c:ser>
-          <c:idx val="2"/>
-          <c:order val="2"/>
-          <c:tx>
-            <c:strRef>
-              <c:f>Sheet1!$D$1</c:f>
-              <c:strCache>
-                <c:ptCount val="1"/>
-                <c:pt idx="0">
-                  <c:v>Series 3</c:v>
-                </c:pt>
-              </c:strCache>
-            </c:strRef>
-          </c:tx>
-          <c:spPr>
-            <a:gradFill rotWithShape="1">
-              <a:gsLst>
-                <a:gs pos="0">
-                  <a:schemeClr val="accent3">
-                    <a:satMod val="103000"/>
-                    <a:lumMod val="102000"/>
-                    <a:tint val="94000"/>
-                  </a:schemeClr>
-                </a:gs>
-                <a:gs pos="50000">
-                  <a:schemeClr val="accent3">
-                    <a:satMod val="110000"/>
-                    <a:lumMod val="100000"/>
-                    <a:shade val="100000"/>
-                  </a:schemeClr>
-                </a:gs>
-                <a:gs pos="100000">
-                  <a:schemeClr val="accent3">
-                    <a:lumMod val="99000"/>
-                    <a:satMod val="120000"/>
-                    <a:shade val="78000"/>
-                  </a:schemeClr>
-                </a:gs>
-              </a:gsLst>
-              <a:lin ang="5400000" scaled="0"/>
-            </a:gradFill>
-            <a:ln>
-              <a:noFill/>
-            </a:ln>
-            <a:effectLst/>
-          </c:spPr>
-          <c:invertIfNegative val="0"/>
-          <c:cat>
-            <c:strRef>
-              <c:f>Sheet1!$A$2:$A$5</c:f>
-              <c:strCache>
-                <c:ptCount val="4"/>
-                <c:pt idx="0">
-                  <c:v>Category 1</c:v>
-                </c:pt>
-                <c:pt idx="1">
-                  <c:v>Category 2</c:v>
-                </c:pt>
-                <c:pt idx="2">
-                  <c:v>Category 3</c:v>
-                </c:pt>
-                <c:pt idx="3">
-                  <c:v>Category 4</c:v>
-                </c:pt>
-              </c:strCache>
-            </c:strRef>
-          </c:cat>
-          <c:val>
-            <c:numRef>
-              <c:f>Sheet1!$D$2:$D$5</c:f>
-              <c:numCache>
-                <c:formatCode>General</c:formatCode>
-                <c:ptCount val="4"/>
-                <c:pt idx="0">
-                  <c:v>2</c:v>
-                </c:pt>
-                <c:pt idx="1">
-                  <c:v>2</c:v>
-                </c:pt>
-                <c:pt idx="2">
-                  <c:v>3</c:v>
-                </c:pt>
-                <c:pt idx="3">
-                  <c:v>5</c:v>
-                </c:pt>
-              </c:numCache>
-            </c:numRef>
-          </c:val>
-          <c:extLst>
-            <c:ext xmlns:c16="http://schemas.microsoft.com/office/drawing/2014/chart" uri="{C3380CC4-5D6E-409C-BE32-E72D297353CC}">
-              <c16:uniqueId val="{00000002-9240-45BB-82C1-E2BD88AF7838}"/>
-            </c:ext>
-          </c:extLst>
-        </c:ser>
-        <c:dLbls>
-          <c:showLegendKey val="0"/>
-          <c:showVal val="0"/>
-          <c:showCatName val="0"/>
-          <c:showSerName val="0"/>
-          <c:showPercent val="0"/>
-          <c:showBubbleSize val="0"/>
-        </c:dLbls>
-        <c:gapWidth val="100"/>
-        <c:overlap val="-24"/>
-        <c:axId val="386928160"/>
-        <c:axId val="386927768"/>
-      </c:barChart>
-      <c:catAx>
-        <c:axId val="386928160"/>
-        <c:scaling>
-          <c:orientation val="minMax"/>
-        </c:scaling>
-        <c:delete val="0"/>
-        <c:axPos val="b"/>
-        <c:numFmt formatCode="General" sourceLinked="1"/>
-        <c:majorTickMark val="none"/>
-        <c:minorTickMark val="none"/>
-        <c:tickLblPos val="nextTo"/>
-        <c:spPr>
-          <a:noFill/>
-          <a:ln w="9525" cap="flat" cmpd="sng" algn="ctr">
-            <a:solidFill>
-              <a:schemeClr val="tx2">
-                <a:lumMod val="15000"/>
-                <a:lumOff val="85000"/>
-              </a:schemeClr>
-            </a:solidFill>
-            <a:round/>
-          </a:ln>
-          <a:effectLst/>
-        </c:spPr>
-        <c:txPr>
-          <a:bodyPr rot="-60000000" spcFirstLastPara="1" vertOverflow="ellipsis" vert="horz" wrap="square" anchor="ctr" anchorCtr="1"/>
-          <a:lstStyle/>
-          <a:p>
-            <a:pPr>
-              <a:defRPr sz="1197" b="0" i="0" u="none" strike="noStrike" kern="1200" baseline="0">
-                <a:solidFill>
-                  <a:schemeClr val="tx2"/>
-                </a:solidFill>
-                <a:latin typeface="+mn-lt"/>
-                <a:ea typeface="+mn-ea"/>
-                <a:cs typeface="+mn-cs"/>
-              </a:defRPr>
-            </a:pPr>
-            <a:endParaRPr lang="en-US"/>
-          </a:p>
-        </c:txPr>
-        <c:crossAx val="386927768"/>
-        <c:crosses val="autoZero"/>
-        <c:auto val="1"/>
-        <c:lblAlgn val="ctr"/>
-        <c:lblOffset val="100"/>
-        <c:noMultiLvlLbl val="0"/>
-      </c:catAx>
-      <c:valAx>
-        <c:axId val="386927768"/>
-        <c:scaling>
-          <c:orientation val="minMax"/>
-        </c:scaling>
-        <c:delete val="0"/>
-        <c:axPos val="l"/>
-        <c:majorGridlines>
-          <c:spPr>
-            <a:ln w="9525" cap="flat" cmpd="sng" algn="ctr">
-              <a:solidFill>
-                <a:schemeClr val="tx2">
-                  <a:lumMod val="15000"/>
-                  <a:lumOff val="85000"/>
-                </a:schemeClr>
-              </a:solidFill>
-              <a:round/>
-            </a:ln>
-            <a:effectLst/>
-          </c:spPr>
-        </c:majorGridlines>
-        <c:numFmt formatCode="General" sourceLinked="1"/>
-        <c:majorTickMark val="none"/>
-        <c:minorTickMark val="none"/>
-        <c:tickLblPos val="nextTo"/>
-        <c:spPr>
-          <a:noFill/>
-          <a:ln>
-            <a:noFill/>
-          </a:ln>
-          <a:effectLst/>
-        </c:spPr>
-        <c:txPr>
-          <a:bodyPr rot="-60000000" spcFirstLastPara="1" vertOverflow="ellipsis" vert="horz" wrap="square" anchor="ctr" anchorCtr="1"/>
-          <a:lstStyle/>
-          <a:p>
-            <a:pPr>
-              <a:defRPr sz="1197" b="0" i="0" u="none" strike="noStrike" kern="1200" baseline="0">
-                <a:solidFill>
-                  <a:schemeClr val="tx2"/>
-                </a:solidFill>
-                <a:latin typeface="+mn-lt"/>
-                <a:ea typeface="+mn-ea"/>
-                <a:cs typeface="+mn-cs"/>
-              </a:defRPr>
-            </a:pPr>
-            <a:endParaRPr lang="en-US"/>
-          </a:p>
-        </c:txPr>
-        <c:crossAx val="386928160"/>
-        <c:crosses val="autoZero"/>
-        <c:crossBetween val="between"/>
-      </c:valAx>
-      <c:spPr>
-        <a:noFill/>
-        <a:ln>
-          <a:noFill/>
-        </a:ln>
-        <a:effectLst/>
-      </c:spPr>
-    </c:plotArea>
-    <c:legend>
-      <c:legendPos val="b"/>
-      <c:layout/>
-      <c:overlay val="0"/>
-      <c:spPr>
-        <a:noFill/>
-        <a:ln>
-          <a:noFill/>
-        </a:ln>
-        <a:effectLst/>
-      </c:spPr>
-      <c:txPr>
-        <a:bodyPr rot="0" spcFirstLastPara="1" vertOverflow="ellipsis" vert="horz" wrap="square" anchor="ctr" anchorCtr="1"/>
-        <a:lstStyle/>
-        <a:p>
-          <a:pPr>
-            <a:defRPr sz="1197" b="0" i="0" u="none" strike="noStrike" kern="1200" baseline="0">
-              <a:solidFill>
-                <a:schemeClr val="tx2"/>
-              </a:solidFill>
-              <a:latin typeface="+mn-lt"/>
-              <a:ea typeface="+mn-ea"/>
-              <a:cs typeface="+mn-cs"/>
-            </a:defRPr>
-          </a:pPr>
-          <a:endParaRPr lang="en-US"/>
-        </a:p>
-      </c:txPr>
-    </c:legend>
-    <c:plotVisOnly val="1"/>
-    <c:dispBlanksAs val="gap"/>
-    <c:showDLblsOverMax val="0"/>
-  </c:chart>
-  <c:spPr>
-    <a:noFill/>
-    <a:ln>
-      <a:noFill/>
-    </a:ln>
-    <a:effectLst/>
-  </c:spPr>
-  <c:txPr>
-    <a:bodyPr/>
-    <a:lstStyle/>
-    <a:p>
-      <a:pPr>
-        <a:defRPr/>
-      </a:pPr>
-      <a:endParaRPr lang="en-US"/>
-    </a:p>
-  </c:txPr>
-  <c:externalData r:id="rId3">
-    <c:autoUpdate val="0"/>
-  </c:externalData>
-</c:chartSpace>
-</file>
-
-<file path=ppt/charts/colors1.xml><?xml version="1.0" encoding="utf-8"?>
-<cs:colorStyle xmlns:cs="http://schemas.microsoft.com/office/drawing/2012/chartStyle" xmlns:a="http://schemas.openxmlformats.org/drawingml/2006/main" meth="cycle" id="10">
-  <a:schemeClr val="accent1"/>
-  <a:schemeClr val="accent2"/>
-  <a:schemeClr val="accent3"/>
-  <a:schemeClr val="accent4"/>
-  <a:schemeClr val="accent5"/>
-  <a:schemeClr val="accent6"/>
-  <cs:variation/>
-  <cs:variation>
-    <a:lumMod val="60000"/>
-  </cs:variation>
-  <cs:variation>
-    <a:lumMod val="80000"/>
-    <a:lumOff val="20000"/>
-  </cs:variation>
-  <cs:variation>
-    <a:lumMod val="80000"/>
-  </cs:variation>
-  <cs:variation>
-    <a:lumMod val="60000"/>
-    <a:lumOff val="40000"/>
-  </cs:variation>
-  <cs:variation>
-    <a:lumMod val="50000"/>
-  </cs:variation>
-  <cs:variation>
-    <a:lumMod val="70000"/>
-    <a:lumOff val="30000"/>
-  </cs:variation>
-  <cs:variation>
-    <a:lumMod val="70000"/>
-  </cs:variation>
-  <cs:variation>
-    <a:lumMod val="50000"/>
-    <a:lumOff val="50000"/>
-  </cs:variation>
-</cs:colorStyle>
-</file>
-
-<file path=ppt/charts/style1.xml><?xml version="1.0" encoding="utf-8"?>
-<cs:chartStyle xmlns:cs="http://schemas.microsoft.com/office/drawing/2012/chartStyle" xmlns:a="http://schemas.openxmlformats.org/drawingml/2006/main" id="207">
-  <cs:axisTitle>
-    <cs:lnRef idx="0"/>
-    <cs:fillRef idx="0"/>
-    <cs:effectRef idx="0"/>
-    <cs:fontRef idx="minor">
-      <a:schemeClr val="tx2"/>
-    </cs:fontRef>
-    <cs:defRPr sz="1197" b="1" kern="1200"/>
-  </cs:axisTitle>
-  <cs:categoryAxis>
-    <cs:lnRef idx="0"/>
-    <cs:fillRef idx="0"/>
-    <cs:effectRef idx="0"/>
-    <cs:fontRef idx="minor">
-      <a:schemeClr val="tx2"/>
-    </cs:fontRef>
-    <cs:spPr>
-      <a:ln w="9525" cap="flat" cmpd="sng" algn="ctr">
-        <a:solidFill>
-          <a:schemeClr val="tx2">
-            <a:lumMod val="15000"/>
-            <a:lumOff val="85000"/>
-          </a:schemeClr>
-        </a:solidFill>
-        <a:round/>
-      </a:ln>
-    </cs:spPr>
-    <cs:defRPr sz="1197" kern="1200"/>
-  </cs:categoryAxis>
-  <cs:chartArea mods="allowNoFillOverride allowNoLineOverride">
-    <cs:lnRef idx="0"/>
-    <cs:fillRef idx="0"/>
-    <cs:effectRef idx="0"/>
-    <cs:fontRef idx="minor">
-      <a:schemeClr val="tx2"/>
-    </cs:fontRef>
-    <cs:spPr>
-      <a:solidFill>
-        <a:schemeClr val="bg1"/>
-      </a:solidFill>
-      <a:ln w="9525" cap="flat" cmpd="sng" algn="ctr">
-        <a:solidFill>
-          <a:schemeClr val="tx2">
-            <a:lumMod val="15000"/>
-            <a:lumOff val="85000"/>
-          </a:schemeClr>
-        </a:solidFill>
-        <a:round/>
-      </a:ln>
-    </cs:spPr>
-    <cs:defRPr sz="1197" kern="1200"/>
-  </cs:chartArea>
-  <cs:dataLabel>
-    <cs:lnRef idx="0"/>
-    <cs:fillRef idx="0"/>
-    <cs:effectRef idx="0"/>
-    <cs:fontRef idx="minor">
-      <a:schemeClr val="tx2"/>
-    </cs:fontRef>
-    <cs:defRPr sz="1197" kern="1200"/>
-  </cs:dataLabel>
-  <cs:dataLabelCallout>
-    <cs:lnRef idx="0"/>
-    <cs:fillRef idx="0"/>
-    <cs:effectRef idx="0"/>
-    <cs:fontRef idx="minor">
-      <a:schemeClr val="dk2">
-        <a:lumMod val="75000"/>
-      </a:schemeClr>
-    </cs:fontRef>
-    <cs:spPr>
-      <a:solidFill>
-        <a:schemeClr val="lt1"/>
-      </a:solidFill>
-      <a:ln>
-        <a:solidFill>
-          <a:schemeClr val="dk1">
-            <a:lumMod val="25000"/>
-            <a:lumOff val="75000"/>
-          </a:schemeClr>
-        </a:solidFill>
-      </a:ln>
-    </cs:spPr>
-    <cs:defRPr sz="1197" kern="1200"/>
-    <cs:bodyPr rot="0" spcFirstLastPara="1" vertOverflow="clip" horzOverflow="clip" vert="horz" wrap="square" lIns="36576" tIns="18288" rIns="36576" bIns="18288" anchor="ctr" anchorCtr="1">
-      <a:spAutoFit/>
-    </cs:bodyPr>
-  </cs:dataLabelCallout>
-  <cs:dataPoint>
-    <cs:lnRef idx="0"/>
-    <cs:fillRef idx="3">
-      <cs:styleClr val="auto"/>
-    </cs:fillRef>
-    <cs:effectRef idx="2"/>
-    <cs:fontRef idx="minor">
-      <a:schemeClr val="tx2"/>
-    </cs:fontRef>
-  </cs:dataPoint>
-  <cs:dataPoint3D>
-    <cs:lnRef idx="0"/>
-    <cs:fillRef idx="3">
-      <cs:styleClr val="auto"/>
-    </cs:fillRef>
-    <cs:effectRef idx="2"/>
-    <cs:fontRef idx="minor">
-      <a:schemeClr val="tx2"/>
-    </cs:fontRef>
-  </cs:dataPoint3D>
-  <cs:dataPointLine>
-    <cs:lnRef idx="0">
-      <cs:styleClr val="auto"/>
-    </cs:lnRef>
-    <cs:fillRef idx="3"/>
-    <cs:effectRef idx="2"/>
-    <cs:fontRef idx="minor">
-      <a:schemeClr val="tx2"/>
-    </cs:fontRef>
-    <cs:spPr>
-      <a:ln w="31750" cap="rnd">
-        <a:solidFill>
-          <a:schemeClr val="phClr"/>
-        </a:solidFill>
-        <a:round/>
-      </a:ln>
-    </cs:spPr>
-  </cs:dataPointLine>
-  <cs:dataPointMarker>
-    <cs:lnRef idx="0"/>
-    <cs:fillRef idx="3">
-      <cs:styleClr val="auto"/>
-    </cs:fillRef>
-    <cs:effectRef idx="2"/>
-    <cs:fontRef idx="minor">
-      <a:schemeClr val="tx2"/>
-    </cs:fontRef>
-    <cs:spPr>
-      <a:ln w="12700">
-        <a:solidFill>
-          <a:schemeClr val="lt2"/>
-        </a:solidFill>
-        <a:round/>
-      </a:ln>
-    </cs:spPr>
-  </cs:dataPointMarker>
-  <cs:dataPointMarkerLayout symbol="circle" size="6"/>
-  <cs:dataPointWireframe>
-    <cs:lnRef idx="0">
-      <cs:styleClr val="auto"/>
-    </cs:lnRef>
-    <cs:fillRef idx="3"/>
-    <cs:effectRef idx="2"/>
-    <cs:fontRef idx="minor">
-      <a:schemeClr val="tx2"/>
-    </cs:fontRef>
-    <cs:spPr>
-      <a:ln w="9525" cap="rnd">
-        <a:solidFill>
-          <a:schemeClr val="phClr"/>
-        </a:solidFill>
-        <a:round/>
-      </a:ln>
-    </cs:spPr>
-  </cs:dataPointWireframe>
-  <cs:dataTable>
-    <cs:lnRef idx="0"/>
-    <cs:fillRef idx="0"/>
-    <cs:effectRef idx="0"/>
-    <cs:fontRef idx="minor">
-      <a:schemeClr val="tx2"/>
-    </cs:fontRef>
-    <cs:spPr>
-      <a:ln w="9525">
-        <a:solidFill>
-          <a:schemeClr val="tx2">
-            <a:lumMod val="15000"/>
-            <a:lumOff val="85000"/>
-          </a:schemeClr>
-        </a:solidFill>
-      </a:ln>
-    </cs:spPr>
-    <cs:defRPr sz="1197" kern="1200"/>
-  </cs:dataTable>
-  <cs:downBar>
-    <cs:lnRef idx="0"/>
-    <cs:fillRef idx="0"/>
-    <cs:effectRef idx="0"/>
-    <cs:fontRef idx="minor">
-      <a:schemeClr val="dk1"/>
-    </cs:fontRef>
-    <cs:spPr>
-      <a:solidFill>
-        <a:schemeClr val="dk1">
-          <a:lumMod val="65000"/>
-          <a:lumOff val="35000"/>
-        </a:schemeClr>
-      </a:solidFill>
-      <a:ln w="9525">
-        <a:solidFill>
-          <a:schemeClr val="tx1">
-            <a:lumMod val="65000"/>
-            <a:lumOff val="35000"/>
-          </a:schemeClr>
-        </a:solidFill>
-      </a:ln>
-    </cs:spPr>
-  </cs:downBar>
-  <cs:dropLine>
-    <cs:lnRef idx="0"/>
-    <cs:fillRef idx="0"/>
-    <cs:effectRef idx="0"/>
-    <cs:fontRef idx="minor">
-      <a:schemeClr val="tx2"/>
-    </cs:fontRef>
-    <cs:spPr>
-      <a:ln w="9525">
-        <a:solidFill>
-          <a:schemeClr val="tx2">
-            <a:lumMod val="60000"/>
-            <a:lumOff val="40000"/>
-          </a:schemeClr>
-        </a:solidFill>
-        <a:prstDash val="dash"/>
-      </a:ln>
-    </cs:spPr>
-  </cs:dropLine>
-  <cs:errorBar>
-    <cs:lnRef idx="0"/>
-    <cs:fillRef idx="0"/>
-    <cs:effectRef idx="0"/>
-    <cs:fontRef idx="minor">
-      <a:schemeClr val="tx2"/>
-    </cs:fontRef>
-    <cs:spPr>
-      <a:ln w="9525">
-        <a:solidFill>
-          <a:schemeClr val="tx2">
-            <a:lumMod val="75000"/>
-            <a:lumOff val="25000"/>
-          </a:schemeClr>
-        </a:solidFill>
-        <a:round/>
-      </a:ln>
-    </cs:spPr>
-  </cs:errorBar>
-  <cs:floor>
-    <cs:lnRef idx="0"/>
-    <cs:fillRef idx="0"/>
-    <cs:effectRef idx="0"/>
-    <cs:fontRef idx="minor">
-      <a:schemeClr val="tx2"/>
-    </cs:fontRef>
-  </cs:floor>
-  <cs:gridlineMajor>
-    <cs:lnRef idx="0"/>
-    <cs:fillRef idx="0"/>
-    <cs:effectRef idx="0"/>
-    <cs:fontRef idx="minor">
-      <a:schemeClr val="tx2"/>
-    </cs:fontRef>
-    <cs:spPr>
-      <a:ln w="9525" cap="flat" cmpd="sng" algn="ctr">
-        <a:solidFill>
-          <a:schemeClr val="tx2">
-            <a:lumMod val="15000"/>
-            <a:lumOff val="85000"/>
-          </a:schemeClr>
-        </a:solidFill>
-        <a:round/>
-      </a:ln>
-    </cs:spPr>
-  </cs:gridlineMajor>
-  <cs:gridlineMinor>
-    <cs:lnRef idx="0"/>
-    <cs:fillRef idx="0"/>
-    <cs:effectRef idx="0"/>
-    <cs:fontRef idx="minor">
-      <a:schemeClr val="tx2"/>
-    </cs:fontRef>
-    <cs:spPr>
-      <a:ln>
-        <a:solidFill>
-          <a:schemeClr val="tx2">
-            <a:lumMod val="5000"/>
-            <a:lumOff val="95000"/>
-          </a:schemeClr>
-        </a:solidFill>
-      </a:ln>
-    </cs:spPr>
-  </cs:gridlineMinor>
-  <cs:hiLoLine>
-    <cs:lnRef idx="0"/>
-    <cs:fillRef idx="0"/>
-    <cs:effectRef idx="0"/>
-    <cs:fontRef idx="minor">
-      <a:schemeClr val="tx2"/>
-    </cs:fontRef>
-    <cs:spPr>
-      <a:ln w="9525">
-        <a:solidFill>
-          <a:schemeClr val="tx2">
-            <a:lumMod val="60000"/>
-            <a:lumOff val="40000"/>
-          </a:schemeClr>
-        </a:solidFill>
-        <a:prstDash val="dash"/>
-      </a:ln>
-    </cs:spPr>
-  </cs:hiLoLine>
-  <cs:leaderLine>
-    <cs:lnRef idx="0"/>
-    <cs:fillRef idx="0"/>
-    <cs:effectRef idx="0"/>
-    <cs:fontRef idx="minor">
-      <a:schemeClr val="tx2"/>
-    </cs:fontRef>
-    <cs:spPr>
-      <a:ln w="9525">
-        <a:solidFill>
-          <a:schemeClr val="tx2">
-            <a:lumMod val="35000"/>
-            <a:lumOff val="65000"/>
-          </a:schemeClr>
-        </a:solidFill>
-      </a:ln>
-    </cs:spPr>
-  </cs:leaderLine>
-  <cs:legend>
-    <cs:lnRef idx="0"/>
-    <cs:fillRef idx="0"/>
-    <cs:effectRef idx="0"/>
-    <cs:fontRef idx="minor">
-      <a:schemeClr val="tx2"/>
-    </cs:fontRef>
-    <cs:defRPr sz="1197" kern="1200"/>
-  </cs:legend>
-  <cs:plotArea>
-    <cs:lnRef idx="0"/>
-    <cs:fillRef idx="0"/>
-    <cs:effectRef idx="0"/>
-    <cs:fontRef idx="minor">
-      <a:schemeClr val="tx2"/>
-    </cs:fontRef>
-  </cs:plotArea>
-  <cs:plotArea3D>
-    <cs:lnRef idx="0"/>
-    <cs:fillRef idx="0"/>
-    <cs:effectRef idx="0"/>
-    <cs:fontRef idx="minor">
-      <a:schemeClr val="tx2"/>
-    </cs:fontRef>
-  </cs:plotArea3D>
-  <cs:seriesAxis>
-    <cs:lnRef idx="0"/>
-    <cs:fillRef idx="0"/>
-    <cs:effectRef idx="0"/>
-    <cs:fontRef idx="minor">
-      <a:schemeClr val="tx2"/>
-    </cs:fontRef>
-    <cs:spPr>
-      <a:ln w="9525" cap="flat" cmpd="sng" algn="ctr">
-        <a:solidFill>
-          <a:schemeClr val="tx2">
-            <a:lumMod val="15000"/>
-            <a:lumOff val="85000"/>
-          </a:schemeClr>
-        </a:solidFill>
-        <a:round/>
-      </a:ln>
-    </cs:spPr>
-    <cs:defRPr sz="1197" kern="1200"/>
-  </cs:seriesAxis>
-  <cs:seriesLine>
-    <cs:lnRef idx="0"/>
-    <cs:fillRef idx="0"/>
-    <cs:effectRef idx="0"/>
-    <cs:fontRef idx="minor">
-      <a:schemeClr val="tx2"/>
-    </cs:fontRef>
-    <cs:spPr>
-      <a:ln w="9525">
-        <a:solidFill>
-          <a:schemeClr val="tx2">
-            <a:lumMod val="60000"/>
-            <a:lumOff val="40000"/>
-          </a:schemeClr>
-        </a:solidFill>
-        <a:prstDash val="dash"/>
-      </a:ln>
-    </cs:spPr>
-  </cs:seriesLine>
-  <cs:title>
-    <cs:lnRef idx="0"/>
-    <cs:fillRef idx="0"/>
-    <cs:effectRef idx="0"/>
-    <cs:fontRef idx="minor">
-      <a:schemeClr val="tx2"/>
-    </cs:fontRef>
-    <cs:defRPr sz="2128" b="1" kern="1200"/>
-  </cs:title>
-  <cs:trendline>
-    <cs:lnRef idx="0">
-      <cs:styleClr val="auto"/>
-    </cs:lnRef>
-    <cs:fillRef idx="0"/>
-    <cs:effectRef idx="0"/>
-    <cs:fontRef idx="minor">
-      <a:schemeClr val="tx2"/>
-    </cs:fontRef>
-    <cs:spPr>
-      <a:ln w="19050" cap="rnd">
-        <a:solidFill>
-          <a:schemeClr val="phClr"/>
-        </a:solidFill>
-        <a:prstDash val="sysDash"/>
-      </a:ln>
-    </cs:spPr>
-  </cs:trendline>
-  <cs:trendlineLabel>
-    <cs:lnRef idx="0"/>
-    <cs:fillRef idx="0"/>
-    <cs:effectRef idx="0"/>
-    <cs:fontRef idx="minor">
-      <a:schemeClr val="tx2"/>
-    </cs:fontRef>
-    <cs:defRPr sz="1197" kern="1200"/>
-  </cs:trendlineLabel>
-  <cs:upBar>
-    <cs:lnRef idx="0"/>
-    <cs:fillRef idx="0"/>
-    <cs:effectRef idx="0"/>
-    <cs:fontRef idx="minor">
-      <a:schemeClr val="tx2"/>
-    </cs:fontRef>
-    <cs:spPr>
-      <a:solidFill>
-        <a:schemeClr val="lt1"/>
-      </a:solidFill>
-      <a:ln w="9525">
-        <a:solidFill>
-          <a:schemeClr val="tx1">
-            <a:lumMod val="15000"/>
-            <a:lumOff val="85000"/>
-          </a:schemeClr>
-        </a:solidFill>
-      </a:ln>
-    </cs:spPr>
-  </cs:upBar>
-  <cs:valueAxis>
-    <cs:lnRef idx="0"/>
-    <cs:fillRef idx="0"/>
-    <cs:effectRef idx="0"/>
-    <cs:fontRef idx="minor">
-      <a:schemeClr val="tx2"/>
-    </cs:fontRef>
-    <cs:defRPr sz="1197" kern="1200"/>
-  </cs:valueAxis>
-  <cs:wall>
-    <cs:lnRef idx="0"/>
-    <cs:fillRef idx="0"/>
-    <cs:effectRef idx="0"/>
-    <cs:fontRef idx="minor">
-      <a:schemeClr val="tx2"/>
-    </cs:fontRef>
-  </cs:wall>
-</cs:chartStyle>
 </file>
 
 <file path=ppt/diagrams/colors1.xml><?xml version="1.0" encoding="utf-8"?>
@@ -8535,203 +7515,6 @@
 </p:sld>
 </file>
 
-<file path=ppt/slides/slide10.xml><?xml version="1.0" encoding="utf-8"?>
-<p:sld xmlns:a="http://schemas.openxmlformats.org/drawingml/2006/main" xmlns:r="http://schemas.openxmlformats.org/officeDocument/2006/relationships" xmlns:p="http://schemas.openxmlformats.org/presentationml/2006/main">
-  <p:cSld>
-    <p:spTree>
-      <p:nvGrpSpPr>
-        <p:cNvPr id="1" name=""/>
-        <p:cNvGrpSpPr/>
-        <p:nvPr/>
-      </p:nvGrpSpPr>
-      <p:grpSpPr>
-        <a:xfrm>
-          <a:off x="0" y="0"/>
-          <a:ext cx="0" cy="0"/>
-          <a:chOff x="0" y="0"/>
-          <a:chExt cx="0" cy="0"/>
-        </a:xfrm>
-      </p:grpSpPr>
-      <p:sp>
-        <p:nvSpPr>
-          <p:cNvPr id="2" name="Title 1"/>
-          <p:cNvSpPr>
-            <a:spLocks noGrp="1"/>
-          </p:cNvSpPr>
-          <p:nvPr>
-            <p:ph type="title"/>
-          </p:nvPr>
-        </p:nvSpPr>
-        <p:spPr/>
-        <p:txBody>
-          <a:bodyPr/>
-          <a:lstStyle/>
-          <a:p>
-            <a:r>
-              <a:rPr lang="en-US" dirty="0"/>
-              <a:t>Add a Slide Title - 4</a:t>
-            </a:r>
-          </a:p>
-        </p:txBody>
-      </p:sp>
-      <p:sp>
-        <p:nvSpPr>
-          <p:cNvPr id="4" name="Text Placeholder 3"/>
-          <p:cNvSpPr>
-            <a:spLocks noGrp="1"/>
-          </p:cNvSpPr>
-          <p:nvPr>
-            <p:ph type="body" sz="half" idx="2"/>
-          </p:nvPr>
-        </p:nvSpPr>
-        <p:spPr/>
-        <p:txBody>
-          <a:bodyPr/>
-          <a:lstStyle/>
-          <a:p>
-            <a:endParaRPr lang="en-US"/>
-          </a:p>
-        </p:txBody>
-      </p:sp>
-      <p:sp>
-        <p:nvSpPr>
-          <p:cNvPr id="3" name="Content Placeholder 2"/>
-          <p:cNvSpPr>
-            <a:spLocks noGrp="1"/>
-          </p:cNvSpPr>
-          <p:nvPr>
-            <p:ph idx="1"/>
-          </p:nvPr>
-        </p:nvSpPr>
-        <p:spPr/>
-        <p:txBody>
-          <a:bodyPr/>
-          <a:lstStyle/>
-          <a:p>
-            <a:endParaRPr lang="en-US"/>
-          </a:p>
-        </p:txBody>
-      </p:sp>
-    </p:spTree>
-    <p:extLst>
-      <p:ext uri="{BB962C8B-B14F-4D97-AF65-F5344CB8AC3E}">
-        <p14:creationId xmlns:p14="http://schemas.microsoft.com/office/powerpoint/2010/main" val="1457430339"/>
-      </p:ext>
-    </p:extLst>
-  </p:cSld>
-  <p:clrMapOvr>
-    <a:masterClrMapping/>
-  </p:clrMapOvr>
-  <mc:AlternateContent xmlns:mc="http://schemas.openxmlformats.org/markup-compatibility/2006" xmlns:p14="http://schemas.microsoft.com/office/powerpoint/2010/main">
-    <mc:Choice Requires="p14">
-      <p:transition spd="med" p14:dur="700">
-        <p:fade/>
-      </p:transition>
-    </mc:Choice>
-    <mc:Fallback xmlns="">
-      <p:transition spd="med">
-        <p:fade/>
-      </p:transition>
-    </mc:Fallback>
-  </mc:AlternateContent>
-</p:sld>
-</file>
-
-<file path=ppt/slides/slide11.xml><?xml version="1.0" encoding="utf-8"?>
-<p:sld xmlns:a="http://schemas.openxmlformats.org/drawingml/2006/main" xmlns:r="http://schemas.openxmlformats.org/officeDocument/2006/relationships" xmlns:p="http://schemas.openxmlformats.org/presentationml/2006/main">
-  <p:cSld>
-    <p:spTree>
-      <p:nvGrpSpPr>
-        <p:cNvPr id="1" name=""/>
-        <p:cNvGrpSpPr/>
-        <p:nvPr/>
-      </p:nvGrpSpPr>
-      <p:grpSpPr>
-        <a:xfrm>
-          <a:off x="0" y="0"/>
-          <a:ext cx="0" cy="0"/>
-          <a:chOff x="0" y="0"/>
-          <a:chExt cx="0" cy="0"/>
-        </a:xfrm>
-      </p:grpSpPr>
-      <p:sp>
-        <p:nvSpPr>
-          <p:cNvPr id="2" name="Title 1"/>
-          <p:cNvSpPr>
-            <a:spLocks noGrp="1"/>
-          </p:cNvSpPr>
-          <p:nvPr>
-            <p:ph type="title"/>
-          </p:nvPr>
-        </p:nvSpPr>
-        <p:spPr/>
-        <p:txBody>
-          <a:bodyPr/>
-          <a:lstStyle/>
-          <a:p>
-            <a:r>
-              <a:rPr lang="en-US" dirty="0"/>
-              <a:t>Add a Slide Title - 5</a:t>
-            </a:r>
-          </a:p>
-        </p:txBody>
-      </p:sp>
-      <p:sp>
-        <p:nvSpPr>
-          <p:cNvPr id="4" name="Text Placeholder 3"/>
-          <p:cNvSpPr>
-            <a:spLocks noGrp="1"/>
-          </p:cNvSpPr>
-          <p:nvPr>
-            <p:ph type="body" sz="half" idx="2"/>
-          </p:nvPr>
-        </p:nvSpPr>
-        <p:spPr/>
-        <p:txBody>
-          <a:bodyPr/>
-          <a:lstStyle/>
-          <a:p>
-            <a:endParaRPr lang="en-US"/>
-          </a:p>
-        </p:txBody>
-      </p:sp>
-      <p:sp>
-        <p:nvSpPr>
-          <p:cNvPr id="3" name="Picture Placeholder 2" descr="An empty placeholder to add an image. Click on the placeholder and select the image that you wish to add"/>
-          <p:cNvSpPr>
-            <a:spLocks noGrp="1"/>
-          </p:cNvSpPr>
-          <p:nvPr>
-            <p:ph type="pic" idx="1"/>
-          </p:nvPr>
-        </p:nvSpPr>
-        <p:spPr/>
-      </p:sp>
-    </p:spTree>
-    <p:extLst>
-      <p:ext uri="{BB962C8B-B14F-4D97-AF65-F5344CB8AC3E}">
-        <p14:creationId xmlns:p14="http://schemas.microsoft.com/office/powerpoint/2010/main" val="3734198996"/>
-      </p:ext>
-    </p:extLst>
-  </p:cSld>
-  <p:clrMapOvr>
-    <a:masterClrMapping/>
-  </p:clrMapOvr>
-  <mc:AlternateContent xmlns:mc="http://schemas.openxmlformats.org/markup-compatibility/2006" xmlns:p14="http://schemas.microsoft.com/office/powerpoint/2010/main">
-    <mc:Choice Requires="p14">
-      <p:transition spd="med" p14:dur="700">
-        <p:fade/>
-      </p:transition>
-    </mc:Choice>
-    <mc:Fallback xmlns="">
-      <p:transition spd="med">
-        <p:fade/>
-      </p:transition>
-    </mc:Fallback>
-  </mc:AlternateContent>
-</p:sld>
-</file>
-
 <file path=ppt/slides/slide2.xml><?xml version="1.0" encoding="utf-8"?>
 <p:sld xmlns:a="http://schemas.openxmlformats.org/drawingml/2006/main" xmlns:r="http://schemas.openxmlformats.org/officeDocument/2006/relationships" xmlns:p="http://schemas.openxmlformats.org/presentationml/2006/main">
   <p:cSld>
@@ -8807,11 +7590,7 @@
             </a:r>
             <a:r>
               <a:rPr lang="en-US" dirty="0" smtClean="0"/>
-              <a:t>faced and </a:t>
-            </a:r>
-            <a:r>
-              <a:rPr lang="en-US" smtClean="0"/>
-              <a:t>Implemented changes.</a:t>
+              <a:t>faced and Implemented changes.</a:t>
             </a:r>
             <a:endParaRPr lang="en-US" dirty="0"/>
           </a:p>
@@ -8921,38 +7700,63 @@
           <a:lstStyle/>
           <a:p>
             <a:r>
-              <a:rPr lang="en-US"/>
-              <a:t>Title and Content Layout with Chart</a:t>
+              <a:rPr lang="en-US" dirty="0" smtClean="0"/>
+              <a:t>Problem Statement</a:t>
             </a:r>
             <a:endParaRPr lang="en-US" dirty="0"/>
           </a:p>
         </p:txBody>
       </p:sp>
-      <p:graphicFrame>
-        <p:nvGraphicFramePr>
-          <p:cNvPr id="9" name="Content Placeholder 2" descr="Clustered column chart showing the values of 3 series for 4 categories"/>
-          <p:cNvGraphicFramePr>
-            <a:graphicFrameLocks noGrp="1"/>
-          </p:cNvGraphicFramePr>
+      <p:sp>
+        <p:nvSpPr>
+          <p:cNvPr id="3" name="Content Placeholder 2"/>
+          <p:cNvSpPr>
+            <a:spLocks noGrp="1"/>
+          </p:cNvSpPr>
           <p:nvPr>
             <p:ph idx="1"/>
-            <p:extLst>
-              <p:ext uri="{D42A27DB-BD31-4B8C-83A1-F6EECF244321}">
-                <p14:modId xmlns:p14="http://schemas.microsoft.com/office/powerpoint/2010/main" val="1185816718"/>
-              </p:ext>
-            </p:extLst>
           </p:nvPr>
-        </p:nvGraphicFramePr>
-        <p:xfrm>
-          <a:off x="1279525" y="2190750"/>
-          <a:ext cx="9629775" cy="3986213"/>
-        </p:xfrm>
-        <a:graphic>
-          <a:graphicData uri="http://schemas.openxmlformats.org/drawingml/2006/chart">
-            <c:chart xmlns:c="http://schemas.openxmlformats.org/drawingml/2006/chart" xmlns:r="http://schemas.openxmlformats.org/officeDocument/2006/relationships" r:id="rId2"/>
-          </a:graphicData>
-        </a:graphic>
-      </p:graphicFrame>
+        </p:nvSpPr>
+        <p:spPr/>
+        <p:txBody>
+          <a:bodyPr/>
+          <a:lstStyle/>
+          <a:p>
+            <a:pPr marL="571500" indent="-342900" algn="just"/>
+            <a:r>
+              <a:rPr lang="en" sz="2400" dirty="0">
+                <a:latin typeface="Times New Roman" panose="02020603050405020304" pitchFamily="18" charset="0"/>
+                <a:cs typeface="Times New Roman" panose="02020603050405020304" pitchFamily="18" charset="0"/>
+              </a:rPr>
+              <a:t>We want to develop a system which makes the life of an instructor easy in terms of tracking the attendance of a student with minimum effort.</a:t>
+            </a:r>
+          </a:p>
+          <a:p>
+            <a:pPr marL="571500" indent="-342900" algn="just"/>
+            <a:r>
+              <a:rPr lang="en" sz="2400" dirty="0">
+                <a:latin typeface="Times New Roman" panose="02020603050405020304" pitchFamily="18" charset="0"/>
+                <a:cs typeface="Times New Roman" panose="02020603050405020304" pitchFamily="18" charset="0"/>
+              </a:rPr>
+              <a:t>Today, we are using different traditional ways which  have certain limitations, ignoring them would make people easier to abuse them.</a:t>
+            </a:r>
+          </a:p>
+          <a:p>
+            <a:pPr marL="571500" indent="-342900" algn="just"/>
+            <a:r>
+              <a:rPr lang="en" sz="2400" dirty="0">
+                <a:latin typeface="Times New Roman" panose="02020603050405020304" pitchFamily="18" charset="0"/>
+                <a:cs typeface="Times New Roman" panose="02020603050405020304" pitchFamily="18" charset="0"/>
+              </a:rPr>
+              <a:t>We will be using the QR codes for tracking the attendance of the students.</a:t>
+            </a:r>
+            <a:endParaRPr lang="en" sz="2400" dirty="0">
+              <a:latin typeface="Times New Roman" panose="02020603050405020304" pitchFamily="18" charset="0"/>
+              <a:cs typeface="Times New Roman" panose="02020603050405020304" pitchFamily="18" charset="0"/>
+            </a:endParaRPr>
+          </a:p>
+        </p:txBody>
+      </p:sp>
     </p:spTree>
     <p:extLst>
       <p:ext uri="{BB962C8B-B14F-4D97-AF65-F5344CB8AC3E}">
@@ -9011,9 +7815,14 @@
           <a:lstStyle/>
           <a:p>
             <a:r>
-              <a:rPr lang="en-US"/>
-              <a:t>Two Content Layout with Table</a:t>
-            </a:r>
+              <a:rPr lang="en-US" dirty="0" smtClean="0"/>
+              <a:t>Previous r</a:t>
+            </a:r>
+            <a:r>
+              <a:rPr lang="en-US" dirty="0" smtClean="0"/>
+              <a:t>equirements</a:t>
+            </a:r>
+            <a:endParaRPr lang="en-US" dirty="0"/>
           </a:p>
         </p:txBody>
       </p:sp>
@@ -9027,280 +7836,136 @@
             <p:ph sz="half" idx="1"/>
           </p:nvPr>
         </p:nvSpPr>
-        <p:spPr/>
+        <p:spPr>
+          <a:xfrm>
+            <a:off x="1280160" y="2193925"/>
+            <a:ext cx="4489704" cy="3987419"/>
+          </a:xfrm>
+        </p:spPr>
         <p:txBody>
           <a:bodyPr/>
           <a:lstStyle/>
           <a:p>
-            <a:r>
-              <a:rPr lang="en-US"/>
-              <a:t>First bullet point here</a:t>
-            </a:r>
-          </a:p>
-          <a:p>
-            <a:r>
-              <a:rPr lang="en-US"/>
-              <a:t>Second bullet point here</a:t>
-            </a:r>
-          </a:p>
-          <a:p>
-            <a:r>
-              <a:rPr lang="en-US"/>
-              <a:t>Third bullet point here</a:t>
-            </a:r>
-          </a:p>
-        </p:txBody>
-      </p:sp>
-      <p:graphicFrame>
-        <p:nvGraphicFramePr>
-          <p:cNvPr id="12" name="Content Placeholder 3"/>
-          <p:cNvGraphicFramePr>
-            <a:graphicFrameLocks noGrp="1"/>
-          </p:cNvGraphicFramePr>
+            <a:pPr marL="0" indent="0">
+              <a:buNone/>
+            </a:pPr>
+            <a:r>
+              <a:rPr lang="en-US" sz="2400" b="1" dirty="0">
+                <a:latin typeface="Times New Roman" panose="02020603050405020304" pitchFamily="18" charset="0"/>
+                <a:cs typeface="Times New Roman" panose="02020603050405020304" pitchFamily="18" charset="0"/>
+              </a:rPr>
+              <a:t>Instructor</a:t>
+            </a:r>
+          </a:p>
+          <a:p>
+            <a:r>
+              <a:rPr lang="en-US" sz="2400" dirty="0">
+                <a:latin typeface="Times New Roman" panose="02020603050405020304" pitchFamily="18" charset="0"/>
+                <a:cs typeface="Times New Roman" panose="02020603050405020304" pitchFamily="18" charset="0"/>
+              </a:rPr>
+              <a:t>QR code Generation</a:t>
+            </a:r>
+          </a:p>
+          <a:p>
+            <a:r>
+              <a:rPr lang="en-US" sz="2400" dirty="0">
+                <a:latin typeface="Times New Roman" panose="02020603050405020304" pitchFamily="18" charset="0"/>
+                <a:cs typeface="Times New Roman" panose="02020603050405020304" pitchFamily="18" charset="0"/>
+              </a:rPr>
+              <a:t>Manage the students attendance</a:t>
+            </a:r>
+            <a:endParaRPr lang="en-US" dirty="0"/>
+          </a:p>
+        </p:txBody>
+      </p:sp>
+      <p:pic>
+        <p:nvPicPr>
+          <p:cNvPr id="4" name="Picture 3"/>
+          <p:cNvPicPr>
+            <a:picLocks noChangeAspect="1"/>
+          </p:cNvPicPr>
+          <p:nvPr/>
+        </p:nvPicPr>
+        <p:blipFill>
+          <a:blip r:embed="rId2"/>
+          <a:stretch>
+            <a:fillRect/>
+          </a:stretch>
+        </p:blipFill>
+        <p:spPr>
+          <a:xfrm>
+            <a:off x="3849429" y="1435435"/>
+            <a:ext cx="4493141" cy="3987130"/>
+          </a:xfrm>
+          <a:prstGeom prst="rect">
+            <a:avLst/>
+          </a:prstGeom>
+        </p:spPr>
+      </p:pic>
+      <p:sp>
+        <p:nvSpPr>
+          <p:cNvPr id="5" name="Content Placeholder 4"/>
+          <p:cNvSpPr>
+            <a:spLocks noGrp="1"/>
+          </p:cNvSpPr>
           <p:nvPr>
             <p:ph sz="half" idx="2"/>
-            <p:extLst>
-              <p:ext uri="{D42A27DB-BD31-4B8C-83A1-F6EECF244321}">
-                <p14:modId xmlns:p14="http://schemas.microsoft.com/office/powerpoint/2010/main" val="75319095"/>
-              </p:ext>
-            </p:extLst>
           </p:nvPr>
-        </p:nvGraphicFramePr>
-        <p:xfrm>
-          <a:off x="6415088" y="2193925"/>
-          <a:ext cx="4494213" cy="1896224"/>
-        </p:xfrm>
-        <a:graphic>
-          <a:graphicData uri="http://schemas.openxmlformats.org/drawingml/2006/table">
-            <a:tbl>
-              <a:tblPr firstRow="1" bandRow="1">
-                <a:tableStyleId>{3B4B98B0-60AC-42C2-AFA5-B58CD77FA1E5}</a:tableStyleId>
-              </a:tblPr>
-              <a:tblGrid>
-                <a:gridCol w="1498071">
-                  <a:extLst>
-                    <a:ext uri="{9D8B030D-6E8A-4147-A177-3AD203B41FA5}">
-                      <a16:colId xmlns:a16="http://schemas.microsoft.com/office/drawing/2014/main" val="20000"/>
-                    </a:ext>
-                  </a:extLst>
-                </a:gridCol>
-                <a:gridCol w="1498071">
-                  <a:extLst>
-                    <a:ext uri="{9D8B030D-6E8A-4147-A177-3AD203B41FA5}">
-                      <a16:colId xmlns:a16="http://schemas.microsoft.com/office/drawing/2014/main" val="20001"/>
-                    </a:ext>
-                  </a:extLst>
-                </a:gridCol>
-                <a:gridCol w="1498071">
-                  <a:extLst>
-                    <a:ext uri="{9D8B030D-6E8A-4147-A177-3AD203B41FA5}">
-                      <a16:colId xmlns:a16="http://schemas.microsoft.com/office/drawing/2014/main" val="20002"/>
-                    </a:ext>
-                  </a:extLst>
-                </a:gridCol>
-              </a:tblGrid>
-              <a:tr h="474056">
-                <a:tc>
-                  <a:txBody>
-                    <a:bodyPr/>
-                    <a:lstStyle/>
-                    <a:p>
-                      <a:r>
-                        <a:rPr lang="en-US" dirty="0"/>
-                        <a:t>Class</a:t>
-                      </a:r>
-                      <a:endParaRPr dirty="0"/>
-                    </a:p>
-                  </a:txBody>
-                  <a:tcPr anchor="ctr"/>
-                </a:tc>
-                <a:tc>
-                  <a:txBody>
-                    <a:bodyPr/>
-                    <a:lstStyle/>
-                    <a:p>
-                      <a:pPr algn="ctr"/>
-                      <a:r>
-                        <a:rPr dirty="0"/>
-                        <a:t>Group 1</a:t>
-                      </a:r>
-                    </a:p>
-                  </a:txBody>
-                  <a:tcPr anchor="ctr"/>
-                </a:tc>
-                <a:tc>
-                  <a:txBody>
-                    <a:bodyPr/>
-                    <a:lstStyle/>
-                    <a:p>
-                      <a:pPr algn="ctr"/>
-                      <a:r>
-                        <a:rPr/>
-                        <a:t>Group 2</a:t>
-                      </a:r>
-                    </a:p>
-                  </a:txBody>
-                  <a:tcPr anchor="ctr"/>
-                </a:tc>
-                <a:extLst>
-                  <a:ext uri="{0D108BD9-81ED-4DB2-BD59-A6C34878D82A}">
-                    <a16:rowId xmlns:a16="http://schemas.microsoft.com/office/drawing/2014/main" val="10000"/>
-                  </a:ext>
-                </a:extLst>
-              </a:tr>
-              <a:tr h="474056">
-                <a:tc>
-                  <a:txBody>
-                    <a:bodyPr/>
-                    <a:lstStyle/>
-                    <a:p>
-                      <a:r>
-                        <a:rPr/>
-                        <a:t>Class 1</a:t>
-                      </a:r>
-                    </a:p>
-                  </a:txBody>
-                  <a:tcPr anchor="ctr"/>
-                </a:tc>
-                <a:tc>
-                  <a:txBody>
-                    <a:bodyPr/>
-                    <a:lstStyle/>
-                    <a:p>
-                      <a:pPr algn="ctr"/>
-                      <a:r>
-                        <a:rPr dirty="0"/>
-                        <a:t>82</a:t>
-                      </a:r>
-                    </a:p>
-                  </a:txBody>
-                  <a:tcPr anchor="ctr"/>
-                </a:tc>
-                <a:tc>
-                  <a:txBody>
-                    <a:bodyPr/>
-                    <a:lstStyle/>
-                    <a:p>
-                      <a:pPr algn="ctr"/>
-                      <a:r>
-                        <a:rPr/>
-                        <a:t>95</a:t>
-                      </a:r>
-                    </a:p>
-                  </a:txBody>
-                  <a:tcPr anchor="ctr"/>
-                </a:tc>
-                <a:extLst>
-                  <a:ext uri="{0D108BD9-81ED-4DB2-BD59-A6C34878D82A}">
-                    <a16:rowId xmlns:a16="http://schemas.microsoft.com/office/drawing/2014/main" val="10001"/>
-                  </a:ext>
-                </a:extLst>
-              </a:tr>
-              <a:tr h="474056">
-                <a:tc>
-                  <a:txBody>
-                    <a:bodyPr/>
-                    <a:lstStyle/>
-                    <a:p>
-                      <a:r>
-                        <a:rPr/>
-                        <a:t>Class</a:t>
-                      </a:r>
-                      <a:r>
-                        <a:rPr baseline="0"/>
-                        <a:t> 2</a:t>
-                      </a:r>
-                      <a:endParaRPr/>
-                    </a:p>
-                  </a:txBody>
-                  <a:tcPr anchor="ctr"/>
-                </a:tc>
-                <a:tc>
-                  <a:txBody>
-                    <a:bodyPr/>
-                    <a:lstStyle/>
-                    <a:p>
-                      <a:pPr algn="ctr"/>
-                      <a:r>
-                        <a:rPr dirty="0"/>
-                        <a:t>76</a:t>
-                      </a:r>
-                    </a:p>
-                  </a:txBody>
-                  <a:tcPr anchor="ctr"/>
-                </a:tc>
-                <a:tc>
-                  <a:txBody>
-                    <a:bodyPr/>
-                    <a:lstStyle/>
-                    <a:p>
-                      <a:pPr algn="ctr"/>
-                      <a:r>
-                        <a:rPr dirty="0"/>
-                        <a:t>88</a:t>
-                      </a:r>
-                    </a:p>
-                  </a:txBody>
-                  <a:tcPr anchor="ctr"/>
-                </a:tc>
-                <a:extLst>
-                  <a:ext uri="{0D108BD9-81ED-4DB2-BD59-A6C34878D82A}">
-                    <a16:rowId xmlns:a16="http://schemas.microsoft.com/office/drawing/2014/main" val="10002"/>
-                  </a:ext>
-                </a:extLst>
-              </a:tr>
-              <a:tr h="474056">
-                <a:tc>
-                  <a:txBody>
-                    <a:bodyPr/>
-                    <a:lstStyle/>
-                    <a:p>
-                      <a:r>
-                        <a:rPr/>
-                        <a:t>Class 3</a:t>
-                      </a:r>
-                    </a:p>
-                  </a:txBody>
-                  <a:tcPr anchor="ctr"/>
-                </a:tc>
-                <a:tc>
-                  <a:txBody>
-                    <a:bodyPr/>
-                    <a:lstStyle/>
-                    <a:p>
-                      <a:pPr algn="ctr"/>
-                      <a:r>
-                        <a:rPr dirty="0"/>
-                        <a:t>84</a:t>
-                      </a:r>
-                    </a:p>
-                  </a:txBody>
-                  <a:tcPr anchor="ctr"/>
-                </a:tc>
-                <a:tc>
-                  <a:txBody>
-                    <a:bodyPr/>
-                    <a:lstStyle/>
-                    <a:p>
-                      <a:pPr algn="ctr"/>
-                      <a:r>
-                        <a:rPr dirty="0"/>
-                        <a:t>90</a:t>
-                      </a:r>
-                    </a:p>
-                  </a:txBody>
-                  <a:tcPr anchor="ctr"/>
-                </a:tc>
-                <a:extLst>
-                  <a:ext uri="{0D108BD9-81ED-4DB2-BD59-A6C34878D82A}">
-                    <a16:rowId xmlns:a16="http://schemas.microsoft.com/office/drawing/2014/main" val="10003"/>
-                  </a:ext>
-                </a:extLst>
-              </a:tr>
-            </a:tbl>
-          </a:graphicData>
-        </a:graphic>
-      </p:graphicFrame>
+        </p:nvSpPr>
+        <p:spPr/>
+        <p:txBody>
+          <a:bodyPr/>
+          <a:lstStyle/>
+          <a:p>
+            <a:pPr marL="0" indent="0">
+              <a:buNone/>
+            </a:pPr>
+            <a:r>
+              <a:rPr lang="en-US" sz="2400" b="1" dirty="0">
+                <a:latin typeface="Times New Roman" panose="02020603050405020304" pitchFamily="18" charset="0"/>
+                <a:cs typeface="Times New Roman" panose="02020603050405020304" pitchFamily="18" charset="0"/>
+              </a:rPr>
+              <a:t>Student</a:t>
+            </a:r>
+          </a:p>
+          <a:p>
+            <a:r>
+              <a:rPr lang="en-US" sz="2400" dirty="0">
+                <a:latin typeface="Times New Roman" panose="02020603050405020304" pitchFamily="18" charset="0"/>
+                <a:cs typeface="Times New Roman" panose="02020603050405020304" pitchFamily="18" charset="0"/>
+              </a:rPr>
+              <a:t>Scan QR and Capture it</a:t>
+            </a:r>
+          </a:p>
+          <a:p>
+            <a:r>
+              <a:rPr lang="en-US" sz="2400" dirty="0">
+                <a:latin typeface="Times New Roman" panose="02020603050405020304" pitchFamily="18" charset="0"/>
+                <a:cs typeface="Times New Roman" panose="02020603050405020304" pitchFamily="18" charset="0"/>
+              </a:rPr>
+              <a:t>View courses registered</a:t>
+            </a:r>
+          </a:p>
+          <a:p>
+            <a:r>
+              <a:rPr lang="en-US" sz="2400" dirty="0">
+                <a:latin typeface="Times New Roman" panose="02020603050405020304" pitchFamily="18" charset="0"/>
+                <a:cs typeface="Times New Roman" panose="02020603050405020304" pitchFamily="18" charset="0"/>
+              </a:rPr>
+              <a:t>View attendance percentage</a:t>
+            </a:r>
+          </a:p>
+          <a:p>
+            <a:r>
+              <a:rPr lang="en-US" sz="2400" dirty="0">
+                <a:latin typeface="Times New Roman" panose="02020603050405020304" pitchFamily="18" charset="0"/>
+                <a:cs typeface="Times New Roman" panose="02020603050405020304" pitchFamily="18" charset="0"/>
+              </a:rPr>
+              <a:t>Feedback</a:t>
+            </a:r>
+          </a:p>
+        </p:txBody>
+      </p:sp>
     </p:spTree>
     <p:extLst>
       <p:ext uri="{BB962C8B-B14F-4D97-AF65-F5344CB8AC3E}">
@@ -9359,8 +8024,8 @@
           <a:lstStyle/>
           <a:p>
             <a:r>
-              <a:rPr lang="en-US"/>
-              <a:t>Title and Content Layout with SmartArt</a:t>
+              <a:rPr lang="en-US" dirty="0" smtClean="0"/>
+              <a:t>Requirements now</a:t>
             </a:r>
             <a:endParaRPr lang="en-US" dirty="0"/>
           </a:p>
@@ -9435,7 +8100,7 @@
       </p:grpSpPr>
       <p:sp>
         <p:nvSpPr>
-          <p:cNvPr id="13" name="Title 1"/>
+          <p:cNvPr id="2" name="Title 1"/>
           <p:cNvSpPr>
             <a:spLocks noGrp="1"/>
           </p:cNvSpPr>
@@ -9449,20 +8114,21 @@
           <a:lstStyle/>
           <a:p>
             <a:r>
-              <a:rPr lang="en-US" dirty="0"/>
-              <a:t>Add a Slide Title - 1</a:t>
-            </a:r>
-          </a:p>
-        </p:txBody>
-      </p:sp>
-      <p:sp>
-        <p:nvSpPr>
-          <p:cNvPr id="14" name="Text Placeholder 2"/>
+              <a:rPr lang="en-US" dirty="0" smtClean="0"/>
+              <a:t>Challenges faced.</a:t>
+            </a:r>
+            <a:endParaRPr lang="en-US" dirty="0"/>
+          </a:p>
+        </p:txBody>
+      </p:sp>
+      <p:sp>
+        <p:nvSpPr>
+          <p:cNvPr id="7" name="Content Placeholder 6"/>
           <p:cNvSpPr>
             <a:spLocks noGrp="1"/>
           </p:cNvSpPr>
           <p:nvPr>
-            <p:ph type="body" idx="1"/>
+            <p:ph idx="1"/>
           </p:nvPr>
         </p:nvSpPr>
         <p:spPr/>
@@ -9470,14 +8136,14 @@
           <a:bodyPr/>
           <a:lstStyle/>
           <a:p>
-            <a:endParaRPr lang="en-US"/>
+            <a:endParaRPr lang="en-US" dirty="0"/>
           </a:p>
         </p:txBody>
       </p:sp>
     </p:spTree>
     <p:extLst>
       <p:ext uri="{BB962C8B-B14F-4D97-AF65-F5344CB8AC3E}">
-        <p14:creationId xmlns:p14="http://schemas.microsoft.com/office/powerpoint/2010/main" val="3240797513"/>
+        <p14:creationId xmlns:p14="http://schemas.microsoft.com/office/powerpoint/2010/main" val="888304381"/>
       </p:ext>
     </p:extLst>
   </p:cSld>
@@ -9532,92 +8198,17 @@
           <a:lstStyle/>
           <a:p>
             <a:r>
-              <a:rPr lang="en-US" dirty="0"/>
-              <a:t>Add a Slide Title - 2</a:t>
-            </a:r>
-          </a:p>
-        </p:txBody>
-      </p:sp>
-      <p:sp>
-        <p:nvSpPr>
-          <p:cNvPr id="3" name="Text Placeholder 2"/>
-          <p:cNvSpPr>
-            <a:spLocks noGrp="1"/>
-          </p:cNvSpPr>
-          <p:nvPr>
-            <p:ph type="body" idx="1"/>
-          </p:nvPr>
-        </p:nvSpPr>
-        <p:spPr/>
-        <p:txBody>
-          <a:bodyPr/>
-          <a:lstStyle/>
-          <a:p>
-            <a:endParaRPr lang="en-US"/>
-          </a:p>
-        </p:txBody>
-      </p:sp>
-      <p:sp>
-        <p:nvSpPr>
-          <p:cNvPr id="4" name="Content Placeholder 3"/>
-          <p:cNvSpPr>
-            <a:spLocks noGrp="1"/>
-          </p:cNvSpPr>
-          <p:nvPr>
-            <p:ph sz="half" idx="2"/>
-          </p:nvPr>
-        </p:nvSpPr>
-        <p:spPr/>
-        <p:txBody>
-          <a:bodyPr/>
-          <a:lstStyle/>
-          <a:p>
-            <a:endParaRPr lang="en-US"/>
-          </a:p>
-        </p:txBody>
-      </p:sp>
-      <p:sp>
-        <p:nvSpPr>
-          <p:cNvPr id="5" name="Text Placeholder 4"/>
-          <p:cNvSpPr>
-            <a:spLocks noGrp="1"/>
-          </p:cNvSpPr>
-          <p:nvPr>
-            <p:ph type="body" sz="quarter" idx="3"/>
-          </p:nvPr>
-        </p:nvSpPr>
-        <p:spPr/>
-        <p:txBody>
-          <a:bodyPr/>
-          <a:lstStyle/>
-          <a:p>
-            <a:endParaRPr lang="en-US"/>
-          </a:p>
-        </p:txBody>
-      </p:sp>
-      <p:sp>
-        <p:nvSpPr>
-          <p:cNvPr id="6" name="Content Placeholder 5"/>
-          <p:cNvSpPr>
-            <a:spLocks noGrp="1"/>
-          </p:cNvSpPr>
-          <p:nvPr>
-            <p:ph sz="quarter" idx="4"/>
-          </p:nvPr>
-        </p:nvSpPr>
-        <p:spPr/>
-        <p:txBody>
-          <a:bodyPr/>
-          <a:lstStyle/>
-          <a:p>
-            <a:endParaRPr lang="en-US"/>
+              <a:rPr lang="en-US" dirty="0" smtClean="0"/>
+              <a:t>Implemented changes</a:t>
+            </a:r>
+            <a:endParaRPr lang="en-US" dirty="0"/>
           </a:p>
         </p:txBody>
       </p:sp>
     </p:spTree>
     <p:extLst>
       <p:ext uri="{BB962C8B-B14F-4D97-AF65-F5344CB8AC3E}">
-        <p14:creationId xmlns:p14="http://schemas.microsoft.com/office/powerpoint/2010/main" val="888304381"/>
+        <p14:creationId xmlns:p14="http://schemas.microsoft.com/office/powerpoint/2010/main" val="2902466307"/>
       </p:ext>
     </p:extLst>
   </p:cSld>
@@ -9672,16 +8263,36 @@
           <a:lstStyle/>
           <a:p>
             <a:r>
-              <a:rPr lang="en-US" dirty="0"/>
-              <a:t>Add a Slide Title - 3</a:t>
-            </a:r>
+              <a:rPr lang="en-US" dirty="0" smtClean="0"/>
+              <a:t>Iteration Plan</a:t>
+            </a:r>
+            <a:endParaRPr lang="en-US" dirty="0"/>
+          </a:p>
+        </p:txBody>
+      </p:sp>
+      <p:sp>
+        <p:nvSpPr>
+          <p:cNvPr id="5" name="Content Placeholder 4"/>
+          <p:cNvSpPr>
+            <a:spLocks noGrp="1"/>
+          </p:cNvSpPr>
+          <p:nvPr>
+            <p:ph idx="1"/>
+          </p:nvPr>
+        </p:nvSpPr>
+        <p:spPr/>
+        <p:txBody>
+          <a:bodyPr/>
+          <a:lstStyle/>
+          <a:p>
+            <a:endParaRPr lang="en-US" dirty="0"/>
           </a:p>
         </p:txBody>
       </p:sp>
     </p:spTree>
     <p:extLst>
       <p:ext uri="{BB962C8B-B14F-4D97-AF65-F5344CB8AC3E}">
-        <p14:creationId xmlns:p14="http://schemas.microsoft.com/office/powerpoint/2010/main" val="2902466307"/>
+        <p14:creationId xmlns:p14="http://schemas.microsoft.com/office/powerpoint/2010/main" val="1457430339"/>
       </p:ext>
     </p:extLst>
   </p:cSld>
@@ -9720,10 +8331,63 @@
           <a:chExt cx="0" cy="0"/>
         </a:xfrm>
       </p:grpSpPr>
+      <p:sp>
+        <p:nvSpPr>
+          <p:cNvPr id="2" name="Title 1"/>
+          <p:cNvSpPr>
+            <a:spLocks noGrp="1"/>
+          </p:cNvSpPr>
+          <p:nvPr>
+            <p:ph type="title"/>
+          </p:nvPr>
+        </p:nvSpPr>
+        <p:spPr/>
+        <p:txBody>
+          <a:bodyPr/>
+          <a:lstStyle/>
+          <a:p>
+            <a:r>
+              <a:rPr lang="en-US" dirty="0"/>
+              <a:t>Add a Slide Title - 5</a:t>
+            </a:r>
+          </a:p>
+        </p:txBody>
+      </p:sp>
+      <p:sp>
+        <p:nvSpPr>
+          <p:cNvPr id="4" name="Text Placeholder 3"/>
+          <p:cNvSpPr>
+            <a:spLocks noGrp="1"/>
+          </p:cNvSpPr>
+          <p:nvPr>
+            <p:ph type="body" sz="half" idx="2"/>
+          </p:nvPr>
+        </p:nvSpPr>
+        <p:spPr/>
+        <p:txBody>
+          <a:bodyPr/>
+          <a:lstStyle/>
+          <a:p>
+            <a:endParaRPr lang="en-US"/>
+          </a:p>
+        </p:txBody>
+      </p:sp>
+      <p:sp>
+        <p:nvSpPr>
+          <p:cNvPr id="3" name="Picture Placeholder 2" descr="An empty placeholder to add an image. Click on the placeholder and select the image that you wish to add"/>
+          <p:cNvSpPr>
+            <a:spLocks noGrp="1"/>
+          </p:cNvSpPr>
+          <p:nvPr>
+            <p:ph type="pic" idx="1"/>
+          </p:nvPr>
+        </p:nvSpPr>
+        <p:spPr/>
+      </p:sp>
     </p:spTree>
     <p:extLst>
       <p:ext uri="{BB962C8B-B14F-4D97-AF65-F5344CB8AC3E}">
-        <p14:creationId xmlns:p14="http://schemas.microsoft.com/office/powerpoint/2010/main" val="3350644395"/>
+        <p14:creationId xmlns:p14="http://schemas.microsoft.com/office/powerpoint/2010/main" val="3734198996"/>
       </p:ext>
     </p:extLst>
   </p:cSld>

--- a/Presentations/final ppt.pptx
+++ b/Presentations/final ppt.pptx
@@ -5,21 +5,22 @@
     <p:sldMasterId id="2147483648" r:id="rId1"/>
   </p:sldMasterIdLst>
   <p:notesMasterIdLst>
-    <p:notesMasterId r:id="rId11"/>
+    <p:notesMasterId r:id="rId12"/>
   </p:notesMasterIdLst>
   <p:handoutMasterIdLst>
-    <p:handoutMasterId r:id="rId12"/>
+    <p:handoutMasterId r:id="rId13"/>
   </p:handoutMasterIdLst>
   <p:sldIdLst>
     <p:sldId id="258" r:id="rId2"/>
     <p:sldId id="260" r:id="rId3"/>
     <p:sldId id="261" r:id="rId4"/>
     <p:sldId id="262" r:id="rId5"/>
-    <p:sldId id="263" r:id="rId6"/>
-    <p:sldId id="265" r:id="rId7"/>
-    <p:sldId id="266" r:id="rId8"/>
-    <p:sldId id="268" r:id="rId9"/>
-    <p:sldId id="269" r:id="rId10"/>
+    <p:sldId id="270" r:id="rId6"/>
+    <p:sldId id="263" r:id="rId7"/>
+    <p:sldId id="265" r:id="rId8"/>
+    <p:sldId id="266" r:id="rId9"/>
+    <p:sldId id="268" r:id="rId10"/>
+    <p:sldId id="269" r:id="rId11"/>
   </p:sldIdLst>
   <p:sldSz cx="12192000" cy="6858000"/>
   <p:notesSz cx="6858000" cy="9144000"/>
@@ -898,9 +899,10 @@
         <a:lstStyle/>
         <a:p>
           <a:r>
-            <a:rPr lang="en-US" dirty="0"/>
-            <a:t>Step 1 Title</a:t>
+            <a:rPr lang="en-US" dirty="0" smtClean="0"/>
+            <a:t>Requirements Gathering </a:t>
           </a:r>
+          <a:endParaRPr lang="en-US" dirty="0"/>
         </a:p>
       </dgm:t>
     </dgm:pt>
@@ -926,42 +928,6 @@
         </a:p>
       </dgm:t>
     </dgm:pt>
-    <dgm:pt modelId="{23A0DE4A-FE92-496E-B335-3433CEFB74E9}">
-      <dgm:prSet phldrT="[Text]"/>
-      <dgm:spPr/>
-      <dgm:t>
-        <a:bodyPr/>
-        <a:lstStyle/>
-        <a:p>
-          <a:r>
-            <a:rPr lang="en-US" dirty="0"/>
-            <a:t>Task description</a:t>
-          </a:r>
-        </a:p>
-      </dgm:t>
-    </dgm:pt>
-    <dgm:pt modelId="{68935D38-FEDC-4CD3-8002-43CB3944BEAF}" type="parTrans" cxnId="{67A03D8F-F327-4A9F-ABBC-1EB67EFD1ECB}">
-      <dgm:prSet/>
-      <dgm:spPr/>
-      <dgm:t>
-        <a:bodyPr/>
-        <a:lstStyle/>
-        <a:p>
-          <a:endParaRPr lang="en-US"/>
-        </a:p>
-      </dgm:t>
-    </dgm:pt>
-    <dgm:pt modelId="{55DF926D-029A-4E18-95C4-77A5A37CAE40}" type="sibTrans" cxnId="{67A03D8F-F327-4A9F-ABBC-1EB67EFD1ECB}">
-      <dgm:prSet/>
-      <dgm:spPr/>
-      <dgm:t>
-        <a:bodyPr/>
-        <a:lstStyle/>
-        <a:p>
-          <a:endParaRPr lang="en-US"/>
-        </a:p>
-      </dgm:t>
-    </dgm:pt>
     <dgm:pt modelId="{97AFB725-9839-43BA-B026-0DD6AA03AD9C}">
       <dgm:prSet phldrT="[Text]"/>
       <dgm:spPr/>
@@ -970,9 +936,10 @@
         <a:lstStyle/>
         <a:p>
           <a:r>
-            <a:rPr lang="en-US" dirty="0"/>
-            <a:t>Task description</a:t>
+            <a:rPr lang="en-US" dirty="0" smtClean="0"/>
+            <a:t>Requirements specification</a:t>
           </a:r>
+          <a:endParaRPr lang="en-US" dirty="0"/>
         </a:p>
       </dgm:t>
     </dgm:pt>
@@ -1006,9 +973,10 @@
         <a:lstStyle/>
         <a:p>
           <a:r>
-            <a:rPr lang="en-US" dirty="0"/>
-            <a:t>Task description</a:t>
+            <a:rPr lang="en-US" dirty="0" smtClean="0"/>
+            <a:t>Team and standup Meetings</a:t>
           </a:r>
+          <a:endParaRPr lang="en-US" dirty="0"/>
         </a:p>
       </dgm:t>
     </dgm:pt>
@@ -1042,9 +1010,10 @@
         <a:lstStyle/>
         <a:p>
           <a:r>
-            <a:rPr lang="en-US" dirty="0"/>
-            <a:t>Task description</a:t>
+            <a:rPr lang="en-US" dirty="0" smtClean="0"/>
+            <a:t>Use Case documentation</a:t>
           </a:r>
+          <a:endParaRPr lang="en-US" dirty="0"/>
         </a:p>
       </dgm:t>
     </dgm:pt>
@@ -1078,9 +1047,10 @@
         <a:lstStyle/>
         <a:p>
           <a:r>
-            <a:rPr lang="en-US" dirty="0"/>
-            <a:t>Step 2 Title</a:t>
+            <a:rPr lang="en-US" dirty="0" smtClean="0"/>
+            <a:t>PMP Plan</a:t>
           </a:r>
+          <a:endParaRPr lang="en-US" dirty="0"/>
         </a:p>
       </dgm:t>
     </dgm:pt>
@@ -1114,9 +1084,10 @@
         <a:lstStyle/>
         <a:p>
           <a:r>
-            <a:rPr lang="en-US" dirty="0"/>
-            <a:t>Task description</a:t>
+            <a:rPr lang="en-US" dirty="0" smtClean="0"/>
+            <a:t>Implementation Strategy</a:t>
           </a:r>
+          <a:endParaRPr lang="en-US" dirty="0"/>
         </a:p>
       </dgm:t>
     </dgm:pt>
@@ -1150,9 +1121,10 @@
         <a:lstStyle/>
         <a:p>
           <a:r>
-            <a:rPr lang="en-US" dirty="0"/>
-            <a:t>Task description</a:t>
+            <a:rPr lang="en-US" dirty="0" smtClean="0"/>
+            <a:t>Choosing appropriate tools</a:t>
           </a:r>
+          <a:endParaRPr lang="en-US" dirty="0"/>
         </a:p>
       </dgm:t>
     </dgm:pt>
@@ -1186,9 +1158,10 @@
         <a:lstStyle/>
         <a:p>
           <a:r>
-            <a:rPr lang="en-US" dirty="0"/>
-            <a:t>Task description</a:t>
+            <a:rPr lang="en-US" dirty="0" smtClean="0"/>
+            <a:t>Appropriate language</a:t>
           </a:r>
+          <a:endParaRPr lang="en-US" dirty="0"/>
         </a:p>
       </dgm:t>
     </dgm:pt>
@@ -1222,9 +1195,10 @@
         <a:lstStyle/>
         <a:p>
           <a:r>
-            <a:rPr lang="en-US" dirty="0"/>
-            <a:t>Step 3 Title</a:t>
+            <a:rPr lang="en-US" dirty="0" smtClean="0"/>
+            <a:t>Iteration Plan</a:t>
           </a:r>
+          <a:endParaRPr lang="en-US" dirty="0"/>
         </a:p>
       </dgm:t>
     </dgm:pt>
@@ -1258,9 +1232,10 @@
         <a:lstStyle/>
         <a:p>
           <a:r>
-            <a:rPr lang="en-US" dirty="0"/>
-            <a:t>Task description</a:t>
+            <a:rPr lang="en-US" dirty="0" smtClean="0"/>
+            <a:t>Description of tasks</a:t>
           </a:r>
+          <a:endParaRPr lang="en-US" dirty="0"/>
         </a:p>
       </dgm:t>
     </dgm:pt>
@@ -1294,9 +1269,10 @@
         <a:lstStyle/>
         <a:p>
           <a:r>
-            <a:rPr lang="en-US" dirty="0"/>
-            <a:t>Task description</a:t>
+            <a:rPr lang="en-US" dirty="0" smtClean="0"/>
+            <a:t>Schedule, division of responsibilities</a:t>
           </a:r>
+          <a:endParaRPr lang="en-US" dirty="0"/>
         </a:p>
       </dgm:t>
     </dgm:pt>
@@ -1322,42 +1298,6 @@
         </a:p>
       </dgm:t>
     </dgm:pt>
-    <dgm:pt modelId="{E5E95E82-EF79-43CA-AA86-43B0E1CBCD3F}">
-      <dgm:prSet phldrT="[Text]"/>
-      <dgm:spPr/>
-      <dgm:t>
-        <a:bodyPr/>
-        <a:lstStyle/>
-        <a:p>
-          <a:r>
-            <a:rPr lang="en-US" dirty="0"/>
-            <a:t>Step 4 Title</a:t>
-          </a:r>
-        </a:p>
-      </dgm:t>
-    </dgm:pt>
-    <dgm:pt modelId="{FD76A3AE-1B6C-45A0-8E84-63160283749F}" type="parTrans" cxnId="{A76240AD-13F6-40C0-BD9B-102D5EC0AE51}">
-      <dgm:prSet/>
-      <dgm:spPr/>
-      <dgm:t>
-        <a:bodyPr/>
-        <a:lstStyle/>
-        <a:p>
-          <a:endParaRPr lang="en-US"/>
-        </a:p>
-      </dgm:t>
-    </dgm:pt>
-    <dgm:pt modelId="{BF76010C-5523-4E13-B3E7-886DCE6AEBD4}" type="sibTrans" cxnId="{A76240AD-13F6-40C0-BD9B-102D5EC0AE51}">
-      <dgm:prSet/>
-      <dgm:spPr/>
-      <dgm:t>
-        <a:bodyPr/>
-        <a:lstStyle/>
-        <a:p>
-          <a:endParaRPr lang="en-US"/>
-        </a:p>
-      </dgm:t>
-    </dgm:pt>
     <dgm:pt modelId="{A81358E0-3DE7-41AD-A28C-ABB22548B1F6}">
       <dgm:prSet phldrT="[Text]"/>
       <dgm:spPr/>
@@ -1366,9 +1306,10 @@
         <a:lstStyle/>
         <a:p>
           <a:r>
-            <a:rPr lang="en-US" dirty="0"/>
-            <a:t>Task description</a:t>
+            <a:rPr lang="en-US" dirty="0" smtClean="0"/>
+            <a:t>Testing Strategy</a:t>
           </a:r>
+          <a:endParaRPr lang="en-US" dirty="0"/>
         </a:p>
       </dgm:t>
     </dgm:pt>
@@ -1402,9 +1343,10 @@
         <a:lstStyle/>
         <a:p>
           <a:r>
-            <a:rPr lang="en-US" dirty="0"/>
-            <a:t>Task description</a:t>
+            <a:rPr lang="en-US" dirty="0" smtClean="0"/>
+            <a:t>Debugging the system using the requirements document.</a:t>
           </a:r>
+          <a:endParaRPr lang="en-US" dirty="0"/>
         </a:p>
       </dgm:t>
     </dgm:pt>
@@ -1420,6 +1362,43 @@
       </dgm:t>
     </dgm:pt>
     <dgm:pt modelId="{118572A4-3B5E-487E-8015-6A319369077F}" type="sibTrans" cxnId="{1C5CE732-A00F-4C06-A1A8-B209BC6B496D}">
+      <dgm:prSet/>
+      <dgm:spPr/>
+      <dgm:t>
+        <a:bodyPr/>
+        <a:lstStyle/>
+        <a:p>
+          <a:endParaRPr lang="en-US"/>
+        </a:p>
+      </dgm:t>
+    </dgm:pt>
+    <dgm:pt modelId="{23A0DE4A-FE92-496E-B335-3433CEFB74E9}">
+      <dgm:prSet phldrT="[Text]"/>
+      <dgm:spPr/>
+      <dgm:t>
+        <a:bodyPr/>
+        <a:lstStyle/>
+        <a:p>
+          <a:r>
+            <a:rPr lang="en-US" dirty="0" smtClean="0"/>
+            <a:t>Problem Statement</a:t>
+          </a:r>
+          <a:endParaRPr lang="en-US" dirty="0"/>
+        </a:p>
+      </dgm:t>
+    </dgm:pt>
+    <dgm:pt modelId="{55DF926D-029A-4E18-95C4-77A5A37CAE40}" type="sibTrans" cxnId="{67A03D8F-F327-4A9F-ABBC-1EB67EFD1ECB}">
+      <dgm:prSet/>
+      <dgm:spPr/>
+      <dgm:t>
+        <a:bodyPr/>
+        <a:lstStyle/>
+        <a:p>
+          <a:endParaRPr lang="en-US"/>
+        </a:p>
+      </dgm:t>
+    </dgm:pt>
+    <dgm:pt modelId="{68935D38-FEDC-4CD3-8002-43CB3944BEAF}" type="parTrans" cxnId="{67A03D8F-F327-4A9F-ABBC-1EB67EFD1ECB}">
       <dgm:prSet/>
       <dgm:spPr/>
       <dgm:t>
@@ -1503,8 +1482,8 @@
       <dgm:prSet presAssocID="{DE289E29-1989-4D8E-8AA6-F030105B3F13}" presName="sibTrans" presStyleCnt="0"/>
       <dgm:spPr/>
     </dgm:pt>
-    <dgm:pt modelId="{86146B22-5360-4D1B-AC91-3378F10134EE}" type="pres">
-      <dgm:prSet presAssocID="{E5E95E82-EF79-43CA-AA86-43B0E1CBCD3F}" presName="node" presStyleLbl="node1" presStyleIdx="3" presStyleCnt="4">
+    <dgm:pt modelId="{EA2D5D8D-3FD5-4FE4-B7E8-BF78685C4C76}" type="pres">
+      <dgm:prSet presAssocID="{A81358E0-3DE7-41AD-A28C-ABB22548B1F6}" presName="node" presStyleLbl="node1" presStyleIdx="3" presStyleCnt="4">
         <dgm:presLayoutVars>
           <dgm:bulletEnabled val="1"/>
         </dgm:presLayoutVars>
@@ -1527,10 +1506,8 @@
     <dgm:cxn modelId="{3B50A2DD-8777-42C9-93E1-40A37E404C87}" type="presOf" srcId="{44B2544A-D122-4B95-A36C-B03D9E272B48}" destId="{DAD9059A-916A-4916-A2A8-B42491568DD3}" srcOrd="0" destOrd="3" presId="urn:microsoft.com/office/officeart/2005/8/layout/hList6"/>
     <dgm:cxn modelId="{C8C462C6-33A3-4E8B-91FE-36DBE92F1C4A}" srcId="{CF9055CF-8DEB-4A02-949A-DE72B6AC5D37}" destId="{6D0E5D9F-7263-4526-A227-51301233F549}" srcOrd="2" destOrd="0" parTransId="{23416D07-25F8-426C-BC65-639E6BCF4D6D}" sibTransId="{DE289E29-1989-4D8E-8AA6-F030105B3F13}"/>
     <dgm:cxn modelId="{59DDA576-1BA9-49E8-9D1D-361FF667A19A}" srcId="{B6E26FFC-9977-4BBC-BEC7-3D6B63754E52}" destId="{62831651-7C26-466C-BAA4-31EA8D14E47A}" srcOrd="1" destOrd="0" parTransId="{0F3EB6E4-07A5-4199-9C2F-8B91F53579FE}" sibTransId="{0D19FA60-5F9C-420B-AD2F-A0656A7F0783}"/>
-    <dgm:cxn modelId="{A76240AD-13F6-40C0-BD9B-102D5EC0AE51}" srcId="{CF9055CF-8DEB-4A02-949A-DE72B6AC5D37}" destId="{E5E95E82-EF79-43CA-AA86-43B0E1CBCD3F}" srcOrd="3" destOrd="0" parTransId="{FD76A3AE-1B6C-45A0-8E84-63160283749F}" sibTransId="{BF76010C-5523-4E13-B3E7-886DCE6AEBD4}"/>
-    <dgm:cxn modelId="{FB8541C0-3895-4553-A4C7-34B81A3C4A0B}" srcId="{E5E95E82-EF79-43CA-AA86-43B0E1CBCD3F}" destId="{A81358E0-3DE7-41AD-A28C-ABB22548B1F6}" srcOrd="0" destOrd="0" parTransId="{262E0B94-6EA9-4797-B705-959D7B185F91}" sibTransId="{77756FBB-BF6C-4D78-803E-BCC851F1DA03}"/>
+    <dgm:cxn modelId="{FB8541C0-3895-4553-A4C7-34B81A3C4A0B}" srcId="{CF9055CF-8DEB-4A02-949A-DE72B6AC5D37}" destId="{A81358E0-3DE7-41AD-A28C-ABB22548B1F6}" srcOrd="3" destOrd="0" parTransId="{262E0B94-6EA9-4797-B705-959D7B185F91}" sibTransId="{77756FBB-BF6C-4D78-803E-BCC851F1DA03}"/>
     <dgm:cxn modelId="{CC1A92EB-2672-4443-858D-BCA16F76F740}" type="presOf" srcId="{F3256203-D9D1-492A-B801-68C1A32486F0}" destId="{25A33852-3C4B-4406-8856-3A4D6201948C}" srcOrd="0" destOrd="1" presId="urn:microsoft.com/office/officeart/2005/8/layout/hList6"/>
-    <dgm:cxn modelId="{2FA258D4-5B38-426D-B0D7-CD8F217A1137}" type="presOf" srcId="{E5E95E82-EF79-43CA-AA86-43B0E1CBCD3F}" destId="{86146B22-5360-4D1B-AC91-3378F10134EE}" srcOrd="0" destOrd="0" presId="urn:microsoft.com/office/officeart/2005/8/layout/hList6"/>
     <dgm:cxn modelId="{F4F3BD4C-7DE7-449F-8ECF-B43B2B86F2EB}" type="presOf" srcId="{CBCC21F5-552F-4D39-812E-6FCD4A366F58}" destId="{DAD9059A-916A-4916-A2A8-B42491568DD3}" srcOrd="0" destOrd="1" presId="urn:microsoft.com/office/officeart/2005/8/layout/hList6"/>
     <dgm:cxn modelId="{67A03D8F-F327-4A9F-ABBC-1EB67EFD1ECB}" srcId="{082E8A29-955A-4C7C-A174-3E9DCD4DC89B}" destId="{23A0DE4A-FE92-496E-B335-3433CEFB74E9}" srcOrd="0" destOrd="0" parTransId="{68935D38-FEDC-4CD3-8002-43CB3944BEAF}" sibTransId="{55DF926D-029A-4E18-95C4-77A5A37CAE40}"/>
     <dgm:cxn modelId="{ECB535CD-5106-41E2-A5E6-D382C3792033}" type="presOf" srcId="{357008B7-F3FD-489F-A410-81C9A9EFE4DA}" destId="{25A33852-3C4B-4406-8856-3A4D6201948C}" srcOrd="0" destOrd="2" presId="urn:microsoft.com/office/officeart/2005/8/layout/hList6"/>
@@ -1540,24 +1517,24 @@
     <dgm:cxn modelId="{9CB4B27D-95A7-458D-A9CA-7754788DD095}" type="presOf" srcId="{62831651-7C26-466C-BAA4-31EA8D14E47A}" destId="{DAD9059A-916A-4916-A2A8-B42491568DD3}" srcOrd="0" destOrd="2" presId="urn:microsoft.com/office/officeart/2005/8/layout/hList6"/>
     <dgm:cxn modelId="{0676BA07-1135-49D0-993A-27A9F99FC0CD}" type="presOf" srcId="{B6E26FFC-9977-4BBC-BEC7-3D6B63754E52}" destId="{DAD9059A-916A-4916-A2A8-B42491568DD3}" srcOrd="0" destOrd="0" presId="urn:microsoft.com/office/officeart/2005/8/layout/hList6"/>
     <dgm:cxn modelId="{D286A548-6BB0-4DED-9FB5-D87042DDBE0A}" srcId="{082E8A29-955A-4C7C-A174-3E9DCD4DC89B}" destId="{A97FC57D-50D6-4D43-99C3-06D09820F122}" srcOrd="3" destOrd="0" parTransId="{5DD877C7-E4D9-4A68-A305-5A7689D3DBE7}" sibTransId="{C17BCABE-BEF2-4CC4-B037-B6B4866665CD}"/>
-    <dgm:cxn modelId="{DC53BA63-76BA-413A-ACCE-B7609C3FDC8E}" type="presOf" srcId="{A81358E0-3DE7-41AD-A28C-ABB22548B1F6}" destId="{86146B22-5360-4D1B-AC91-3378F10134EE}" srcOrd="0" destOrd="1" presId="urn:microsoft.com/office/officeart/2005/8/layout/hList6"/>
+    <dgm:cxn modelId="{C96BF60D-B5D7-4E7E-BAFB-67C6FA170BA9}" type="presOf" srcId="{37A7C994-CC74-44DD-8777-ED6736B35821}" destId="{EA2D5D8D-3FD5-4FE4-B7E8-BF78685C4C76}" srcOrd="0" destOrd="1" presId="urn:microsoft.com/office/officeart/2005/8/layout/hList6"/>
     <dgm:cxn modelId="{C06DA1C3-D38F-43B1-B24E-E80592CC29EC}" type="presOf" srcId="{23A0DE4A-FE92-496E-B335-3433CEFB74E9}" destId="{98302F07-D6A9-46A5-9807-EBF6C9F5B2DD}" srcOrd="0" destOrd="1" presId="urn:microsoft.com/office/officeart/2005/8/layout/hList6"/>
     <dgm:cxn modelId="{24179AE2-AA7E-4702-A358-E95F80152CCA}" type="presOf" srcId="{CF9055CF-8DEB-4A02-949A-DE72B6AC5D37}" destId="{6F1872F4-A030-4D64-A17C-72EA1ABBD62E}" srcOrd="0" destOrd="0" presId="urn:microsoft.com/office/officeart/2005/8/layout/hList6"/>
-    <dgm:cxn modelId="{729DA21F-0A99-4CC3-ACFF-2A00EDCAA358}" type="presOf" srcId="{37A7C994-CC74-44DD-8777-ED6736B35821}" destId="{86146B22-5360-4D1B-AC91-3378F10134EE}" srcOrd="0" destOrd="2" presId="urn:microsoft.com/office/officeart/2005/8/layout/hList6"/>
     <dgm:cxn modelId="{97004F90-D1DB-4A84-A8AE-504DE1F07341}" srcId="{082E8A29-955A-4C7C-A174-3E9DCD4DC89B}" destId="{97AFB725-9839-43BA-B026-0DD6AA03AD9C}" srcOrd="1" destOrd="0" parTransId="{CC01022B-5039-457F-931E-79459E3C1DC4}" sibTransId="{D5C26250-A06D-4B41-BC14-92648809C21F}"/>
     <dgm:cxn modelId="{17E73148-9C08-4999-B21E-F3C5A0E3FC0C}" srcId="{CF9055CF-8DEB-4A02-949A-DE72B6AC5D37}" destId="{B6E26FFC-9977-4BBC-BEC7-3D6B63754E52}" srcOrd="1" destOrd="0" parTransId="{5CEFBD89-2F4F-4B51-A98A-0F3C86494166}" sibTransId="{48634C00-2335-4923-9072-EB7482323D9C}"/>
-    <dgm:cxn modelId="{1C5CE732-A00F-4C06-A1A8-B209BC6B496D}" srcId="{E5E95E82-EF79-43CA-AA86-43B0E1CBCD3F}" destId="{37A7C994-CC74-44DD-8777-ED6736B35821}" srcOrd="1" destOrd="0" parTransId="{03F017E7-7E3C-4E2C-9CEF-B07099F38801}" sibTransId="{118572A4-3B5E-487E-8015-6A319369077F}"/>
+    <dgm:cxn modelId="{1C5CE732-A00F-4C06-A1A8-B209BC6B496D}" srcId="{A81358E0-3DE7-41AD-A28C-ABB22548B1F6}" destId="{37A7C994-CC74-44DD-8777-ED6736B35821}" srcOrd="0" destOrd="0" parTransId="{03F017E7-7E3C-4E2C-9CEF-B07099F38801}" sibTransId="{118572A4-3B5E-487E-8015-6A319369077F}"/>
     <dgm:cxn modelId="{8910F93B-7180-4A52-9856-879D102D33F8}" srcId="{6D0E5D9F-7263-4526-A227-51301233F549}" destId="{357008B7-F3FD-489F-A410-81C9A9EFE4DA}" srcOrd="1" destOrd="0" parTransId="{ED5EFE54-4C6D-4A88-939B-CE66C6668425}" sibTransId="{87BC108C-4915-4A4B-8565-E4BD28BA3C35}"/>
     <dgm:cxn modelId="{3C41F2E0-4620-40B4-9857-68872B278EFB}" srcId="{B6E26FFC-9977-4BBC-BEC7-3D6B63754E52}" destId="{CBCC21F5-552F-4D39-812E-6FCD4A366F58}" srcOrd="0" destOrd="0" parTransId="{4A973A1C-85F1-4969-A536-D29940229E2C}" sibTransId="{3640B940-6901-481F-ADF7-6B77DEEED764}"/>
     <dgm:cxn modelId="{77BD0D2D-7C4E-49B3-9A72-0FD33F32D294}" type="presOf" srcId="{6D0E5D9F-7263-4526-A227-51301233F549}" destId="{25A33852-3C4B-4406-8856-3A4D6201948C}" srcOrd="0" destOrd="0" presId="urn:microsoft.com/office/officeart/2005/8/layout/hList6"/>
     <dgm:cxn modelId="{3AE2742D-7673-4553-BCDD-292AE3B4BC50}" type="presOf" srcId="{97AFB725-9839-43BA-B026-0DD6AA03AD9C}" destId="{98302F07-D6A9-46A5-9807-EBF6C9F5B2DD}" srcOrd="0" destOrd="2" presId="urn:microsoft.com/office/officeart/2005/8/layout/hList6"/>
+    <dgm:cxn modelId="{848AA9C3-2A89-4739-B45E-CA4698753A9F}" type="presOf" srcId="{A81358E0-3DE7-41AD-A28C-ABB22548B1F6}" destId="{EA2D5D8D-3FD5-4FE4-B7E8-BF78685C4C76}" srcOrd="0" destOrd="0" presId="urn:microsoft.com/office/officeart/2005/8/layout/hList6"/>
     <dgm:cxn modelId="{D4055BC1-25B1-4CD1-BF08-20C154FADF73}" type="presParOf" srcId="{6F1872F4-A030-4D64-A17C-72EA1ABBD62E}" destId="{98302F07-D6A9-46A5-9807-EBF6C9F5B2DD}" srcOrd="0" destOrd="0" presId="urn:microsoft.com/office/officeart/2005/8/layout/hList6"/>
     <dgm:cxn modelId="{584E2F3E-994B-49B2-AD46-0E8D6E4A468B}" type="presParOf" srcId="{6F1872F4-A030-4D64-A17C-72EA1ABBD62E}" destId="{6681DF6F-8E98-430C-9A87-14BEC6C3269E}" srcOrd="1" destOrd="0" presId="urn:microsoft.com/office/officeart/2005/8/layout/hList6"/>
     <dgm:cxn modelId="{FD54A181-98DF-439C-9CA4-93CD1333DEC4}" type="presParOf" srcId="{6F1872F4-A030-4D64-A17C-72EA1ABBD62E}" destId="{DAD9059A-916A-4916-A2A8-B42491568DD3}" srcOrd="2" destOrd="0" presId="urn:microsoft.com/office/officeart/2005/8/layout/hList6"/>
     <dgm:cxn modelId="{B910F504-589D-4168-B820-FECB0EF26955}" type="presParOf" srcId="{6F1872F4-A030-4D64-A17C-72EA1ABBD62E}" destId="{39AEACD1-F8CF-4528-8379-DAA829B3790B}" srcOrd="3" destOrd="0" presId="urn:microsoft.com/office/officeart/2005/8/layout/hList6"/>
     <dgm:cxn modelId="{AEDC4C6E-DC7C-4364-8563-E748313EFA17}" type="presParOf" srcId="{6F1872F4-A030-4D64-A17C-72EA1ABBD62E}" destId="{25A33852-3C4B-4406-8856-3A4D6201948C}" srcOrd="4" destOrd="0" presId="urn:microsoft.com/office/officeart/2005/8/layout/hList6"/>
     <dgm:cxn modelId="{CBF7D188-2B16-4153-AEAE-C484C833188A}" type="presParOf" srcId="{6F1872F4-A030-4D64-A17C-72EA1ABBD62E}" destId="{562EDDC3-60FD-463F-A6DB-A597D604B642}" srcOrd="5" destOrd="0" presId="urn:microsoft.com/office/officeart/2005/8/layout/hList6"/>
-    <dgm:cxn modelId="{A7220034-7FD2-4082-91F9-5EDDE0F524D0}" type="presParOf" srcId="{6F1872F4-A030-4D64-A17C-72EA1ABBD62E}" destId="{86146B22-5360-4D1B-AC91-3378F10134EE}" srcOrd="6" destOrd="0" presId="urn:microsoft.com/office/officeart/2005/8/layout/hList6"/>
+    <dgm:cxn modelId="{B6972862-A91C-4195-BC45-0084E643C0A0}" type="presParOf" srcId="{6F1872F4-A030-4D64-A17C-72EA1ABBD62E}" destId="{EA2D5D8D-3FD5-4FE4-B7E8-BF78685C4C76}" srcOrd="6" destOrd="0" presId="urn:microsoft.com/office/officeart/2005/8/layout/hList6"/>
   </dgm:cxnLst>
   <dgm:bg/>
   <dgm:whole/>
@@ -1655,12 +1632,12 @@
         </a:fontRef>
       </dsp:style>
       <dsp:txBody>
-        <a:bodyPr spcFirstLastPara="0" vert="horz" wrap="square" lIns="165100" tIns="0" rIns="162719" bIns="0" numCol="1" spcCol="1270" anchor="t" anchorCtr="0">
+        <a:bodyPr spcFirstLastPara="0" vert="horz" wrap="square" lIns="133350" tIns="0" rIns="132953" bIns="0" numCol="1" spcCol="1270" anchor="t" anchorCtr="0">
           <a:noAutofit/>
         </a:bodyPr>
         <a:lstStyle/>
         <a:p>
-          <a:pPr lvl="0" algn="l" defTabSz="1155700">
+          <a:pPr lvl="0" algn="l" defTabSz="933450">
             <a:lnSpc>
               <a:spcPct val="90000"/>
             </a:lnSpc>
@@ -1672,12 +1649,13 @@
             </a:spcAft>
           </a:pPr>
           <a:r>
-            <a:rPr lang="en-US" sz="2600" kern="1200" dirty="0"/>
-            <a:t>Step 1 Title</a:t>
+            <a:rPr lang="en-US" sz="2100" kern="1200" dirty="0" smtClean="0"/>
+            <a:t>Requirements Gathering </a:t>
           </a:r>
+          <a:endParaRPr lang="en-US" sz="2100" kern="1200" dirty="0"/>
         </a:p>
         <a:p>
-          <a:pPr marL="228600" lvl="1" indent="-228600" algn="l" defTabSz="889000">
+          <a:pPr marL="171450" lvl="1" indent="-171450" algn="l" defTabSz="711200">
             <a:lnSpc>
               <a:spcPct val="90000"/>
             </a:lnSpc>
@@ -1690,12 +1668,13 @@
             <a:buChar char="••"/>
           </a:pPr>
           <a:r>
-            <a:rPr lang="en-US" sz="2000" kern="1200" dirty="0"/>
-            <a:t>Task description</a:t>
+            <a:rPr lang="en-US" sz="1600" kern="1200" dirty="0" smtClean="0"/>
+            <a:t>Problem Statement</a:t>
           </a:r>
+          <a:endParaRPr lang="en-US" sz="1600" kern="1200" dirty="0"/>
         </a:p>
         <a:p>
-          <a:pPr marL="228600" lvl="1" indent="-228600" algn="l" defTabSz="889000">
+          <a:pPr marL="171450" lvl="1" indent="-171450" algn="l" defTabSz="711200">
             <a:lnSpc>
               <a:spcPct val="90000"/>
             </a:lnSpc>
@@ -1708,12 +1687,13 @@
             <a:buChar char="••"/>
           </a:pPr>
           <a:r>
-            <a:rPr lang="en-US" sz="2000" kern="1200" dirty="0"/>
-            <a:t>Task description</a:t>
+            <a:rPr lang="en-US" sz="1600" kern="1200" dirty="0" smtClean="0"/>
+            <a:t>Requirements specification</a:t>
           </a:r>
+          <a:endParaRPr lang="en-US" sz="1600" kern="1200" dirty="0"/>
         </a:p>
         <a:p>
-          <a:pPr marL="228600" lvl="1" indent="-228600" algn="l" defTabSz="889000">
+          <a:pPr marL="171450" lvl="1" indent="-171450" algn="l" defTabSz="711200">
             <a:lnSpc>
               <a:spcPct val="90000"/>
             </a:lnSpc>
@@ -1726,12 +1706,13 @@
             <a:buChar char="••"/>
           </a:pPr>
           <a:r>
-            <a:rPr lang="en-US" sz="2000" kern="1200" dirty="0"/>
-            <a:t>Task description</a:t>
+            <a:rPr lang="en-US" sz="1600" kern="1200" dirty="0" smtClean="0"/>
+            <a:t>Team and standup Meetings</a:t>
           </a:r>
+          <a:endParaRPr lang="en-US" sz="1600" kern="1200" dirty="0"/>
         </a:p>
         <a:p>
-          <a:pPr marL="228600" lvl="1" indent="-228600" algn="l" defTabSz="889000">
+          <a:pPr marL="171450" lvl="1" indent="-171450" algn="l" defTabSz="711200">
             <a:lnSpc>
               <a:spcPct val="90000"/>
             </a:lnSpc>
@@ -1744,9 +1725,10 @@
             <a:buChar char="••"/>
           </a:pPr>
           <a:r>
-            <a:rPr lang="en-US" sz="2000" kern="1200" dirty="0"/>
-            <a:t>Task description</a:t>
+            <a:rPr lang="en-US" sz="1600" kern="1200" dirty="0" smtClean="0"/>
+            <a:t>Use Case documentation</a:t>
           </a:r>
+          <a:endParaRPr lang="en-US" sz="1600" kern="1200" dirty="0"/>
         </a:p>
       </dsp:txBody>
       <dsp:txXfrm rot="5400000">
@@ -1832,12 +1814,12 @@
         </a:fontRef>
       </dsp:style>
       <dsp:txBody>
-        <a:bodyPr spcFirstLastPara="0" vert="horz" wrap="square" lIns="165100" tIns="0" rIns="162719" bIns="0" numCol="1" spcCol="1270" anchor="t" anchorCtr="0">
+        <a:bodyPr spcFirstLastPara="0" vert="horz" wrap="square" lIns="133350" tIns="0" rIns="132953" bIns="0" numCol="1" spcCol="1270" anchor="t" anchorCtr="0">
           <a:noAutofit/>
         </a:bodyPr>
         <a:lstStyle/>
         <a:p>
-          <a:pPr lvl="0" algn="l" defTabSz="1155700">
+          <a:pPr lvl="0" algn="l" defTabSz="933450">
             <a:lnSpc>
               <a:spcPct val="90000"/>
             </a:lnSpc>
@@ -1849,12 +1831,13 @@
             </a:spcAft>
           </a:pPr>
           <a:r>
-            <a:rPr lang="en-US" sz="2600" kern="1200" dirty="0"/>
-            <a:t>Step 2 Title</a:t>
+            <a:rPr lang="en-US" sz="2100" kern="1200" dirty="0" smtClean="0"/>
+            <a:t>PMP Plan</a:t>
           </a:r>
+          <a:endParaRPr lang="en-US" sz="2100" kern="1200" dirty="0"/>
         </a:p>
         <a:p>
-          <a:pPr marL="228600" lvl="1" indent="-228600" algn="l" defTabSz="889000">
+          <a:pPr marL="171450" lvl="1" indent="-171450" algn="l" defTabSz="711200">
             <a:lnSpc>
               <a:spcPct val="90000"/>
             </a:lnSpc>
@@ -1867,12 +1850,13 @@
             <a:buChar char="••"/>
           </a:pPr>
           <a:r>
-            <a:rPr lang="en-US" sz="2000" kern="1200" dirty="0"/>
-            <a:t>Task description</a:t>
+            <a:rPr lang="en-US" sz="1600" kern="1200" dirty="0" smtClean="0"/>
+            <a:t>Implementation Strategy</a:t>
           </a:r>
+          <a:endParaRPr lang="en-US" sz="1600" kern="1200" dirty="0"/>
         </a:p>
         <a:p>
-          <a:pPr marL="228600" lvl="1" indent="-228600" algn="l" defTabSz="889000">
+          <a:pPr marL="171450" lvl="1" indent="-171450" algn="l" defTabSz="711200">
             <a:lnSpc>
               <a:spcPct val="90000"/>
             </a:lnSpc>
@@ -1885,12 +1869,13 @@
             <a:buChar char="••"/>
           </a:pPr>
           <a:r>
-            <a:rPr lang="en-US" sz="2000" kern="1200" dirty="0"/>
-            <a:t>Task description</a:t>
+            <a:rPr lang="en-US" sz="1600" kern="1200" dirty="0" smtClean="0"/>
+            <a:t>Choosing appropriate tools</a:t>
           </a:r>
+          <a:endParaRPr lang="en-US" sz="1600" kern="1200" dirty="0"/>
         </a:p>
         <a:p>
-          <a:pPr marL="228600" lvl="1" indent="-228600" algn="l" defTabSz="889000">
+          <a:pPr marL="171450" lvl="1" indent="-171450" algn="l" defTabSz="711200">
             <a:lnSpc>
               <a:spcPct val="90000"/>
             </a:lnSpc>
@@ -1903,9 +1888,10 @@
             <a:buChar char="••"/>
           </a:pPr>
           <a:r>
-            <a:rPr lang="en-US" sz="2000" kern="1200" dirty="0"/>
-            <a:t>Task description</a:t>
+            <a:rPr lang="en-US" sz="1600" kern="1200" dirty="0" smtClean="0"/>
+            <a:t>Appropriate language</a:t>
           </a:r>
+          <a:endParaRPr lang="en-US" sz="1600" kern="1200" dirty="0"/>
         </a:p>
       </dsp:txBody>
       <dsp:txXfrm rot="5400000">
@@ -1991,12 +1977,12 @@
         </a:fontRef>
       </dsp:style>
       <dsp:txBody>
-        <a:bodyPr spcFirstLastPara="0" vert="horz" wrap="square" lIns="165100" tIns="0" rIns="162719" bIns="0" numCol="1" spcCol="1270" anchor="t" anchorCtr="0">
+        <a:bodyPr spcFirstLastPara="0" vert="horz" wrap="square" lIns="133350" tIns="0" rIns="132953" bIns="0" numCol="1" spcCol="1270" anchor="t" anchorCtr="0">
           <a:noAutofit/>
         </a:bodyPr>
         <a:lstStyle/>
         <a:p>
-          <a:pPr lvl="0" algn="l" defTabSz="1155700">
+          <a:pPr lvl="0" algn="l" defTabSz="933450">
             <a:lnSpc>
               <a:spcPct val="90000"/>
             </a:lnSpc>
@@ -2008,12 +1994,13 @@
             </a:spcAft>
           </a:pPr>
           <a:r>
-            <a:rPr lang="en-US" sz="2600" kern="1200" dirty="0"/>
-            <a:t>Step 3 Title</a:t>
+            <a:rPr lang="en-US" sz="2100" kern="1200" dirty="0" smtClean="0"/>
+            <a:t>Iteration Plan</a:t>
           </a:r>
+          <a:endParaRPr lang="en-US" sz="2100" kern="1200" dirty="0"/>
         </a:p>
         <a:p>
-          <a:pPr marL="228600" lvl="1" indent="-228600" algn="l" defTabSz="889000">
+          <a:pPr marL="171450" lvl="1" indent="-171450" algn="l" defTabSz="711200">
             <a:lnSpc>
               <a:spcPct val="90000"/>
             </a:lnSpc>
@@ -2026,12 +2013,13 @@
             <a:buChar char="••"/>
           </a:pPr>
           <a:r>
-            <a:rPr lang="en-US" sz="2000" kern="1200" dirty="0"/>
-            <a:t>Task description</a:t>
+            <a:rPr lang="en-US" sz="1600" kern="1200" dirty="0" smtClean="0"/>
+            <a:t>Description of tasks</a:t>
           </a:r>
+          <a:endParaRPr lang="en-US" sz="1600" kern="1200" dirty="0"/>
         </a:p>
         <a:p>
-          <a:pPr marL="228600" lvl="1" indent="-228600" algn="l" defTabSz="889000">
+          <a:pPr marL="171450" lvl="1" indent="-171450" algn="l" defTabSz="711200">
             <a:lnSpc>
               <a:spcPct val="90000"/>
             </a:lnSpc>
@@ -2044,9 +2032,10 @@
             <a:buChar char="••"/>
           </a:pPr>
           <a:r>
-            <a:rPr lang="en-US" sz="2000" kern="1200" dirty="0"/>
-            <a:t>Task description</a:t>
+            <a:rPr lang="en-US" sz="1600" kern="1200" dirty="0" smtClean="0"/>
+            <a:t>Schedule, division of responsibilities</a:t>
           </a:r>
+          <a:endParaRPr lang="en-US" sz="1600" kern="1200" dirty="0"/>
         </a:p>
       </dsp:txBody>
       <dsp:txXfrm rot="5400000">
@@ -2054,7 +2043,7 @@
         <a:ext cx="2278137" cy="2391727"/>
       </dsp:txXfrm>
     </dsp:sp>
-    <dsp:sp modelId="{86146B22-5360-4D1B-AC91-3378F10134EE}">
+    <dsp:sp modelId="{EA2D5D8D-3FD5-4FE4-B7E8-BF78685C4C76}">
       <dsp:nvSpPr>
         <dsp:cNvPr id="0" name=""/>
         <dsp:cNvSpPr/>
@@ -2132,12 +2121,12 @@
         </a:fontRef>
       </dsp:style>
       <dsp:txBody>
-        <a:bodyPr spcFirstLastPara="0" vert="horz" wrap="square" lIns="165100" tIns="0" rIns="162719" bIns="0" numCol="1" spcCol="1270" anchor="t" anchorCtr="0">
+        <a:bodyPr spcFirstLastPara="0" vert="horz" wrap="square" lIns="133350" tIns="0" rIns="132953" bIns="0" numCol="1" spcCol="1270" anchor="t" anchorCtr="0">
           <a:noAutofit/>
         </a:bodyPr>
         <a:lstStyle/>
         <a:p>
-          <a:pPr lvl="0" algn="l" defTabSz="1155700">
+          <a:pPr lvl="0" algn="l" defTabSz="933450">
             <a:lnSpc>
               <a:spcPct val="90000"/>
             </a:lnSpc>
@@ -2149,12 +2138,13 @@
             </a:spcAft>
           </a:pPr>
           <a:r>
-            <a:rPr lang="en-US" sz="2600" kern="1200" dirty="0"/>
-            <a:t>Step 4 Title</a:t>
+            <a:rPr lang="en-US" sz="2100" kern="1200" dirty="0" smtClean="0"/>
+            <a:t>Testing Strategy</a:t>
           </a:r>
+          <a:endParaRPr lang="en-US" sz="2100" kern="1200" dirty="0"/>
         </a:p>
         <a:p>
-          <a:pPr marL="228600" lvl="1" indent="-228600" algn="l" defTabSz="889000">
+          <a:pPr marL="171450" lvl="1" indent="-171450" algn="l" defTabSz="711200">
             <a:lnSpc>
               <a:spcPct val="90000"/>
             </a:lnSpc>
@@ -2167,27 +2157,10 @@
             <a:buChar char="••"/>
           </a:pPr>
           <a:r>
-            <a:rPr lang="en-US" sz="2000" kern="1200" dirty="0"/>
-            <a:t>Task description</a:t>
+            <a:rPr lang="en-US" sz="1600" kern="1200" dirty="0" smtClean="0"/>
+            <a:t>Debugging the system using the requirements document.</a:t>
           </a:r>
-        </a:p>
-        <a:p>
-          <a:pPr marL="228600" lvl="1" indent="-228600" algn="l" defTabSz="889000">
-            <a:lnSpc>
-              <a:spcPct val="90000"/>
-            </a:lnSpc>
-            <a:spcBef>
-              <a:spcPct val="0"/>
-            </a:spcBef>
-            <a:spcAft>
-              <a:spcPct val="15000"/>
-            </a:spcAft>
-            <a:buChar char="••"/>
-          </a:pPr>
-          <a:r>
-            <a:rPr lang="en-US" sz="2000" kern="1200" dirty="0"/>
-            <a:t>Task description</a:t>
-          </a:r>
+          <a:endParaRPr lang="en-US" sz="1600" kern="1200" dirty="0"/>
         </a:p>
       </dsp:txBody>
       <dsp:txXfrm rot="5400000">
@@ -7515,6 +7488,101 @@
 </p:sld>
 </file>
 
+<file path=ppt/slides/slide10.xml><?xml version="1.0" encoding="utf-8"?>
+<p:sld xmlns:a="http://schemas.openxmlformats.org/drawingml/2006/main" xmlns:r="http://schemas.openxmlformats.org/officeDocument/2006/relationships" xmlns:p="http://schemas.openxmlformats.org/presentationml/2006/main">
+  <p:cSld>
+    <p:spTree>
+      <p:nvGrpSpPr>
+        <p:cNvPr id="1" name=""/>
+        <p:cNvGrpSpPr/>
+        <p:nvPr/>
+      </p:nvGrpSpPr>
+      <p:grpSpPr>
+        <a:xfrm>
+          <a:off x="0" y="0"/>
+          <a:ext cx="0" cy="0"/>
+          <a:chOff x="0" y="0"/>
+          <a:chExt cx="0" cy="0"/>
+        </a:xfrm>
+      </p:grpSpPr>
+      <p:sp>
+        <p:nvSpPr>
+          <p:cNvPr id="2" name="Title 1"/>
+          <p:cNvSpPr>
+            <a:spLocks noGrp="1"/>
+          </p:cNvSpPr>
+          <p:nvPr>
+            <p:ph type="title"/>
+          </p:nvPr>
+        </p:nvSpPr>
+        <p:spPr/>
+        <p:txBody>
+          <a:bodyPr/>
+          <a:lstStyle/>
+          <a:p>
+            <a:r>
+              <a:rPr lang="en-US" dirty="0"/>
+              <a:t>Add a Slide Title - 5</a:t>
+            </a:r>
+          </a:p>
+        </p:txBody>
+      </p:sp>
+      <p:sp>
+        <p:nvSpPr>
+          <p:cNvPr id="4" name="Text Placeholder 3"/>
+          <p:cNvSpPr>
+            <a:spLocks noGrp="1"/>
+          </p:cNvSpPr>
+          <p:nvPr>
+            <p:ph type="body" sz="half" idx="2"/>
+          </p:nvPr>
+        </p:nvSpPr>
+        <p:spPr/>
+        <p:txBody>
+          <a:bodyPr/>
+          <a:lstStyle/>
+          <a:p>
+            <a:endParaRPr lang="en-US"/>
+          </a:p>
+        </p:txBody>
+      </p:sp>
+      <p:sp>
+        <p:nvSpPr>
+          <p:cNvPr id="3" name="Picture Placeholder 2" descr="An empty placeholder to add an image. Click on the placeholder and select the image that you wish to add"/>
+          <p:cNvSpPr>
+            <a:spLocks noGrp="1"/>
+          </p:cNvSpPr>
+          <p:nvPr>
+            <p:ph type="pic" idx="1"/>
+          </p:nvPr>
+        </p:nvSpPr>
+        <p:spPr/>
+      </p:sp>
+    </p:spTree>
+    <p:extLst>
+      <p:ext uri="{BB962C8B-B14F-4D97-AF65-F5344CB8AC3E}">
+        <p14:creationId xmlns:p14="http://schemas.microsoft.com/office/powerpoint/2010/main" val="3734198996"/>
+      </p:ext>
+    </p:extLst>
+  </p:cSld>
+  <p:clrMapOvr>
+    <a:masterClrMapping/>
+  </p:clrMapOvr>
+  <mc:AlternateContent xmlns:mc="http://schemas.openxmlformats.org/markup-compatibility/2006" xmlns:p14="http://schemas.microsoft.com/office/powerpoint/2010/main">
+    <mc:Choice Requires="p14">
+      <p:transition spd="med" p14:dur="700">
+        <p:fade/>
+      </p:transition>
+    </mc:Choice>
+    <mc:Fallback xmlns="">
+      <p:transition spd="med">
+        <p:fade/>
+      </p:transition>
+    </mc:Fallback>
+  </mc:AlternateContent>
+</p:sld>
+</file>
+
 <file path=ppt/slides/slide2.xml><?xml version="1.0" encoding="utf-8"?>
 <p:sld xmlns:a="http://schemas.openxmlformats.org/drawingml/2006/main" xmlns:r="http://schemas.openxmlformats.org/officeDocument/2006/relationships" xmlns:p="http://schemas.openxmlformats.org/presentationml/2006/main">
   <p:cSld>
@@ -7724,31 +7792,31 @@
           <a:p>
             <a:pPr marL="571500" indent="-342900" algn="just"/>
             <a:r>
-              <a:rPr lang="en" sz="2400" dirty="0">
+              <a:rPr lang="en-US" sz="2400" dirty="0">
                 <a:latin typeface="Times New Roman" panose="02020603050405020304" pitchFamily="18" charset="0"/>
                 <a:cs typeface="Times New Roman" panose="02020603050405020304" pitchFamily="18" charset="0"/>
               </a:rPr>
-              <a:t>We want to develop a system which makes the life of an instructor easy in terms of tracking the attendance of a student with minimum effort.</a:t>
+              <a:t>We want to develop a system which makes the life of an instructor simple in terms of tracking the attendance of a student with the merest effort.</a:t>
             </a:r>
           </a:p>
           <a:p>
             <a:pPr marL="571500" indent="-342900" algn="just"/>
             <a:r>
-              <a:rPr lang="en" sz="2400" dirty="0">
+              <a:rPr lang="en-US" sz="2400" dirty="0">
                 <a:latin typeface="Times New Roman" panose="02020603050405020304" pitchFamily="18" charset="0"/>
                 <a:cs typeface="Times New Roman" panose="02020603050405020304" pitchFamily="18" charset="0"/>
               </a:rPr>
-              <a:t>Today, we are using different traditional ways which  have certain limitations, ignoring them would make people easier to abuse them.</a:t>
+              <a:t>Today, we are using several old ways to track attendance; which have specific limitations; ignoring them would make people easier to exploit the system.</a:t>
             </a:r>
           </a:p>
           <a:p>
             <a:pPr marL="571500" indent="-342900" algn="just"/>
             <a:r>
-              <a:rPr lang="en" sz="2400" dirty="0">
+              <a:rPr lang="en-US" sz="2400" dirty="0">
                 <a:latin typeface="Times New Roman" panose="02020603050405020304" pitchFamily="18" charset="0"/>
                 <a:cs typeface="Times New Roman" panose="02020603050405020304" pitchFamily="18" charset="0"/>
               </a:rPr>
-              <a:t>We will be using the QR codes for tracking the attendance of the students.</a:t>
+              <a:t>We will be using the QR codes for tracking the attendance of the students which is relatively a fuss-free process.</a:t>
             </a:r>
             <a:endParaRPr lang="en" sz="2400" dirty="0">
               <a:latin typeface="Times New Roman" panose="02020603050405020304" pitchFamily="18" charset="0"/>
@@ -7816,11 +7884,11 @@
           <a:p>
             <a:r>
               <a:rPr lang="en-US" dirty="0" smtClean="0"/>
-              <a:t>Previous r</a:t>
+              <a:t>R</a:t>
             </a:r>
             <a:r>
               <a:rPr lang="en-US" dirty="0" smtClean="0"/>
-              <a:t>equirements</a:t>
+              <a:t>equirements Overview</a:t>
             </a:r>
             <a:endParaRPr lang="en-US" dirty="0"/>
           </a:p>
@@ -7843,14 +7911,16 @@
           </a:xfrm>
         </p:spPr>
         <p:txBody>
-          <a:bodyPr/>
+          <a:bodyPr>
+            <a:normAutofit lnSpcReduction="10000"/>
+          </a:bodyPr>
           <a:lstStyle/>
           <a:p>
             <a:pPr marL="0" indent="0">
               <a:buNone/>
             </a:pPr>
             <a:r>
-              <a:rPr lang="en-US" sz="2400" b="1" dirty="0">
+              <a:rPr lang="en-US" sz="2400" b="1" dirty="0" smtClean="0">
                 <a:latin typeface="Times New Roman" panose="02020603050405020304" pitchFamily="18" charset="0"/>
                 <a:cs typeface="Times New Roman" panose="02020603050405020304" pitchFamily="18" charset="0"/>
               </a:rPr>
@@ -7859,12 +7929,54 @@
           </a:p>
           <a:p>
             <a:r>
+              <a:rPr lang="en-US" sz="2400" dirty="0" smtClean="0">
+                <a:latin typeface="Times New Roman" panose="02020603050405020304" pitchFamily="18" charset="0"/>
+                <a:cs typeface="Times New Roman" panose="02020603050405020304" pitchFamily="18" charset="0"/>
+              </a:rPr>
+              <a:t>Stand-alone application.</a:t>
+            </a:r>
+          </a:p>
+          <a:p>
+            <a:r>
+              <a:rPr lang="en-US" sz="2400" dirty="0" smtClean="0">
+                <a:latin typeface="Times New Roman" panose="02020603050405020304" pitchFamily="18" charset="0"/>
+                <a:cs typeface="Times New Roman" panose="02020603050405020304" pitchFamily="18" charset="0"/>
+              </a:rPr>
+              <a:t>Authentication.</a:t>
+            </a:r>
+            <a:endParaRPr lang="en-US" sz="2400" dirty="0">
+              <a:latin typeface="Times New Roman" panose="02020603050405020304" pitchFamily="18" charset="0"/>
+              <a:cs typeface="Times New Roman" panose="02020603050405020304" pitchFamily="18" charset="0"/>
+            </a:endParaRPr>
+          </a:p>
+          <a:p>
+            <a:r>
               <a:rPr lang="en-US" sz="2400" dirty="0">
                 <a:latin typeface="Times New Roman" panose="02020603050405020304" pitchFamily="18" charset="0"/>
                 <a:cs typeface="Times New Roman" panose="02020603050405020304" pitchFamily="18" charset="0"/>
               </a:rPr>
-              <a:t>QR code Generation</a:t>
-            </a:r>
+              <a:t>QR code </a:t>
+            </a:r>
+            <a:r>
+              <a:rPr lang="en-US" sz="2400" dirty="0" smtClean="0">
+                <a:latin typeface="Times New Roman" panose="02020603050405020304" pitchFamily="18" charset="0"/>
+                <a:cs typeface="Times New Roman" panose="02020603050405020304" pitchFamily="18" charset="0"/>
+              </a:rPr>
+              <a:t>Generation.</a:t>
+            </a:r>
+          </a:p>
+          <a:p>
+            <a:r>
+              <a:rPr lang="en-US" sz="2400" dirty="0" smtClean="0">
+                <a:latin typeface="Times New Roman" panose="02020603050405020304" pitchFamily="18" charset="0"/>
+                <a:cs typeface="Times New Roman" panose="02020603050405020304" pitchFamily="18" charset="0"/>
+              </a:rPr>
+              <a:t>QR code Display.</a:t>
+            </a:r>
+            <a:endParaRPr lang="en-US" sz="2400" dirty="0">
+              <a:latin typeface="Times New Roman" panose="02020603050405020304" pitchFamily="18" charset="0"/>
+              <a:cs typeface="Times New Roman" panose="02020603050405020304" pitchFamily="18" charset="0"/>
+            </a:endParaRPr>
           </a:p>
           <a:p>
             <a:r>
@@ -7872,39 +7984,31 @@
                 <a:latin typeface="Times New Roman" panose="02020603050405020304" pitchFamily="18" charset="0"/>
                 <a:cs typeface="Times New Roman" panose="02020603050405020304" pitchFamily="18" charset="0"/>
               </a:rPr>
-              <a:t>Manage the students attendance</a:t>
+              <a:t>Manage the students </a:t>
+            </a:r>
+            <a:r>
+              <a:rPr lang="en-US" sz="2400" dirty="0" smtClean="0">
+                <a:latin typeface="Times New Roman" panose="02020603050405020304" pitchFamily="18" charset="0"/>
+                <a:cs typeface="Times New Roman" panose="02020603050405020304" pitchFamily="18" charset="0"/>
+              </a:rPr>
+              <a:t>attendance.</a:t>
+            </a:r>
+          </a:p>
+          <a:p>
+            <a:r>
+              <a:rPr lang="en-US" sz="2400" dirty="0" smtClean="0">
+                <a:latin typeface="Times New Roman" panose="02020603050405020304" pitchFamily="18" charset="0"/>
+                <a:cs typeface="Times New Roman" panose="02020603050405020304" pitchFamily="18" charset="0"/>
+              </a:rPr>
+              <a:t>Appropriate Feedback</a:t>
             </a:r>
             <a:endParaRPr lang="en-US" dirty="0"/>
           </a:p>
         </p:txBody>
       </p:sp>
-      <p:pic>
-        <p:nvPicPr>
-          <p:cNvPr id="4" name="Picture 3"/>
-          <p:cNvPicPr>
-            <a:picLocks noChangeAspect="1"/>
-          </p:cNvPicPr>
-          <p:nvPr/>
-        </p:nvPicPr>
-        <p:blipFill>
-          <a:blip r:embed="rId2"/>
-          <a:stretch>
-            <a:fillRect/>
-          </a:stretch>
-        </p:blipFill>
-        <p:spPr>
-          <a:xfrm>
-            <a:off x="3849429" y="1435435"/>
-            <a:ext cx="4493141" cy="3987130"/>
-          </a:xfrm>
-          <a:prstGeom prst="rect">
-            <a:avLst/>
-          </a:prstGeom>
-        </p:spPr>
-      </p:pic>
-      <p:sp>
-        <p:nvSpPr>
-          <p:cNvPr id="5" name="Content Placeholder 4"/>
+      <p:sp>
+        <p:nvSpPr>
+          <p:cNvPr id="6" name="Content Placeholder 5"/>
           <p:cNvSpPr>
             <a:spLocks noGrp="1"/>
           </p:cNvSpPr>
@@ -7914,55 +8018,114 @@
         </p:nvSpPr>
         <p:spPr/>
         <p:txBody>
-          <a:bodyPr/>
+          <a:bodyPr>
+            <a:normAutofit lnSpcReduction="10000"/>
+          </a:bodyPr>
           <a:lstStyle/>
           <a:p>
-            <a:pPr marL="0" indent="0">
+            <a:pPr marL="0" lvl="0" indent="0">
               <a:buNone/>
             </a:pPr>
             <a:r>
               <a:rPr lang="en-US" sz="2400" b="1" dirty="0">
+                <a:solidFill>
+                  <a:srgbClr val="3C4743"/>
+                </a:solidFill>
                 <a:latin typeface="Times New Roman" panose="02020603050405020304" pitchFamily="18" charset="0"/>
                 <a:cs typeface="Times New Roman" panose="02020603050405020304" pitchFamily="18" charset="0"/>
               </a:rPr>
-              <a:t>Student</a:t>
-            </a:r>
-          </a:p>
-          <a:p>
-            <a:r>
-              <a:rPr lang="en-US" sz="2400" dirty="0">
+              <a:t>Instructor</a:t>
+            </a:r>
+          </a:p>
+          <a:p>
+            <a:pPr lvl="0"/>
+            <a:r>
+              <a:rPr lang="en-US" sz="2400" dirty="0" smtClean="0">
+                <a:solidFill>
+                  <a:srgbClr val="3C4743"/>
+                </a:solidFill>
                 <a:latin typeface="Times New Roman" panose="02020603050405020304" pitchFamily="18" charset="0"/>
                 <a:cs typeface="Times New Roman" panose="02020603050405020304" pitchFamily="18" charset="0"/>
               </a:rPr>
-              <a:t>Scan QR and Capture it</a:t>
-            </a:r>
-          </a:p>
-          <a:p>
+              <a:t>Web application using JavaScript and node JS.</a:t>
+            </a:r>
+            <a:endParaRPr lang="en-US" sz="2400" dirty="0">
+              <a:solidFill>
+                <a:srgbClr val="3C4743"/>
+              </a:solidFill>
+              <a:latin typeface="Times New Roman" panose="02020603050405020304" pitchFamily="18" charset="0"/>
+              <a:cs typeface="Times New Roman" panose="02020603050405020304" pitchFamily="18" charset="0"/>
+            </a:endParaRPr>
+          </a:p>
+          <a:p>
+            <a:pPr lvl="0"/>
             <a:r>
               <a:rPr lang="en-US" sz="2400" dirty="0">
+                <a:solidFill>
+                  <a:srgbClr val="3C4743"/>
+                </a:solidFill>
                 <a:latin typeface="Times New Roman" panose="02020603050405020304" pitchFamily="18" charset="0"/>
                 <a:cs typeface="Times New Roman" panose="02020603050405020304" pitchFamily="18" charset="0"/>
               </a:rPr>
-              <a:t>View courses registered</a:t>
-            </a:r>
-          </a:p>
-          <a:p>
+              <a:t>Authentication.</a:t>
+            </a:r>
+          </a:p>
+          <a:p>
+            <a:pPr lvl="0"/>
             <a:r>
               <a:rPr lang="en-US" sz="2400" dirty="0">
+                <a:solidFill>
+                  <a:srgbClr val="3C4743"/>
+                </a:solidFill>
                 <a:latin typeface="Times New Roman" panose="02020603050405020304" pitchFamily="18" charset="0"/>
                 <a:cs typeface="Times New Roman" panose="02020603050405020304" pitchFamily="18" charset="0"/>
               </a:rPr>
-              <a:t>View attendance percentage</a:t>
-            </a:r>
-          </a:p>
-          <a:p>
+              <a:t>QR code Generation.</a:t>
+            </a:r>
+          </a:p>
+          <a:p>
+            <a:pPr lvl="0"/>
             <a:r>
               <a:rPr lang="en-US" sz="2400" dirty="0">
+                <a:solidFill>
+                  <a:srgbClr val="3C4743"/>
+                </a:solidFill>
                 <a:latin typeface="Times New Roman" panose="02020603050405020304" pitchFamily="18" charset="0"/>
                 <a:cs typeface="Times New Roman" panose="02020603050405020304" pitchFamily="18" charset="0"/>
               </a:rPr>
-              <a:t>Feedback</a:t>
-            </a:r>
+              <a:t>QR code Display.</a:t>
+            </a:r>
+          </a:p>
+          <a:p>
+            <a:pPr lvl="0"/>
+            <a:r>
+              <a:rPr lang="en-US" sz="2400" dirty="0">
+                <a:solidFill>
+                  <a:srgbClr val="3C4743"/>
+                </a:solidFill>
+                <a:latin typeface="Times New Roman" panose="02020603050405020304" pitchFamily="18" charset="0"/>
+                <a:cs typeface="Times New Roman" panose="02020603050405020304" pitchFamily="18" charset="0"/>
+              </a:rPr>
+              <a:t>Manage the students attendance.</a:t>
+            </a:r>
+          </a:p>
+          <a:p>
+            <a:pPr lvl="0"/>
+            <a:r>
+              <a:rPr lang="en-US" sz="2400" dirty="0">
+                <a:solidFill>
+                  <a:srgbClr val="3C4743"/>
+                </a:solidFill>
+                <a:latin typeface="Times New Roman" panose="02020603050405020304" pitchFamily="18" charset="0"/>
+                <a:cs typeface="Times New Roman" panose="02020603050405020304" pitchFamily="18" charset="0"/>
+              </a:rPr>
+              <a:t>Appropriate Feedback</a:t>
+            </a:r>
+            <a:endParaRPr lang="en-US" dirty="0">
+              <a:solidFill>
+                <a:srgbClr val="3C4743"/>
+              </a:solidFill>
+            </a:endParaRPr>
           </a:p>
         </p:txBody>
       </p:sp>
@@ -8024,9 +8187,247 @@
           <a:lstStyle/>
           <a:p>
             <a:r>
+              <a:rPr lang="en-US" dirty="0"/>
+              <a:t>Requirements </a:t>
+            </a:r>
+            <a:r>
               <a:rPr lang="en-US" dirty="0" smtClean="0"/>
-              <a:t>Requirements now</a:t>
-            </a:r>
+              <a:t>Overview</a:t>
+            </a:r>
+            <a:endParaRPr lang="en-US" dirty="0"/>
+          </a:p>
+        </p:txBody>
+      </p:sp>
+      <p:sp>
+        <p:nvSpPr>
+          <p:cNvPr id="4" name="Content Placeholder 3"/>
+          <p:cNvSpPr>
+            <a:spLocks noGrp="1"/>
+          </p:cNvSpPr>
+          <p:nvPr>
+            <p:ph sz="half" idx="2"/>
+          </p:nvPr>
+        </p:nvSpPr>
+        <p:spPr/>
+        <p:txBody>
+          <a:bodyPr>
+            <a:normAutofit/>
+          </a:bodyPr>
+          <a:lstStyle/>
+          <a:p>
+            <a:pPr marL="0" indent="0">
+              <a:buNone/>
+            </a:pPr>
+            <a:r>
+              <a:rPr lang="en-US" sz="2400" b="1" dirty="0"/>
+              <a:t>Student</a:t>
+            </a:r>
+          </a:p>
+          <a:p>
+            <a:r>
+              <a:rPr lang="en-US" sz="2400" dirty="0"/>
+              <a:t>iOS </a:t>
+            </a:r>
+            <a:r>
+              <a:rPr lang="en-US" sz="2400" dirty="0" smtClean="0"/>
+              <a:t>application – tabbed.</a:t>
+            </a:r>
+            <a:endParaRPr lang="en-US" sz="2400" dirty="0"/>
+          </a:p>
+          <a:p>
+            <a:r>
+              <a:rPr lang="en-US" sz="2400" dirty="0"/>
+              <a:t>Persistent Login</a:t>
+            </a:r>
+          </a:p>
+          <a:p>
+            <a:r>
+              <a:rPr lang="en-US" sz="2400" dirty="0"/>
+              <a:t>Scan </a:t>
+            </a:r>
+            <a:r>
+              <a:rPr lang="en-US" sz="2400" dirty="0" smtClean="0"/>
+              <a:t>QR</a:t>
+            </a:r>
+            <a:endParaRPr lang="en-US" sz="2400" dirty="0"/>
+          </a:p>
+          <a:p>
+            <a:r>
+              <a:rPr lang="en-US" sz="2400" dirty="0" smtClean="0"/>
+              <a:t>View </a:t>
+            </a:r>
+            <a:r>
+              <a:rPr lang="en-US" sz="2400" dirty="0"/>
+              <a:t>attendance percentage</a:t>
+            </a:r>
+          </a:p>
+          <a:p>
+            <a:r>
+              <a:rPr lang="en-US" sz="2400" dirty="0"/>
+              <a:t>Appropriate </a:t>
+            </a:r>
+            <a:r>
+              <a:rPr lang="en-US" sz="2400" dirty="0" smtClean="0"/>
+              <a:t>Feedback</a:t>
+            </a:r>
+            <a:endParaRPr lang="en-US" sz="2400" dirty="0"/>
+          </a:p>
+        </p:txBody>
+      </p:sp>
+      <p:sp>
+        <p:nvSpPr>
+          <p:cNvPr id="5" name="Content Placeholder 4"/>
+          <p:cNvSpPr>
+            <a:spLocks noGrp="1"/>
+          </p:cNvSpPr>
+          <p:nvPr>
+            <p:ph sz="half" idx="1"/>
+          </p:nvPr>
+        </p:nvSpPr>
+        <p:spPr/>
+        <p:txBody>
+          <a:bodyPr/>
+          <a:lstStyle/>
+          <a:p>
+            <a:pPr marL="0" indent="0">
+              <a:buNone/>
+            </a:pPr>
+            <a:r>
+              <a:rPr lang="en-US" sz="2400" b="1" dirty="0" smtClean="0">
+                <a:latin typeface="Times New Roman" panose="02020603050405020304" pitchFamily="18" charset="0"/>
+                <a:cs typeface="Times New Roman" panose="02020603050405020304" pitchFamily="18" charset="0"/>
+              </a:rPr>
+              <a:t>Student</a:t>
+            </a:r>
+          </a:p>
+          <a:p>
+            <a:r>
+              <a:rPr lang="en-US" sz="2400" dirty="0" smtClean="0">
+                <a:latin typeface="Times New Roman" panose="02020603050405020304" pitchFamily="18" charset="0"/>
+                <a:cs typeface="Times New Roman" panose="02020603050405020304" pitchFamily="18" charset="0"/>
+              </a:rPr>
+              <a:t>iOS application.</a:t>
+            </a:r>
+          </a:p>
+          <a:p>
+            <a:r>
+              <a:rPr lang="en-US" sz="2400" dirty="0" smtClean="0">
+                <a:latin typeface="Times New Roman" panose="02020603050405020304" pitchFamily="18" charset="0"/>
+                <a:cs typeface="Times New Roman" panose="02020603050405020304" pitchFamily="18" charset="0"/>
+              </a:rPr>
+              <a:t>Persistent Login</a:t>
+            </a:r>
+            <a:endParaRPr lang="en-US" sz="2400" dirty="0">
+              <a:latin typeface="Times New Roman" panose="02020603050405020304" pitchFamily="18" charset="0"/>
+              <a:cs typeface="Times New Roman" panose="02020603050405020304" pitchFamily="18" charset="0"/>
+            </a:endParaRPr>
+          </a:p>
+          <a:p>
+            <a:r>
+              <a:rPr lang="en-US" sz="2400" dirty="0" smtClean="0">
+                <a:latin typeface="Times New Roman" panose="02020603050405020304" pitchFamily="18" charset="0"/>
+                <a:cs typeface="Times New Roman" panose="02020603050405020304" pitchFamily="18" charset="0"/>
+              </a:rPr>
+              <a:t>Scan and Capture QR</a:t>
+            </a:r>
+          </a:p>
+          <a:p>
+            <a:r>
+              <a:rPr lang="en-US" sz="2400" dirty="0" smtClean="0">
+                <a:latin typeface="Times New Roman" panose="02020603050405020304" pitchFamily="18" charset="0"/>
+                <a:cs typeface="Times New Roman" panose="02020603050405020304" pitchFamily="18" charset="0"/>
+              </a:rPr>
+              <a:t>View </a:t>
+            </a:r>
+            <a:r>
+              <a:rPr lang="en-US" sz="2400" dirty="0">
+                <a:latin typeface="Times New Roman" panose="02020603050405020304" pitchFamily="18" charset="0"/>
+                <a:cs typeface="Times New Roman" panose="02020603050405020304" pitchFamily="18" charset="0"/>
+              </a:rPr>
+              <a:t>courses registered</a:t>
+            </a:r>
+          </a:p>
+          <a:p>
+            <a:r>
+              <a:rPr lang="en-US" sz="2400" dirty="0">
+                <a:latin typeface="Times New Roman" panose="02020603050405020304" pitchFamily="18" charset="0"/>
+                <a:cs typeface="Times New Roman" panose="02020603050405020304" pitchFamily="18" charset="0"/>
+              </a:rPr>
+              <a:t>View attendance percentage</a:t>
+            </a:r>
+          </a:p>
+          <a:p>
+            <a:r>
+              <a:rPr lang="en-US" sz="2400" dirty="0" smtClean="0">
+                <a:latin typeface="Times New Roman" panose="02020603050405020304" pitchFamily="18" charset="0"/>
+                <a:cs typeface="Times New Roman" panose="02020603050405020304" pitchFamily="18" charset="0"/>
+              </a:rPr>
+              <a:t>Appropriate Feedback</a:t>
+            </a:r>
+            <a:endParaRPr lang="en-US" sz="2400" dirty="0">
+              <a:latin typeface="Times New Roman" panose="02020603050405020304" pitchFamily="18" charset="0"/>
+              <a:cs typeface="Times New Roman" panose="02020603050405020304" pitchFamily="18" charset="0"/>
+            </a:endParaRPr>
+          </a:p>
+        </p:txBody>
+      </p:sp>
+    </p:spTree>
+    <p:extLst>
+      <p:ext uri="{BB962C8B-B14F-4D97-AF65-F5344CB8AC3E}">
+        <p14:creationId xmlns:p14="http://schemas.microsoft.com/office/powerpoint/2010/main" val="380683407"/>
+      </p:ext>
+    </p:extLst>
+  </p:cSld>
+  <p:clrMapOvr>
+    <a:masterClrMapping/>
+  </p:clrMapOvr>
+  <mc:AlternateContent xmlns:mc="http://schemas.openxmlformats.org/markup-compatibility/2006" xmlns:p14="http://schemas.microsoft.com/office/powerpoint/2010/main">
+    <mc:Choice Requires="p14">
+      <p:transition spd="med" p14:dur="700">
+        <p:fade/>
+      </p:transition>
+    </mc:Choice>
+    <mc:Fallback xmlns="">
+      <p:transition spd="med">
+        <p:fade/>
+      </p:transition>
+    </mc:Fallback>
+  </mc:AlternateContent>
+</p:sld>
+</file>
+
+<file path=ppt/slides/slide6.xml><?xml version="1.0" encoding="utf-8"?>
+<p:sld xmlns:a="http://schemas.openxmlformats.org/drawingml/2006/main" xmlns:r="http://schemas.openxmlformats.org/officeDocument/2006/relationships" xmlns:p="http://schemas.openxmlformats.org/presentationml/2006/main">
+  <p:cSld>
+    <p:spTree>
+      <p:nvGrpSpPr>
+        <p:cNvPr id="1" name=""/>
+        <p:cNvGrpSpPr/>
+        <p:nvPr/>
+      </p:nvGrpSpPr>
+      <p:grpSpPr>
+        <a:xfrm>
+          <a:off x="0" y="0"/>
+          <a:ext cx="0" cy="0"/>
+          <a:chOff x="0" y="0"/>
+          <a:chExt cx="0" cy="0"/>
+        </a:xfrm>
+      </p:grpSpPr>
+      <p:sp>
+        <p:nvSpPr>
+          <p:cNvPr id="2" name="Title 1"/>
+          <p:cNvSpPr>
+            <a:spLocks noGrp="1"/>
+          </p:cNvSpPr>
+          <p:nvPr>
+            <p:ph type="title"/>
+          </p:nvPr>
+        </p:nvSpPr>
+        <p:spPr/>
+        <p:txBody>
+          <a:bodyPr/>
+          <a:lstStyle/>
+          <a:p>
             <a:endParaRPr lang="en-US" dirty="0"/>
           </a:p>
         </p:txBody>
@@ -8041,7 +8442,7 @@
             <p:ph idx="1"/>
             <p:extLst>
               <p:ext uri="{D42A27DB-BD31-4B8C-83A1-F6EECF244321}">
-                <p14:modId xmlns:p14="http://schemas.microsoft.com/office/powerpoint/2010/main" val="2530888379"/>
+                <p14:modId xmlns:p14="http://schemas.microsoft.com/office/powerpoint/2010/main" val="172902131"/>
               </p:ext>
             </p:extLst>
           </p:nvPr>
@@ -8081,90 +8482,6 @@
 </p:sld>
 </file>
 
-<file path=ppt/slides/slide6.xml><?xml version="1.0" encoding="utf-8"?>
-<p:sld xmlns:a="http://schemas.openxmlformats.org/drawingml/2006/main" xmlns:r="http://schemas.openxmlformats.org/officeDocument/2006/relationships" xmlns:p="http://schemas.openxmlformats.org/presentationml/2006/main">
-  <p:cSld>
-    <p:spTree>
-      <p:nvGrpSpPr>
-        <p:cNvPr id="1" name=""/>
-        <p:cNvGrpSpPr/>
-        <p:nvPr/>
-      </p:nvGrpSpPr>
-      <p:grpSpPr>
-        <a:xfrm>
-          <a:off x="0" y="0"/>
-          <a:ext cx="0" cy="0"/>
-          <a:chOff x="0" y="0"/>
-          <a:chExt cx="0" cy="0"/>
-        </a:xfrm>
-      </p:grpSpPr>
-      <p:sp>
-        <p:nvSpPr>
-          <p:cNvPr id="2" name="Title 1"/>
-          <p:cNvSpPr>
-            <a:spLocks noGrp="1"/>
-          </p:cNvSpPr>
-          <p:nvPr>
-            <p:ph type="title"/>
-          </p:nvPr>
-        </p:nvSpPr>
-        <p:spPr/>
-        <p:txBody>
-          <a:bodyPr/>
-          <a:lstStyle/>
-          <a:p>
-            <a:r>
-              <a:rPr lang="en-US" dirty="0" smtClean="0"/>
-              <a:t>Challenges faced.</a:t>
-            </a:r>
-            <a:endParaRPr lang="en-US" dirty="0"/>
-          </a:p>
-        </p:txBody>
-      </p:sp>
-      <p:sp>
-        <p:nvSpPr>
-          <p:cNvPr id="7" name="Content Placeholder 6"/>
-          <p:cNvSpPr>
-            <a:spLocks noGrp="1"/>
-          </p:cNvSpPr>
-          <p:nvPr>
-            <p:ph idx="1"/>
-          </p:nvPr>
-        </p:nvSpPr>
-        <p:spPr/>
-        <p:txBody>
-          <a:bodyPr/>
-          <a:lstStyle/>
-          <a:p>
-            <a:endParaRPr lang="en-US" dirty="0"/>
-          </a:p>
-        </p:txBody>
-      </p:sp>
-    </p:spTree>
-    <p:extLst>
-      <p:ext uri="{BB962C8B-B14F-4D97-AF65-F5344CB8AC3E}">
-        <p14:creationId xmlns:p14="http://schemas.microsoft.com/office/powerpoint/2010/main" val="888304381"/>
-      </p:ext>
-    </p:extLst>
-  </p:cSld>
-  <p:clrMapOvr>
-    <a:masterClrMapping/>
-  </p:clrMapOvr>
-  <mc:AlternateContent xmlns:mc="http://schemas.openxmlformats.org/markup-compatibility/2006" xmlns:p14="http://schemas.microsoft.com/office/powerpoint/2010/main">
-    <mc:Choice Requires="p14">
-      <p:transition spd="med" p14:dur="700">
-        <p:fade/>
-      </p:transition>
-    </mc:Choice>
-    <mc:Fallback xmlns="">
-      <p:transition spd="med">
-        <p:fade/>
-      </p:transition>
-    </mc:Fallback>
-  </mc:AlternateContent>
-</p:sld>
-</file>
-
 <file path=ppt/slides/slide7.xml><?xml version="1.0" encoding="utf-8"?>
 <p:sld xmlns:a="http://schemas.openxmlformats.org/drawingml/2006/main" xmlns:r="http://schemas.openxmlformats.org/officeDocument/2006/relationships" xmlns:p="http://schemas.openxmlformats.org/presentationml/2006/main">
   <p:cSld>
@@ -8199,8 +8516,27 @@
           <a:p>
             <a:r>
               <a:rPr lang="en-US" dirty="0" smtClean="0"/>
-              <a:t>Implemented changes</a:t>
-            </a:r>
+              <a:t>Challenges faced.</a:t>
+            </a:r>
+            <a:endParaRPr lang="en-US" dirty="0"/>
+          </a:p>
+        </p:txBody>
+      </p:sp>
+      <p:sp>
+        <p:nvSpPr>
+          <p:cNvPr id="7" name="Content Placeholder 6"/>
+          <p:cNvSpPr>
+            <a:spLocks noGrp="1"/>
+          </p:cNvSpPr>
+          <p:nvPr>
+            <p:ph idx="1"/>
+          </p:nvPr>
+        </p:nvSpPr>
+        <p:spPr/>
+        <p:txBody>
+          <a:bodyPr/>
+          <a:lstStyle/>
+          <a:p>
             <a:endParaRPr lang="en-US" dirty="0"/>
           </a:p>
         </p:txBody>
@@ -8208,7 +8544,7 @@
     </p:spTree>
     <p:extLst>
       <p:ext uri="{BB962C8B-B14F-4D97-AF65-F5344CB8AC3E}">
-        <p14:creationId xmlns:p14="http://schemas.microsoft.com/office/powerpoint/2010/main" val="2902466307"/>
+        <p14:creationId xmlns:p14="http://schemas.microsoft.com/office/powerpoint/2010/main" val="888304381"/>
       </p:ext>
     </p:extLst>
   </p:cSld>
@@ -8264,27 +8600,8 @@
           <a:p>
             <a:r>
               <a:rPr lang="en-US" dirty="0" smtClean="0"/>
-              <a:t>Iteration Plan</a:t>
-            </a:r>
-            <a:endParaRPr lang="en-US" dirty="0"/>
-          </a:p>
-        </p:txBody>
-      </p:sp>
-      <p:sp>
-        <p:nvSpPr>
-          <p:cNvPr id="5" name="Content Placeholder 4"/>
-          <p:cNvSpPr>
-            <a:spLocks noGrp="1"/>
-          </p:cNvSpPr>
-          <p:nvPr>
-            <p:ph idx="1"/>
-          </p:nvPr>
-        </p:nvSpPr>
-        <p:spPr/>
-        <p:txBody>
-          <a:bodyPr/>
-          <a:lstStyle/>
-          <a:p>
+              <a:t>Implemented changes</a:t>
+            </a:r>
             <a:endParaRPr lang="en-US" dirty="0"/>
           </a:p>
         </p:txBody>
@@ -8292,7 +8609,7 @@
     </p:spTree>
     <p:extLst>
       <p:ext uri="{BB962C8B-B14F-4D97-AF65-F5344CB8AC3E}">
-        <p14:creationId xmlns:p14="http://schemas.microsoft.com/office/powerpoint/2010/main" val="1457430339"/>
+        <p14:creationId xmlns:p14="http://schemas.microsoft.com/office/powerpoint/2010/main" val="2902466307"/>
       </p:ext>
     </p:extLst>
   </p:cSld>
@@ -8347,20 +8664,21 @@
           <a:lstStyle/>
           <a:p>
             <a:r>
-              <a:rPr lang="en-US" dirty="0"/>
-              <a:t>Add a Slide Title - 5</a:t>
-            </a:r>
-          </a:p>
-        </p:txBody>
-      </p:sp>
-      <p:sp>
-        <p:nvSpPr>
-          <p:cNvPr id="4" name="Text Placeholder 3"/>
+              <a:rPr lang="en-US" dirty="0" smtClean="0"/>
+              <a:t>Iteration Plan</a:t>
+            </a:r>
+            <a:endParaRPr lang="en-US" dirty="0"/>
+          </a:p>
+        </p:txBody>
+      </p:sp>
+      <p:sp>
+        <p:nvSpPr>
+          <p:cNvPr id="5" name="Content Placeholder 4"/>
           <p:cNvSpPr>
             <a:spLocks noGrp="1"/>
           </p:cNvSpPr>
           <p:nvPr>
-            <p:ph type="body" sz="half" idx="2"/>
+            <p:ph idx="1"/>
           </p:nvPr>
         </p:nvSpPr>
         <p:spPr/>
@@ -8368,26 +8686,14 @@
           <a:bodyPr/>
           <a:lstStyle/>
           <a:p>
-            <a:endParaRPr lang="en-US"/>
-          </a:p>
-        </p:txBody>
-      </p:sp>
-      <p:sp>
-        <p:nvSpPr>
-          <p:cNvPr id="3" name="Picture Placeholder 2" descr="An empty placeholder to add an image. Click on the placeholder and select the image that you wish to add"/>
-          <p:cNvSpPr>
-            <a:spLocks noGrp="1"/>
-          </p:cNvSpPr>
-          <p:nvPr>
-            <p:ph type="pic" idx="1"/>
-          </p:nvPr>
-        </p:nvSpPr>
-        <p:spPr/>
+            <a:endParaRPr lang="en-US" dirty="0"/>
+          </a:p>
+        </p:txBody>
       </p:sp>
     </p:spTree>
     <p:extLst>
       <p:ext uri="{BB962C8B-B14F-4D97-AF65-F5344CB8AC3E}">
-        <p14:creationId xmlns:p14="http://schemas.microsoft.com/office/powerpoint/2010/main" val="3734198996"/>
+        <p14:creationId xmlns:p14="http://schemas.microsoft.com/office/powerpoint/2010/main" val="1457430339"/>
       </p:ext>
     </p:extLst>
   </p:cSld>

--- a/Presentations/final ppt.pptx
+++ b/Presentations/final ppt.pptx
@@ -131,6 +131,753 @@
 </file>
 
 <file path=ppt/diagrams/colors1.xml><?xml version="1.0" encoding="utf-8"?>
+<dgm:colorsDef xmlns:dgm="http://schemas.openxmlformats.org/drawingml/2006/diagram" xmlns:a="http://schemas.openxmlformats.org/drawingml/2006/main" uniqueId="urn:microsoft.com/office/officeart/2005/8/colors/accent1_2">
+  <dgm:title val=""/>
+  <dgm:desc val=""/>
+  <dgm:catLst>
+    <dgm:cat type="accent1" pri="11200"/>
+  </dgm:catLst>
+  <dgm:styleLbl name="node0">
+    <dgm:fillClrLst meth="repeat">
+      <a:schemeClr val="accent1"/>
+    </dgm:fillClrLst>
+    <dgm:linClrLst meth="repeat">
+      <a:schemeClr val="lt1"/>
+    </dgm:linClrLst>
+    <dgm:effectClrLst/>
+    <dgm:txLinClrLst/>
+    <dgm:txFillClrLst/>
+    <dgm:txEffectClrLst/>
+  </dgm:styleLbl>
+  <dgm:styleLbl name="alignNode1">
+    <dgm:fillClrLst meth="repeat">
+      <a:schemeClr val="accent1"/>
+    </dgm:fillClrLst>
+    <dgm:linClrLst meth="repeat">
+      <a:schemeClr val="accent1"/>
+    </dgm:linClrLst>
+    <dgm:effectClrLst/>
+    <dgm:txLinClrLst/>
+    <dgm:txFillClrLst/>
+    <dgm:txEffectClrLst/>
+  </dgm:styleLbl>
+  <dgm:styleLbl name="node1">
+    <dgm:fillClrLst meth="repeat">
+      <a:schemeClr val="accent1"/>
+    </dgm:fillClrLst>
+    <dgm:linClrLst meth="repeat">
+      <a:schemeClr val="lt1"/>
+    </dgm:linClrLst>
+    <dgm:effectClrLst/>
+    <dgm:txLinClrLst/>
+    <dgm:txFillClrLst/>
+    <dgm:txEffectClrLst/>
+  </dgm:styleLbl>
+  <dgm:styleLbl name="lnNode1">
+    <dgm:fillClrLst meth="repeat">
+      <a:schemeClr val="accent1"/>
+    </dgm:fillClrLst>
+    <dgm:linClrLst meth="repeat">
+      <a:schemeClr val="lt1"/>
+    </dgm:linClrLst>
+    <dgm:effectClrLst/>
+    <dgm:txLinClrLst/>
+    <dgm:txFillClrLst/>
+    <dgm:txEffectClrLst/>
+  </dgm:styleLbl>
+  <dgm:styleLbl name="vennNode1">
+    <dgm:fillClrLst meth="repeat">
+      <a:schemeClr val="accent1">
+        <a:alpha val="50000"/>
+      </a:schemeClr>
+    </dgm:fillClrLst>
+    <dgm:linClrLst meth="repeat">
+      <a:schemeClr val="lt1"/>
+    </dgm:linClrLst>
+    <dgm:effectClrLst/>
+    <dgm:txLinClrLst/>
+    <dgm:txFillClrLst/>
+    <dgm:txEffectClrLst/>
+  </dgm:styleLbl>
+  <dgm:styleLbl name="node2">
+    <dgm:fillClrLst meth="repeat">
+      <a:schemeClr val="accent1"/>
+    </dgm:fillClrLst>
+    <dgm:linClrLst meth="repeat">
+      <a:schemeClr val="lt1"/>
+    </dgm:linClrLst>
+    <dgm:effectClrLst/>
+    <dgm:txLinClrLst/>
+    <dgm:txFillClrLst/>
+    <dgm:txEffectClrLst/>
+  </dgm:styleLbl>
+  <dgm:styleLbl name="node3">
+    <dgm:fillClrLst meth="repeat">
+      <a:schemeClr val="accent1"/>
+    </dgm:fillClrLst>
+    <dgm:linClrLst meth="repeat">
+      <a:schemeClr val="lt1"/>
+    </dgm:linClrLst>
+    <dgm:effectClrLst/>
+    <dgm:txLinClrLst/>
+    <dgm:txFillClrLst/>
+    <dgm:txEffectClrLst/>
+  </dgm:styleLbl>
+  <dgm:styleLbl name="node4">
+    <dgm:fillClrLst meth="repeat">
+      <a:schemeClr val="accent1"/>
+    </dgm:fillClrLst>
+    <dgm:linClrLst meth="repeat">
+      <a:schemeClr val="lt1"/>
+    </dgm:linClrLst>
+    <dgm:effectClrLst/>
+    <dgm:txLinClrLst/>
+    <dgm:txFillClrLst/>
+    <dgm:txEffectClrLst/>
+  </dgm:styleLbl>
+  <dgm:styleLbl name="fgImgPlace1">
+    <dgm:fillClrLst meth="repeat">
+      <a:schemeClr val="accent1">
+        <a:tint val="50000"/>
+      </a:schemeClr>
+    </dgm:fillClrLst>
+    <dgm:linClrLst meth="repeat">
+      <a:schemeClr val="lt1"/>
+    </dgm:linClrLst>
+    <dgm:effectClrLst/>
+    <dgm:txLinClrLst/>
+    <dgm:txFillClrLst meth="repeat">
+      <a:schemeClr val="lt1"/>
+    </dgm:txFillClrLst>
+    <dgm:txEffectClrLst/>
+  </dgm:styleLbl>
+  <dgm:styleLbl name="alignImgPlace1">
+    <dgm:fillClrLst meth="repeat">
+      <a:schemeClr val="accent1">
+        <a:tint val="50000"/>
+      </a:schemeClr>
+    </dgm:fillClrLst>
+    <dgm:linClrLst meth="repeat">
+      <a:schemeClr val="lt1"/>
+    </dgm:linClrLst>
+    <dgm:effectClrLst/>
+    <dgm:txLinClrLst/>
+    <dgm:txFillClrLst meth="repeat">
+      <a:schemeClr val="lt1"/>
+    </dgm:txFillClrLst>
+    <dgm:txEffectClrLst/>
+  </dgm:styleLbl>
+  <dgm:styleLbl name="bgImgPlace1">
+    <dgm:fillClrLst meth="repeat">
+      <a:schemeClr val="accent1">
+        <a:tint val="50000"/>
+      </a:schemeClr>
+    </dgm:fillClrLst>
+    <dgm:linClrLst meth="repeat">
+      <a:schemeClr val="lt1"/>
+    </dgm:linClrLst>
+    <dgm:effectClrLst/>
+    <dgm:txLinClrLst/>
+    <dgm:txFillClrLst meth="repeat">
+      <a:schemeClr val="lt1"/>
+    </dgm:txFillClrLst>
+    <dgm:txEffectClrLst/>
+  </dgm:styleLbl>
+  <dgm:styleLbl name="sibTrans2D1">
+    <dgm:fillClrLst meth="repeat">
+      <a:schemeClr val="accent1">
+        <a:tint val="60000"/>
+      </a:schemeClr>
+    </dgm:fillClrLst>
+    <dgm:linClrLst meth="repeat">
+      <a:schemeClr val="accent1">
+        <a:tint val="60000"/>
+      </a:schemeClr>
+    </dgm:linClrLst>
+    <dgm:effectClrLst/>
+    <dgm:txLinClrLst/>
+    <dgm:txFillClrLst/>
+    <dgm:txEffectClrLst/>
+  </dgm:styleLbl>
+  <dgm:styleLbl name="fgSibTrans2D1">
+    <dgm:fillClrLst meth="repeat">
+      <a:schemeClr val="accent1">
+        <a:tint val="60000"/>
+      </a:schemeClr>
+    </dgm:fillClrLst>
+    <dgm:linClrLst meth="repeat">
+      <a:schemeClr val="accent1">
+        <a:tint val="60000"/>
+      </a:schemeClr>
+    </dgm:linClrLst>
+    <dgm:effectClrLst/>
+    <dgm:txLinClrLst/>
+    <dgm:txFillClrLst/>
+    <dgm:txEffectClrLst/>
+  </dgm:styleLbl>
+  <dgm:styleLbl name="bgSibTrans2D1">
+    <dgm:fillClrLst meth="repeat">
+      <a:schemeClr val="accent1">
+        <a:tint val="60000"/>
+      </a:schemeClr>
+    </dgm:fillClrLst>
+    <dgm:linClrLst meth="repeat">
+      <a:schemeClr val="accent1">
+        <a:tint val="60000"/>
+      </a:schemeClr>
+    </dgm:linClrLst>
+    <dgm:effectClrLst/>
+    <dgm:txLinClrLst/>
+    <dgm:txFillClrLst/>
+    <dgm:txEffectClrLst/>
+  </dgm:styleLbl>
+  <dgm:styleLbl name="sibTrans1D1">
+    <dgm:fillClrLst meth="repeat">
+      <a:schemeClr val="accent1"/>
+    </dgm:fillClrLst>
+    <dgm:linClrLst meth="repeat">
+      <a:schemeClr val="accent1"/>
+    </dgm:linClrLst>
+    <dgm:effectClrLst/>
+    <dgm:txLinClrLst/>
+    <dgm:txFillClrLst meth="repeat">
+      <a:schemeClr val="tx1"/>
+    </dgm:txFillClrLst>
+    <dgm:txEffectClrLst/>
+  </dgm:styleLbl>
+  <dgm:styleLbl name="callout">
+    <dgm:fillClrLst meth="repeat">
+      <a:schemeClr val="accent1"/>
+    </dgm:fillClrLst>
+    <dgm:linClrLst meth="repeat">
+      <a:schemeClr val="accent1">
+        <a:tint val="50000"/>
+      </a:schemeClr>
+    </dgm:linClrLst>
+    <dgm:effectClrLst/>
+    <dgm:txLinClrLst/>
+    <dgm:txFillClrLst meth="repeat">
+      <a:schemeClr val="tx1"/>
+    </dgm:txFillClrLst>
+    <dgm:txEffectClrLst/>
+  </dgm:styleLbl>
+  <dgm:styleLbl name="asst0">
+    <dgm:fillClrLst meth="repeat">
+      <a:schemeClr val="accent1"/>
+    </dgm:fillClrLst>
+    <dgm:linClrLst meth="repeat">
+      <a:schemeClr val="lt1"/>
+    </dgm:linClrLst>
+    <dgm:effectClrLst/>
+    <dgm:txLinClrLst/>
+    <dgm:txFillClrLst/>
+    <dgm:txEffectClrLst/>
+  </dgm:styleLbl>
+  <dgm:styleLbl name="asst1">
+    <dgm:fillClrLst meth="repeat">
+      <a:schemeClr val="accent1"/>
+    </dgm:fillClrLst>
+    <dgm:linClrLst meth="repeat">
+      <a:schemeClr val="lt1"/>
+    </dgm:linClrLst>
+    <dgm:effectClrLst/>
+    <dgm:txLinClrLst/>
+    <dgm:txFillClrLst/>
+    <dgm:txEffectClrLst/>
+  </dgm:styleLbl>
+  <dgm:styleLbl name="asst2">
+    <dgm:fillClrLst meth="repeat">
+      <a:schemeClr val="accent1"/>
+    </dgm:fillClrLst>
+    <dgm:linClrLst meth="repeat">
+      <a:schemeClr val="lt1"/>
+    </dgm:linClrLst>
+    <dgm:effectClrLst/>
+    <dgm:txLinClrLst/>
+    <dgm:txFillClrLst/>
+    <dgm:txEffectClrLst/>
+  </dgm:styleLbl>
+  <dgm:styleLbl name="asst3">
+    <dgm:fillClrLst meth="repeat">
+      <a:schemeClr val="accent1"/>
+    </dgm:fillClrLst>
+    <dgm:linClrLst meth="repeat">
+      <a:schemeClr val="lt1"/>
+    </dgm:linClrLst>
+    <dgm:effectClrLst/>
+    <dgm:txLinClrLst/>
+    <dgm:txFillClrLst/>
+    <dgm:txEffectClrLst/>
+  </dgm:styleLbl>
+  <dgm:styleLbl name="asst4">
+    <dgm:fillClrLst meth="repeat">
+      <a:schemeClr val="accent1"/>
+    </dgm:fillClrLst>
+    <dgm:linClrLst meth="repeat">
+      <a:schemeClr val="lt1"/>
+    </dgm:linClrLst>
+    <dgm:effectClrLst/>
+    <dgm:txLinClrLst/>
+    <dgm:txFillClrLst/>
+    <dgm:txEffectClrLst/>
+  </dgm:styleLbl>
+  <dgm:styleLbl name="parChTrans2D1">
+    <dgm:fillClrLst meth="repeat">
+      <a:schemeClr val="accent1">
+        <a:tint val="60000"/>
+      </a:schemeClr>
+    </dgm:fillClrLst>
+    <dgm:linClrLst meth="repeat">
+      <a:schemeClr val="accent1">
+        <a:tint val="60000"/>
+      </a:schemeClr>
+    </dgm:linClrLst>
+    <dgm:effectClrLst/>
+    <dgm:txLinClrLst/>
+    <dgm:txFillClrLst meth="repeat">
+      <a:schemeClr val="lt1"/>
+    </dgm:txFillClrLst>
+    <dgm:txEffectClrLst/>
+  </dgm:styleLbl>
+  <dgm:styleLbl name="parChTrans2D2">
+    <dgm:fillClrLst meth="repeat">
+      <a:schemeClr val="accent1"/>
+    </dgm:fillClrLst>
+    <dgm:linClrLst meth="repeat">
+      <a:schemeClr val="accent1"/>
+    </dgm:linClrLst>
+    <dgm:effectClrLst/>
+    <dgm:txLinClrLst/>
+    <dgm:txFillClrLst meth="repeat">
+      <a:schemeClr val="lt1"/>
+    </dgm:txFillClrLst>
+    <dgm:txEffectClrLst/>
+  </dgm:styleLbl>
+  <dgm:styleLbl name="parChTrans2D3">
+    <dgm:fillClrLst meth="repeat">
+      <a:schemeClr val="accent1"/>
+    </dgm:fillClrLst>
+    <dgm:linClrLst meth="repeat">
+      <a:schemeClr val="accent1"/>
+    </dgm:linClrLst>
+    <dgm:effectClrLst/>
+    <dgm:txLinClrLst/>
+    <dgm:txFillClrLst meth="repeat">
+      <a:schemeClr val="lt1"/>
+    </dgm:txFillClrLst>
+    <dgm:txEffectClrLst/>
+  </dgm:styleLbl>
+  <dgm:styleLbl name="parChTrans2D4">
+    <dgm:fillClrLst meth="repeat">
+      <a:schemeClr val="accent1"/>
+    </dgm:fillClrLst>
+    <dgm:linClrLst meth="repeat">
+      <a:schemeClr val="accent1"/>
+    </dgm:linClrLst>
+    <dgm:effectClrLst/>
+    <dgm:txLinClrLst/>
+    <dgm:txFillClrLst meth="repeat">
+      <a:schemeClr val="lt1"/>
+    </dgm:txFillClrLst>
+    <dgm:txEffectClrLst/>
+  </dgm:styleLbl>
+  <dgm:styleLbl name="parChTrans1D1">
+    <dgm:fillClrLst meth="repeat">
+      <a:schemeClr val="accent1"/>
+    </dgm:fillClrLst>
+    <dgm:linClrLst meth="repeat">
+      <a:schemeClr val="accent1">
+        <a:shade val="60000"/>
+      </a:schemeClr>
+    </dgm:linClrLst>
+    <dgm:effectClrLst/>
+    <dgm:txLinClrLst/>
+    <dgm:txFillClrLst meth="repeat">
+      <a:schemeClr val="tx1"/>
+    </dgm:txFillClrLst>
+    <dgm:txEffectClrLst/>
+  </dgm:styleLbl>
+  <dgm:styleLbl name="parChTrans1D2">
+    <dgm:fillClrLst meth="repeat">
+      <a:schemeClr val="accent1"/>
+    </dgm:fillClrLst>
+    <dgm:linClrLst meth="repeat">
+      <a:schemeClr val="accent1">
+        <a:shade val="60000"/>
+      </a:schemeClr>
+    </dgm:linClrLst>
+    <dgm:effectClrLst/>
+    <dgm:txLinClrLst/>
+    <dgm:txFillClrLst meth="repeat">
+      <a:schemeClr val="tx1"/>
+    </dgm:txFillClrLst>
+    <dgm:txEffectClrLst/>
+  </dgm:styleLbl>
+  <dgm:styleLbl name="parChTrans1D3">
+    <dgm:fillClrLst meth="repeat">
+      <a:schemeClr val="accent1"/>
+    </dgm:fillClrLst>
+    <dgm:linClrLst meth="repeat">
+      <a:schemeClr val="accent1">
+        <a:shade val="80000"/>
+      </a:schemeClr>
+    </dgm:linClrLst>
+    <dgm:effectClrLst/>
+    <dgm:txLinClrLst/>
+    <dgm:txFillClrLst meth="repeat">
+      <a:schemeClr val="tx1"/>
+    </dgm:txFillClrLst>
+    <dgm:txEffectClrLst/>
+  </dgm:styleLbl>
+  <dgm:styleLbl name="parChTrans1D4">
+    <dgm:fillClrLst meth="repeat">
+      <a:schemeClr val="accent1"/>
+    </dgm:fillClrLst>
+    <dgm:linClrLst meth="repeat">
+      <a:schemeClr val="accent1">
+        <a:shade val="80000"/>
+      </a:schemeClr>
+    </dgm:linClrLst>
+    <dgm:effectClrLst/>
+    <dgm:txLinClrLst/>
+    <dgm:txFillClrLst meth="repeat">
+      <a:schemeClr val="tx1"/>
+    </dgm:txFillClrLst>
+    <dgm:txEffectClrLst/>
+  </dgm:styleLbl>
+  <dgm:styleLbl name="fgAcc1">
+    <dgm:fillClrLst meth="repeat">
+      <a:schemeClr val="lt1">
+        <a:alpha val="90000"/>
+      </a:schemeClr>
+    </dgm:fillClrLst>
+    <dgm:linClrLst meth="repeat">
+      <a:schemeClr val="accent1"/>
+    </dgm:linClrLst>
+    <dgm:effectClrLst/>
+    <dgm:txLinClrLst/>
+    <dgm:txFillClrLst meth="repeat">
+      <a:schemeClr val="dk1"/>
+    </dgm:txFillClrLst>
+    <dgm:txEffectClrLst/>
+  </dgm:styleLbl>
+  <dgm:styleLbl name="conFgAcc1">
+    <dgm:fillClrLst meth="repeat">
+      <a:schemeClr val="lt1">
+        <a:alpha val="90000"/>
+      </a:schemeClr>
+    </dgm:fillClrLst>
+    <dgm:linClrLst meth="repeat">
+      <a:schemeClr val="accent1"/>
+    </dgm:linClrLst>
+    <dgm:effectClrLst/>
+    <dgm:txLinClrLst/>
+    <dgm:txFillClrLst meth="repeat">
+      <a:schemeClr val="dk1"/>
+    </dgm:txFillClrLst>
+    <dgm:txEffectClrLst/>
+  </dgm:styleLbl>
+  <dgm:styleLbl name="alignAcc1">
+    <dgm:fillClrLst meth="repeat">
+      <a:schemeClr val="lt1">
+        <a:alpha val="90000"/>
+      </a:schemeClr>
+    </dgm:fillClrLst>
+    <dgm:linClrLst meth="repeat">
+      <a:schemeClr val="accent1"/>
+    </dgm:linClrLst>
+    <dgm:effectClrLst/>
+    <dgm:txLinClrLst/>
+    <dgm:txFillClrLst meth="repeat">
+      <a:schemeClr val="dk1"/>
+    </dgm:txFillClrLst>
+    <dgm:txEffectClrLst/>
+  </dgm:styleLbl>
+  <dgm:styleLbl name="trAlignAcc1">
+    <dgm:fillClrLst meth="repeat">
+      <a:schemeClr val="lt1">
+        <a:alpha val="40000"/>
+      </a:schemeClr>
+    </dgm:fillClrLst>
+    <dgm:linClrLst meth="repeat">
+      <a:schemeClr val="accent1"/>
+    </dgm:linClrLst>
+    <dgm:effectClrLst/>
+    <dgm:txLinClrLst/>
+    <dgm:txFillClrLst meth="repeat">
+      <a:schemeClr val="dk1"/>
+    </dgm:txFillClrLst>
+    <dgm:txEffectClrLst/>
+  </dgm:styleLbl>
+  <dgm:styleLbl name="bgAcc1">
+    <dgm:fillClrLst meth="repeat">
+      <a:schemeClr val="lt1">
+        <a:alpha val="90000"/>
+      </a:schemeClr>
+    </dgm:fillClrLst>
+    <dgm:linClrLst meth="repeat">
+      <a:schemeClr val="accent1"/>
+    </dgm:linClrLst>
+    <dgm:effectClrLst/>
+    <dgm:txLinClrLst/>
+    <dgm:txFillClrLst meth="repeat">
+      <a:schemeClr val="dk1"/>
+    </dgm:txFillClrLst>
+    <dgm:txEffectClrLst/>
+  </dgm:styleLbl>
+  <dgm:styleLbl name="solidFgAcc1">
+    <dgm:fillClrLst meth="repeat">
+      <a:schemeClr val="lt1"/>
+    </dgm:fillClrLst>
+    <dgm:linClrLst meth="repeat">
+      <a:schemeClr val="accent1"/>
+    </dgm:linClrLst>
+    <dgm:effectClrLst/>
+    <dgm:txLinClrLst/>
+    <dgm:txFillClrLst meth="repeat">
+      <a:schemeClr val="dk1"/>
+    </dgm:txFillClrLst>
+    <dgm:txEffectClrLst/>
+  </dgm:styleLbl>
+  <dgm:styleLbl name="solidAlignAcc1">
+    <dgm:fillClrLst meth="repeat">
+      <a:schemeClr val="lt1"/>
+    </dgm:fillClrLst>
+    <dgm:linClrLst meth="repeat">
+      <a:schemeClr val="accent1"/>
+    </dgm:linClrLst>
+    <dgm:effectClrLst/>
+    <dgm:txLinClrLst/>
+    <dgm:txFillClrLst meth="repeat">
+      <a:schemeClr val="dk1"/>
+    </dgm:txFillClrLst>
+    <dgm:txEffectClrLst/>
+  </dgm:styleLbl>
+  <dgm:styleLbl name="solidBgAcc1">
+    <dgm:fillClrLst meth="repeat">
+      <a:schemeClr val="lt1"/>
+    </dgm:fillClrLst>
+    <dgm:linClrLst meth="repeat">
+      <a:schemeClr val="accent1"/>
+    </dgm:linClrLst>
+    <dgm:effectClrLst/>
+    <dgm:txLinClrLst/>
+    <dgm:txFillClrLst meth="repeat">
+      <a:schemeClr val="dk1"/>
+    </dgm:txFillClrLst>
+    <dgm:txEffectClrLst/>
+  </dgm:styleLbl>
+  <dgm:styleLbl name="fgAccFollowNode1">
+    <dgm:fillClrLst meth="repeat">
+      <a:schemeClr val="accent1">
+        <a:alpha val="90000"/>
+        <a:tint val="40000"/>
+      </a:schemeClr>
+    </dgm:fillClrLst>
+    <dgm:linClrLst meth="repeat">
+      <a:schemeClr val="accent1">
+        <a:alpha val="90000"/>
+        <a:tint val="40000"/>
+      </a:schemeClr>
+    </dgm:linClrLst>
+    <dgm:effectClrLst/>
+    <dgm:txLinClrLst/>
+    <dgm:txFillClrLst meth="repeat">
+      <a:schemeClr val="dk1"/>
+    </dgm:txFillClrLst>
+    <dgm:txEffectClrLst/>
+  </dgm:styleLbl>
+  <dgm:styleLbl name="alignAccFollowNode1">
+    <dgm:fillClrLst meth="repeat">
+      <a:schemeClr val="accent1">
+        <a:alpha val="90000"/>
+        <a:tint val="40000"/>
+      </a:schemeClr>
+    </dgm:fillClrLst>
+    <dgm:linClrLst meth="repeat">
+      <a:schemeClr val="accent1">
+        <a:alpha val="90000"/>
+        <a:tint val="40000"/>
+      </a:schemeClr>
+    </dgm:linClrLst>
+    <dgm:effectClrLst/>
+    <dgm:txLinClrLst/>
+    <dgm:txFillClrLst meth="repeat">
+      <a:schemeClr val="dk1"/>
+    </dgm:txFillClrLst>
+    <dgm:txEffectClrLst/>
+  </dgm:styleLbl>
+  <dgm:styleLbl name="bgAccFollowNode1">
+    <dgm:fillClrLst meth="repeat">
+      <a:schemeClr val="accent1">
+        <a:alpha val="90000"/>
+        <a:tint val="40000"/>
+      </a:schemeClr>
+    </dgm:fillClrLst>
+    <dgm:linClrLst meth="repeat">
+      <a:schemeClr val="accent1">
+        <a:alpha val="90000"/>
+        <a:tint val="40000"/>
+      </a:schemeClr>
+    </dgm:linClrLst>
+    <dgm:effectClrLst/>
+    <dgm:txLinClrLst/>
+    <dgm:txFillClrLst meth="repeat">
+      <a:schemeClr val="dk1"/>
+    </dgm:txFillClrLst>
+    <dgm:txEffectClrLst/>
+  </dgm:styleLbl>
+  <dgm:styleLbl name="fgAcc0">
+    <dgm:fillClrLst meth="repeat">
+      <a:schemeClr val="lt1">
+        <a:alpha val="90000"/>
+      </a:schemeClr>
+    </dgm:fillClrLst>
+    <dgm:linClrLst meth="repeat">
+      <a:schemeClr val="accent1"/>
+    </dgm:linClrLst>
+    <dgm:effectClrLst/>
+    <dgm:txLinClrLst/>
+    <dgm:txFillClrLst meth="repeat">
+      <a:schemeClr val="dk1"/>
+    </dgm:txFillClrLst>
+    <dgm:txEffectClrLst/>
+  </dgm:styleLbl>
+  <dgm:styleLbl name="fgAcc2">
+    <dgm:fillClrLst meth="repeat">
+      <a:schemeClr val="lt1">
+        <a:alpha val="90000"/>
+      </a:schemeClr>
+    </dgm:fillClrLst>
+    <dgm:linClrLst meth="repeat">
+      <a:schemeClr val="accent1"/>
+    </dgm:linClrLst>
+    <dgm:effectClrLst/>
+    <dgm:txLinClrLst/>
+    <dgm:txFillClrLst meth="repeat">
+      <a:schemeClr val="dk1"/>
+    </dgm:txFillClrLst>
+    <dgm:txEffectClrLst/>
+  </dgm:styleLbl>
+  <dgm:styleLbl name="fgAcc3">
+    <dgm:fillClrLst meth="repeat">
+      <a:schemeClr val="lt1">
+        <a:alpha val="90000"/>
+      </a:schemeClr>
+    </dgm:fillClrLst>
+    <dgm:linClrLst meth="repeat">
+      <a:schemeClr val="accent1"/>
+    </dgm:linClrLst>
+    <dgm:effectClrLst/>
+    <dgm:txLinClrLst/>
+    <dgm:txFillClrLst meth="repeat">
+      <a:schemeClr val="dk1"/>
+    </dgm:txFillClrLst>
+    <dgm:txEffectClrLst/>
+  </dgm:styleLbl>
+  <dgm:styleLbl name="fgAcc4">
+    <dgm:fillClrLst meth="repeat">
+      <a:schemeClr val="lt1">
+        <a:alpha val="90000"/>
+      </a:schemeClr>
+    </dgm:fillClrLst>
+    <dgm:linClrLst meth="repeat">
+      <a:schemeClr val="accent1"/>
+    </dgm:linClrLst>
+    <dgm:effectClrLst/>
+    <dgm:txLinClrLst/>
+    <dgm:txFillClrLst meth="repeat">
+      <a:schemeClr val="dk1"/>
+    </dgm:txFillClrLst>
+    <dgm:txEffectClrLst/>
+  </dgm:styleLbl>
+  <dgm:styleLbl name="bgShp">
+    <dgm:fillClrLst meth="repeat">
+      <a:schemeClr val="accent1">
+        <a:tint val="40000"/>
+      </a:schemeClr>
+    </dgm:fillClrLst>
+    <dgm:linClrLst meth="repeat">
+      <a:schemeClr val="accent1"/>
+    </dgm:linClrLst>
+    <dgm:effectClrLst/>
+    <dgm:txLinClrLst/>
+    <dgm:txFillClrLst meth="repeat">
+      <a:schemeClr val="dk1"/>
+    </dgm:txFillClrLst>
+    <dgm:txEffectClrLst/>
+  </dgm:styleLbl>
+  <dgm:styleLbl name="dkBgShp">
+    <dgm:fillClrLst meth="repeat">
+      <a:schemeClr val="accent1">
+        <a:shade val="80000"/>
+      </a:schemeClr>
+    </dgm:fillClrLst>
+    <dgm:linClrLst meth="repeat">
+      <a:schemeClr val="accent1"/>
+    </dgm:linClrLst>
+    <dgm:effectClrLst/>
+    <dgm:txLinClrLst/>
+    <dgm:txFillClrLst meth="repeat">
+      <a:schemeClr val="lt1"/>
+    </dgm:txFillClrLst>
+    <dgm:txEffectClrLst/>
+  </dgm:styleLbl>
+  <dgm:styleLbl name="trBgShp">
+    <dgm:fillClrLst meth="repeat">
+      <a:schemeClr val="accent1">
+        <a:tint val="50000"/>
+        <a:alpha val="40000"/>
+      </a:schemeClr>
+    </dgm:fillClrLst>
+    <dgm:linClrLst meth="repeat">
+      <a:schemeClr val="accent1"/>
+    </dgm:linClrLst>
+    <dgm:effectClrLst/>
+    <dgm:txLinClrLst/>
+    <dgm:txFillClrLst meth="repeat">
+      <a:schemeClr val="lt1"/>
+    </dgm:txFillClrLst>
+    <dgm:txEffectClrLst/>
+  </dgm:styleLbl>
+  <dgm:styleLbl name="fgShp">
+    <dgm:fillClrLst meth="repeat">
+      <a:schemeClr val="accent1">
+        <a:tint val="60000"/>
+      </a:schemeClr>
+    </dgm:fillClrLst>
+    <dgm:linClrLst meth="repeat">
+      <a:schemeClr val="lt1"/>
+    </dgm:linClrLst>
+    <dgm:effectClrLst/>
+    <dgm:txLinClrLst/>
+    <dgm:txFillClrLst meth="repeat">
+      <a:schemeClr val="dk1"/>
+    </dgm:txFillClrLst>
+    <dgm:txEffectClrLst/>
+  </dgm:styleLbl>
+  <dgm:styleLbl name="revTx">
+    <dgm:fillClrLst meth="repeat">
+      <a:schemeClr val="lt1">
+        <a:alpha val="0"/>
+      </a:schemeClr>
+    </dgm:fillClrLst>
+    <dgm:linClrLst meth="repeat">
+      <a:schemeClr val="dk1">
+        <a:alpha val="0"/>
+      </a:schemeClr>
+    </dgm:linClrLst>
+    <dgm:effectClrLst/>
+    <dgm:txLinClrLst/>
+    <dgm:txFillClrLst meth="repeat">
+      <a:schemeClr val="tx1"/>
+    </dgm:txFillClrLst>
+    <dgm:txEffectClrLst/>
+  </dgm:styleLbl>
+</dgm:colorsDef>
+</file>
+
+<file path=ppt/diagrams/colors2.xml><?xml version="1.0" encoding="utf-8"?>
 <dgm:colorsDef xmlns:dgm="http://schemas.openxmlformats.org/drawingml/2006/diagram" xmlns:a="http://schemas.openxmlformats.org/drawingml/2006/main" uniqueId="urn:microsoft.com/office/officeart/2005/8/colors/accent1_2">
   <dgm:title val=""/>
   <dgm:desc val=""/>
@@ -1344,7 +2091,11 @@
         <a:p>
           <a:r>
             <a:rPr lang="en-US" dirty="0" smtClean="0"/>
-            <a:t>Debugging the system using the requirements document.</a:t>
+            <a:t>Debugging the system using the </a:t>
+          </a:r>
+          <a:r>
+            <a:rPr lang="en-US" dirty="0" smtClean="0"/>
+            <a:t>Test suite  document and test strategy.</a:t>
           </a:r>
           <a:endParaRPr lang="en-US" dirty="0"/>
         </a:p>
@@ -1535,6 +2286,211 @@
     <dgm:cxn modelId="{AEDC4C6E-DC7C-4364-8563-E748313EFA17}" type="presParOf" srcId="{6F1872F4-A030-4D64-A17C-72EA1ABBD62E}" destId="{25A33852-3C4B-4406-8856-3A4D6201948C}" srcOrd="4" destOrd="0" presId="urn:microsoft.com/office/officeart/2005/8/layout/hList6"/>
     <dgm:cxn modelId="{CBF7D188-2B16-4153-AEAE-C484C833188A}" type="presParOf" srcId="{6F1872F4-A030-4D64-A17C-72EA1ABBD62E}" destId="{562EDDC3-60FD-463F-A6DB-A597D604B642}" srcOrd="5" destOrd="0" presId="urn:microsoft.com/office/officeart/2005/8/layout/hList6"/>
     <dgm:cxn modelId="{B6972862-A91C-4195-BC45-0084E643C0A0}" type="presParOf" srcId="{6F1872F4-A030-4D64-A17C-72EA1ABBD62E}" destId="{EA2D5D8D-3FD5-4FE4-B7E8-BF78685C4C76}" srcOrd="6" destOrd="0" presId="urn:microsoft.com/office/officeart/2005/8/layout/hList6"/>
+  </dgm:cxnLst>
+  <dgm:bg/>
+  <dgm:whole/>
+  <dgm:extLst>
+    <a:ext uri="http://schemas.microsoft.com/office/drawing/2008/diagram">
+      <dsp:dataModelExt xmlns:dsp="http://schemas.microsoft.com/office/drawing/2008/diagram" relId="rId6" minVer="http://schemas.openxmlformats.org/drawingml/2006/diagram"/>
+    </a:ext>
+  </dgm:extLst>
+</dgm:dataModel>
+</file>
+
+<file path=ppt/diagrams/data2.xml><?xml version="1.0" encoding="utf-8"?>
+<dgm:dataModel xmlns:dgm="http://schemas.openxmlformats.org/drawingml/2006/diagram" xmlns:a="http://schemas.openxmlformats.org/drawingml/2006/main">
+  <dgm:ptLst>
+    <dgm:pt modelId="{5119293E-CFF1-40DC-91B0-4ADC169E690A}" type="doc">
+      <dgm:prSet loTypeId="urn:microsoft.com/office/officeart/2005/8/layout/process1" loCatId="process" qsTypeId="urn:microsoft.com/office/officeart/2005/8/quickstyle/simple1" qsCatId="simple" csTypeId="urn:microsoft.com/office/officeart/2005/8/colors/accent1_2" csCatId="accent1" phldr="1"/>
+      <dgm:spPr/>
+    </dgm:pt>
+    <dgm:pt modelId="{2D28ACD1-25D9-461F-AFFA-AF0D4524C925}">
+      <dgm:prSet phldrT="[Text]"/>
+      <dgm:spPr/>
+      <dgm:t>
+        <a:bodyPr/>
+        <a:lstStyle/>
+        <a:p>
+          <a:r>
+            <a:rPr lang="en-US" dirty="0" smtClean="0"/>
+            <a:t>Build 0 </a:t>
+          </a:r>
+          <a:endParaRPr lang="en-US" dirty="0"/>
+        </a:p>
+      </dgm:t>
+    </dgm:pt>
+    <dgm:pt modelId="{C8C4723F-FA93-47BC-A192-A522C3D631BB}" type="parTrans" cxnId="{4A769CA4-299A-415F-9EAA-DF2A946246BB}">
+      <dgm:prSet/>
+      <dgm:spPr/>
+      <dgm:t>
+        <a:bodyPr/>
+        <a:lstStyle/>
+        <a:p>
+          <a:endParaRPr lang="en-US"/>
+        </a:p>
+      </dgm:t>
+    </dgm:pt>
+    <dgm:pt modelId="{0643BB84-6196-4D47-953E-29DD7A990B54}" type="sibTrans" cxnId="{4A769CA4-299A-415F-9EAA-DF2A946246BB}">
+      <dgm:prSet/>
+      <dgm:spPr/>
+      <dgm:t>
+        <a:bodyPr/>
+        <a:lstStyle/>
+        <a:p>
+          <a:endParaRPr lang="en-US"/>
+        </a:p>
+      </dgm:t>
+    </dgm:pt>
+    <dgm:pt modelId="{740F11C0-1918-4491-8E8D-F9E393D6DC62}">
+      <dgm:prSet phldrT="[Text]"/>
+      <dgm:spPr/>
+      <dgm:t>
+        <a:bodyPr/>
+        <a:lstStyle/>
+        <a:p>
+          <a:r>
+            <a:rPr lang="en-US" dirty="0" smtClean="0"/>
+            <a:t>Test</a:t>
+          </a:r>
+          <a:endParaRPr lang="en-US" dirty="0"/>
+        </a:p>
+      </dgm:t>
+    </dgm:pt>
+    <dgm:pt modelId="{2CB00DC9-C7F6-4607-93B1-38F3306CD7C1}" type="parTrans" cxnId="{9678E520-DA97-4D9C-939A-4DCF9B11AA2F}">
+      <dgm:prSet/>
+      <dgm:spPr/>
+      <dgm:t>
+        <a:bodyPr/>
+        <a:lstStyle/>
+        <a:p>
+          <a:endParaRPr lang="en-US"/>
+        </a:p>
+      </dgm:t>
+    </dgm:pt>
+    <dgm:pt modelId="{4BF9180C-3D66-4B05-B512-DB0404B3D62A}" type="sibTrans" cxnId="{9678E520-DA97-4D9C-939A-4DCF9B11AA2F}">
+      <dgm:prSet/>
+      <dgm:spPr/>
+      <dgm:t>
+        <a:bodyPr/>
+        <a:lstStyle/>
+        <a:p>
+          <a:endParaRPr lang="en-US"/>
+        </a:p>
+      </dgm:t>
+    </dgm:pt>
+    <dgm:pt modelId="{7773E333-D64C-46E0-BFFB-1ABFC80A563C}">
+      <dgm:prSet phldrT="[Text]"/>
+      <dgm:spPr/>
+      <dgm:t>
+        <a:bodyPr/>
+        <a:lstStyle/>
+        <a:p>
+          <a:r>
+            <a:rPr lang="en-US" dirty="0" smtClean="0"/>
+            <a:t>Tested and ready for Integration- Build 0</a:t>
+          </a:r>
+          <a:endParaRPr lang="en-US" dirty="0"/>
+        </a:p>
+      </dgm:t>
+    </dgm:pt>
+    <dgm:pt modelId="{349CA876-3C43-4618-B661-611E3D74539A}" type="parTrans" cxnId="{62B69662-1BE8-417A-BC23-417EA909952F}">
+      <dgm:prSet/>
+      <dgm:spPr/>
+      <dgm:t>
+        <a:bodyPr/>
+        <a:lstStyle/>
+        <a:p>
+          <a:endParaRPr lang="en-US"/>
+        </a:p>
+      </dgm:t>
+    </dgm:pt>
+    <dgm:pt modelId="{2839478F-D08F-4173-8D65-0648A498D4AD}" type="sibTrans" cxnId="{62B69662-1BE8-417A-BC23-417EA909952F}">
+      <dgm:prSet/>
+      <dgm:spPr/>
+      <dgm:t>
+        <a:bodyPr/>
+        <a:lstStyle/>
+        <a:p>
+          <a:endParaRPr lang="en-US"/>
+        </a:p>
+      </dgm:t>
+    </dgm:pt>
+    <dgm:pt modelId="{D193706C-23D0-466A-B0EF-8C9A48A29242}" type="pres">
+      <dgm:prSet presAssocID="{5119293E-CFF1-40DC-91B0-4ADC169E690A}" presName="Name0" presStyleCnt="0">
+        <dgm:presLayoutVars>
+          <dgm:dir/>
+          <dgm:resizeHandles val="exact"/>
+        </dgm:presLayoutVars>
+      </dgm:prSet>
+      <dgm:spPr/>
+    </dgm:pt>
+    <dgm:pt modelId="{6F5EA069-494E-4CD1-9E5E-3F58FF91F5FF}" type="pres">
+      <dgm:prSet presAssocID="{2D28ACD1-25D9-461F-AFFA-AF0D4524C925}" presName="node" presStyleLbl="node1" presStyleIdx="0" presStyleCnt="3">
+        <dgm:presLayoutVars>
+          <dgm:bulletEnabled val="1"/>
+        </dgm:presLayoutVars>
+      </dgm:prSet>
+      <dgm:spPr/>
+    </dgm:pt>
+    <dgm:pt modelId="{92D9BE5F-5428-48C0-8B71-11A06E55A42D}" type="pres">
+      <dgm:prSet presAssocID="{0643BB84-6196-4D47-953E-29DD7A990B54}" presName="sibTrans" presStyleLbl="sibTrans2D1" presStyleIdx="0" presStyleCnt="2"/>
+      <dgm:spPr/>
+    </dgm:pt>
+    <dgm:pt modelId="{339198E5-BA16-4E24-8248-265C23FDCCD5}" type="pres">
+      <dgm:prSet presAssocID="{0643BB84-6196-4D47-953E-29DD7A990B54}" presName="connectorText" presStyleLbl="sibTrans2D1" presStyleIdx="0" presStyleCnt="2"/>
+      <dgm:spPr/>
+    </dgm:pt>
+    <dgm:pt modelId="{1C7F462B-514B-487F-A5DD-88403B182C44}" type="pres">
+      <dgm:prSet presAssocID="{740F11C0-1918-4491-8E8D-F9E393D6DC62}" presName="node" presStyleLbl="node1" presStyleIdx="1" presStyleCnt="3">
+        <dgm:presLayoutVars>
+          <dgm:bulletEnabled val="1"/>
+        </dgm:presLayoutVars>
+      </dgm:prSet>
+      <dgm:spPr/>
+    </dgm:pt>
+    <dgm:pt modelId="{BC74093D-3DF0-4AC9-A865-8E35C87E016C}" type="pres">
+      <dgm:prSet presAssocID="{4BF9180C-3D66-4B05-B512-DB0404B3D62A}" presName="sibTrans" presStyleLbl="sibTrans2D1" presStyleIdx="1" presStyleCnt="2"/>
+      <dgm:spPr/>
+    </dgm:pt>
+    <dgm:pt modelId="{6DA5BF30-F533-4E18-AD9E-A0F6A238E33E}" type="pres">
+      <dgm:prSet presAssocID="{4BF9180C-3D66-4B05-B512-DB0404B3D62A}" presName="connectorText" presStyleLbl="sibTrans2D1" presStyleIdx="1" presStyleCnt="2"/>
+      <dgm:spPr/>
+    </dgm:pt>
+    <dgm:pt modelId="{AEDB51C8-D1F4-496B-B4DF-5329362ECC57}" type="pres">
+      <dgm:prSet presAssocID="{7773E333-D64C-46E0-BFFB-1ABFC80A563C}" presName="node" presStyleLbl="node1" presStyleIdx="2" presStyleCnt="3">
+        <dgm:presLayoutVars>
+          <dgm:bulletEnabled val="1"/>
+        </dgm:presLayoutVars>
+      </dgm:prSet>
+      <dgm:spPr/>
+      <dgm:t>
+        <a:bodyPr/>
+        <a:lstStyle/>
+        <a:p>
+          <a:endParaRPr lang="en-US"/>
+        </a:p>
+      </dgm:t>
+    </dgm:pt>
+  </dgm:ptLst>
+  <dgm:cxnLst>
+    <dgm:cxn modelId="{62B69662-1BE8-417A-BC23-417EA909952F}" srcId="{5119293E-CFF1-40DC-91B0-4ADC169E690A}" destId="{7773E333-D64C-46E0-BFFB-1ABFC80A563C}" srcOrd="2" destOrd="0" parTransId="{349CA876-3C43-4618-B661-611E3D74539A}" sibTransId="{2839478F-D08F-4173-8D65-0648A498D4AD}"/>
+    <dgm:cxn modelId="{87765968-9DE7-4676-A1BF-BBF0E3DBCA66}" type="presOf" srcId="{2D28ACD1-25D9-461F-AFFA-AF0D4524C925}" destId="{6F5EA069-494E-4CD1-9E5E-3F58FF91F5FF}" srcOrd="0" destOrd="0" presId="urn:microsoft.com/office/officeart/2005/8/layout/process1"/>
+    <dgm:cxn modelId="{3C5BA80F-EA15-475A-AD22-845406CFCB3B}" type="presOf" srcId="{4BF9180C-3D66-4B05-B512-DB0404B3D62A}" destId="{BC74093D-3DF0-4AC9-A865-8E35C87E016C}" srcOrd="0" destOrd="0" presId="urn:microsoft.com/office/officeart/2005/8/layout/process1"/>
+    <dgm:cxn modelId="{B2CCDC51-17AA-49A9-90F0-AA84BF65CD8F}" type="presOf" srcId="{0643BB84-6196-4D47-953E-29DD7A990B54}" destId="{92D9BE5F-5428-48C0-8B71-11A06E55A42D}" srcOrd="0" destOrd="0" presId="urn:microsoft.com/office/officeart/2005/8/layout/process1"/>
+    <dgm:cxn modelId="{274F7139-0367-43AB-805F-99F4E2948D91}" type="presOf" srcId="{0643BB84-6196-4D47-953E-29DD7A990B54}" destId="{339198E5-BA16-4E24-8248-265C23FDCCD5}" srcOrd="1" destOrd="0" presId="urn:microsoft.com/office/officeart/2005/8/layout/process1"/>
+    <dgm:cxn modelId="{9678E520-DA97-4D9C-939A-4DCF9B11AA2F}" srcId="{5119293E-CFF1-40DC-91B0-4ADC169E690A}" destId="{740F11C0-1918-4491-8E8D-F9E393D6DC62}" srcOrd="1" destOrd="0" parTransId="{2CB00DC9-C7F6-4607-93B1-38F3306CD7C1}" sibTransId="{4BF9180C-3D66-4B05-B512-DB0404B3D62A}"/>
+    <dgm:cxn modelId="{9CE707AE-0A61-4580-BC78-82706C29E080}" type="presOf" srcId="{7773E333-D64C-46E0-BFFB-1ABFC80A563C}" destId="{AEDB51C8-D1F4-496B-B4DF-5329362ECC57}" srcOrd="0" destOrd="0" presId="urn:microsoft.com/office/officeart/2005/8/layout/process1"/>
+    <dgm:cxn modelId="{4A769CA4-299A-415F-9EAA-DF2A946246BB}" srcId="{5119293E-CFF1-40DC-91B0-4ADC169E690A}" destId="{2D28ACD1-25D9-461F-AFFA-AF0D4524C925}" srcOrd="0" destOrd="0" parTransId="{C8C4723F-FA93-47BC-A192-A522C3D631BB}" sibTransId="{0643BB84-6196-4D47-953E-29DD7A990B54}"/>
+    <dgm:cxn modelId="{15606F48-E120-4DA7-981B-F7F555C0AC07}" type="presOf" srcId="{740F11C0-1918-4491-8E8D-F9E393D6DC62}" destId="{1C7F462B-514B-487F-A5DD-88403B182C44}" srcOrd="0" destOrd="0" presId="urn:microsoft.com/office/officeart/2005/8/layout/process1"/>
+    <dgm:cxn modelId="{38439CEE-62C7-4721-97A1-4EB9B6936104}" type="presOf" srcId="{5119293E-CFF1-40DC-91B0-4ADC169E690A}" destId="{D193706C-23D0-466A-B0EF-8C9A48A29242}" srcOrd="0" destOrd="0" presId="urn:microsoft.com/office/officeart/2005/8/layout/process1"/>
+    <dgm:cxn modelId="{68411D06-892F-4424-A2F6-769AC0B48E8E}" type="presOf" srcId="{4BF9180C-3D66-4B05-B512-DB0404B3D62A}" destId="{6DA5BF30-F533-4E18-AD9E-A0F6A238E33E}" srcOrd="1" destOrd="0" presId="urn:microsoft.com/office/officeart/2005/8/layout/process1"/>
+    <dgm:cxn modelId="{A90515F5-2AC2-4A46-9EC3-B7BA0FD4D38F}" type="presParOf" srcId="{D193706C-23D0-466A-B0EF-8C9A48A29242}" destId="{6F5EA069-494E-4CD1-9E5E-3F58FF91F5FF}" srcOrd="0" destOrd="0" presId="urn:microsoft.com/office/officeart/2005/8/layout/process1"/>
+    <dgm:cxn modelId="{C829D5E0-5311-4879-A168-A1F34ACBB1D5}" type="presParOf" srcId="{D193706C-23D0-466A-B0EF-8C9A48A29242}" destId="{92D9BE5F-5428-48C0-8B71-11A06E55A42D}" srcOrd="1" destOrd="0" presId="urn:microsoft.com/office/officeart/2005/8/layout/process1"/>
+    <dgm:cxn modelId="{191CACEA-E206-48BA-9D5E-EA77B25567CE}" type="presParOf" srcId="{92D9BE5F-5428-48C0-8B71-11A06E55A42D}" destId="{339198E5-BA16-4E24-8248-265C23FDCCD5}" srcOrd="0" destOrd="0" presId="urn:microsoft.com/office/officeart/2005/8/layout/process1"/>
+    <dgm:cxn modelId="{5CC235BD-327C-4B4A-B8B8-E62D7BB06544}" type="presParOf" srcId="{D193706C-23D0-466A-B0EF-8C9A48A29242}" destId="{1C7F462B-514B-487F-A5DD-88403B182C44}" srcOrd="2" destOrd="0" presId="urn:microsoft.com/office/officeart/2005/8/layout/process1"/>
+    <dgm:cxn modelId="{B0DC1FCF-1051-4441-94C4-934118746544}" type="presParOf" srcId="{D193706C-23D0-466A-B0EF-8C9A48A29242}" destId="{BC74093D-3DF0-4AC9-A865-8E35C87E016C}" srcOrd="3" destOrd="0" presId="urn:microsoft.com/office/officeart/2005/8/layout/process1"/>
+    <dgm:cxn modelId="{E3B8FCD5-315F-4787-9008-AD57CCA10048}" type="presParOf" srcId="{BC74093D-3DF0-4AC9-A865-8E35C87E016C}" destId="{6DA5BF30-F533-4E18-AD9E-A0F6A238E33E}" srcOrd="0" destOrd="0" presId="urn:microsoft.com/office/officeart/2005/8/layout/process1"/>
+    <dgm:cxn modelId="{AC7D2D0B-C2E3-4441-8814-95040E659DB5}" type="presParOf" srcId="{D193706C-23D0-466A-B0EF-8C9A48A29242}" destId="{AEDB51C8-D1F4-496B-B4DF-5329362ECC57}" srcOrd="4" destOrd="0" presId="urn:microsoft.com/office/officeart/2005/8/layout/process1"/>
   </dgm:cxnLst>
   <dgm:bg/>
   <dgm:whole/>
@@ -2158,7 +3114,11 @@
           </a:pPr>
           <a:r>
             <a:rPr lang="en-US" sz="1600" kern="1200" dirty="0" smtClean="0"/>
-            <a:t>Debugging the system using the requirements document.</a:t>
+            <a:t>Debugging the system using the </a:t>
+          </a:r>
+          <a:r>
+            <a:rPr lang="en-US" sz="1600" kern="1200" dirty="0" smtClean="0"/>
+            <a:t>Test suite  document and test strategy.</a:t>
           </a:r>
           <a:endParaRPr lang="en-US" sz="1600" kern="1200" dirty="0"/>
         </a:p>
@@ -2166,6 +3126,396 @@
       <dsp:txXfrm rot="5400000">
         <a:off x="7349316" y="797242"/>
         <a:ext cx="2278137" cy="2391727"/>
+      </dsp:txXfrm>
+    </dsp:sp>
+  </dsp:spTree>
+</dsp:drawing>
+</file>
+
+<file path=ppt/diagrams/drawing2.xml><?xml version="1.0" encoding="utf-8"?>
+<dsp:drawing xmlns:dgm="http://schemas.openxmlformats.org/drawingml/2006/diagram" xmlns:dsp="http://schemas.microsoft.com/office/drawing/2008/diagram" xmlns:a="http://schemas.openxmlformats.org/drawingml/2006/main">
+  <dsp:spTree>
+    <dsp:nvGrpSpPr>
+      <dsp:cNvPr id="0" name=""/>
+      <dsp:cNvGrpSpPr/>
+    </dsp:nvGrpSpPr>
+    <dsp:grpSpPr/>
+    <dsp:sp modelId="{6F5EA069-494E-4CD1-9E5E-3F58FF91F5FF}">
+      <dsp:nvSpPr>
+        <dsp:cNvPr id="0" name=""/>
+        <dsp:cNvSpPr/>
+      </dsp:nvSpPr>
+      <dsp:spPr>
+        <a:xfrm>
+          <a:off x="7143" y="6055"/>
+          <a:ext cx="2135187" cy="1281112"/>
+        </a:xfrm>
+        <a:prstGeom prst="roundRect">
+          <a:avLst>
+            <a:gd name="adj" fmla="val 10000"/>
+          </a:avLst>
+        </a:prstGeom>
+        <a:solidFill>
+          <a:schemeClr val="accent1">
+            <a:hueOff val="0"/>
+            <a:satOff val="0"/>
+            <a:lumOff val="0"/>
+            <a:alphaOff val="0"/>
+          </a:schemeClr>
+        </a:solidFill>
+        <a:ln w="12700" cap="flat" cmpd="sng" algn="ctr">
+          <a:solidFill>
+            <a:schemeClr val="lt1">
+              <a:hueOff val="0"/>
+              <a:satOff val="0"/>
+              <a:lumOff val="0"/>
+              <a:alphaOff val="0"/>
+            </a:schemeClr>
+          </a:solidFill>
+          <a:prstDash val="solid"/>
+          <a:miter lim="800000"/>
+        </a:ln>
+        <a:effectLst/>
+      </dsp:spPr>
+      <dsp:style>
+        <a:lnRef idx="2">
+          <a:scrgbClr r="0" g="0" b="0"/>
+        </a:lnRef>
+        <a:fillRef idx="1">
+          <a:scrgbClr r="0" g="0" b="0"/>
+        </a:fillRef>
+        <a:effectRef idx="0">
+          <a:scrgbClr r="0" g="0" b="0"/>
+        </a:effectRef>
+        <a:fontRef idx="minor">
+          <a:schemeClr val="lt1"/>
+        </a:fontRef>
+      </dsp:style>
+      <dsp:txBody>
+        <a:bodyPr spcFirstLastPara="0" vert="horz" wrap="square" lIns="80010" tIns="80010" rIns="80010" bIns="80010" numCol="1" spcCol="1270" anchor="ctr" anchorCtr="0">
+          <a:noAutofit/>
+        </a:bodyPr>
+        <a:lstStyle/>
+        <a:p>
+          <a:pPr lvl="0" algn="ctr" defTabSz="933450">
+            <a:lnSpc>
+              <a:spcPct val="90000"/>
+            </a:lnSpc>
+            <a:spcBef>
+              <a:spcPct val="0"/>
+            </a:spcBef>
+            <a:spcAft>
+              <a:spcPct val="35000"/>
+            </a:spcAft>
+          </a:pPr>
+          <a:r>
+            <a:rPr lang="en-US" sz="2100" kern="1200" dirty="0" smtClean="0"/>
+            <a:t>Build 0 </a:t>
+          </a:r>
+          <a:endParaRPr lang="en-US" sz="2100" kern="1200" dirty="0"/>
+        </a:p>
+      </dsp:txBody>
+      <dsp:txXfrm>
+        <a:off x="44665" y="43577"/>
+        <a:ext cx="2060143" cy="1206068"/>
+      </dsp:txXfrm>
+    </dsp:sp>
+    <dsp:sp modelId="{92D9BE5F-5428-48C0-8B71-11A06E55A42D}">
+      <dsp:nvSpPr>
+        <dsp:cNvPr id="0" name=""/>
+        <dsp:cNvSpPr/>
+      </dsp:nvSpPr>
+      <dsp:spPr>
+        <a:xfrm>
+          <a:off x="2355850" y="381848"/>
+          <a:ext cx="452659" cy="529526"/>
+        </a:xfrm>
+        <a:prstGeom prst="rightArrow">
+          <a:avLst>
+            <a:gd name="adj1" fmla="val 60000"/>
+            <a:gd name="adj2" fmla="val 50000"/>
+          </a:avLst>
+        </a:prstGeom>
+        <a:solidFill>
+          <a:schemeClr val="accent1">
+            <a:tint val="60000"/>
+            <a:hueOff val="0"/>
+            <a:satOff val="0"/>
+            <a:lumOff val="0"/>
+            <a:alphaOff val="0"/>
+          </a:schemeClr>
+        </a:solidFill>
+        <a:ln>
+          <a:noFill/>
+        </a:ln>
+        <a:effectLst/>
+      </dsp:spPr>
+      <dsp:style>
+        <a:lnRef idx="0">
+          <a:scrgbClr r="0" g="0" b="0"/>
+        </a:lnRef>
+        <a:fillRef idx="1">
+          <a:scrgbClr r="0" g="0" b="0"/>
+        </a:fillRef>
+        <a:effectRef idx="0">
+          <a:scrgbClr r="0" g="0" b="0"/>
+        </a:effectRef>
+        <a:fontRef idx="minor">
+          <a:schemeClr val="lt1"/>
+        </a:fontRef>
+      </dsp:style>
+      <dsp:txBody>
+        <a:bodyPr spcFirstLastPara="0" vert="horz" wrap="square" lIns="0" tIns="0" rIns="0" bIns="0" numCol="1" spcCol="1270" anchor="ctr" anchorCtr="0">
+          <a:noAutofit/>
+        </a:bodyPr>
+        <a:lstStyle/>
+        <a:p>
+          <a:pPr lvl="0" algn="ctr" defTabSz="755650">
+            <a:lnSpc>
+              <a:spcPct val="90000"/>
+            </a:lnSpc>
+            <a:spcBef>
+              <a:spcPct val="0"/>
+            </a:spcBef>
+            <a:spcAft>
+              <a:spcPct val="35000"/>
+            </a:spcAft>
+          </a:pPr>
+          <a:endParaRPr lang="en-US" sz="1700" kern="1200"/>
+        </a:p>
+      </dsp:txBody>
+      <dsp:txXfrm>
+        <a:off x="2355850" y="487753"/>
+        <a:ext cx="316861" cy="317716"/>
+      </dsp:txXfrm>
+    </dsp:sp>
+    <dsp:sp modelId="{1C7F462B-514B-487F-A5DD-88403B182C44}">
+      <dsp:nvSpPr>
+        <dsp:cNvPr id="0" name=""/>
+        <dsp:cNvSpPr/>
+      </dsp:nvSpPr>
+      <dsp:spPr>
+        <a:xfrm>
+          <a:off x="2996406" y="6055"/>
+          <a:ext cx="2135187" cy="1281112"/>
+        </a:xfrm>
+        <a:prstGeom prst="roundRect">
+          <a:avLst>
+            <a:gd name="adj" fmla="val 10000"/>
+          </a:avLst>
+        </a:prstGeom>
+        <a:solidFill>
+          <a:schemeClr val="accent1">
+            <a:hueOff val="0"/>
+            <a:satOff val="0"/>
+            <a:lumOff val="0"/>
+            <a:alphaOff val="0"/>
+          </a:schemeClr>
+        </a:solidFill>
+        <a:ln w="12700" cap="flat" cmpd="sng" algn="ctr">
+          <a:solidFill>
+            <a:schemeClr val="lt1">
+              <a:hueOff val="0"/>
+              <a:satOff val="0"/>
+              <a:lumOff val="0"/>
+              <a:alphaOff val="0"/>
+            </a:schemeClr>
+          </a:solidFill>
+          <a:prstDash val="solid"/>
+          <a:miter lim="800000"/>
+        </a:ln>
+        <a:effectLst/>
+      </dsp:spPr>
+      <dsp:style>
+        <a:lnRef idx="2">
+          <a:scrgbClr r="0" g="0" b="0"/>
+        </a:lnRef>
+        <a:fillRef idx="1">
+          <a:scrgbClr r="0" g="0" b="0"/>
+        </a:fillRef>
+        <a:effectRef idx="0">
+          <a:scrgbClr r="0" g="0" b="0"/>
+        </a:effectRef>
+        <a:fontRef idx="minor">
+          <a:schemeClr val="lt1"/>
+        </a:fontRef>
+      </dsp:style>
+      <dsp:txBody>
+        <a:bodyPr spcFirstLastPara="0" vert="horz" wrap="square" lIns="80010" tIns="80010" rIns="80010" bIns="80010" numCol="1" spcCol="1270" anchor="ctr" anchorCtr="0">
+          <a:noAutofit/>
+        </a:bodyPr>
+        <a:lstStyle/>
+        <a:p>
+          <a:pPr lvl="0" algn="ctr" defTabSz="933450">
+            <a:lnSpc>
+              <a:spcPct val="90000"/>
+            </a:lnSpc>
+            <a:spcBef>
+              <a:spcPct val="0"/>
+            </a:spcBef>
+            <a:spcAft>
+              <a:spcPct val="35000"/>
+            </a:spcAft>
+          </a:pPr>
+          <a:r>
+            <a:rPr lang="en-US" sz="2100" kern="1200" dirty="0" smtClean="0"/>
+            <a:t>Test</a:t>
+          </a:r>
+          <a:endParaRPr lang="en-US" sz="2100" kern="1200" dirty="0"/>
+        </a:p>
+      </dsp:txBody>
+      <dsp:txXfrm>
+        <a:off x="3033928" y="43577"/>
+        <a:ext cx="2060143" cy="1206068"/>
+      </dsp:txXfrm>
+    </dsp:sp>
+    <dsp:sp modelId="{BC74093D-3DF0-4AC9-A865-8E35C87E016C}">
+      <dsp:nvSpPr>
+        <dsp:cNvPr id="0" name=""/>
+        <dsp:cNvSpPr/>
+      </dsp:nvSpPr>
+      <dsp:spPr>
+        <a:xfrm>
+          <a:off x="5345112" y="381848"/>
+          <a:ext cx="452659" cy="529526"/>
+        </a:xfrm>
+        <a:prstGeom prst="rightArrow">
+          <a:avLst>
+            <a:gd name="adj1" fmla="val 60000"/>
+            <a:gd name="adj2" fmla="val 50000"/>
+          </a:avLst>
+        </a:prstGeom>
+        <a:solidFill>
+          <a:schemeClr val="accent1">
+            <a:tint val="60000"/>
+            <a:hueOff val="0"/>
+            <a:satOff val="0"/>
+            <a:lumOff val="0"/>
+            <a:alphaOff val="0"/>
+          </a:schemeClr>
+        </a:solidFill>
+        <a:ln>
+          <a:noFill/>
+        </a:ln>
+        <a:effectLst/>
+      </dsp:spPr>
+      <dsp:style>
+        <a:lnRef idx="0">
+          <a:scrgbClr r="0" g="0" b="0"/>
+        </a:lnRef>
+        <a:fillRef idx="1">
+          <a:scrgbClr r="0" g="0" b="0"/>
+        </a:fillRef>
+        <a:effectRef idx="0">
+          <a:scrgbClr r="0" g="0" b="0"/>
+        </a:effectRef>
+        <a:fontRef idx="minor">
+          <a:schemeClr val="lt1"/>
+        </a:fontRef>
+      </dsp:style>
+      <dsp:txBody>
+        <a:bodyPr spcFirstLastPara="0" vert="horz" wrap="square" lIns="0" tIns="0" rIns="0" bIns="0" numCol="1" spcCol="1270" anchor="ctr" anchorCtr="0">
+          <a:noAutofit/>
+        </a:bodyPr>
+        <a:lstStyle/>
+        <a:p>
+          <a:pPr lvl="0" algn="ctr" defTabSz="755650">
+            <a:lnSpc>
+              <a:spcPct val="90000"/>
+            </a:lnSpc>
+            <a:spcBef>
+              <a:spcPct val="0"/>
+            </a:spcBef>
+            <a:spcAft>
+              <a:spcPct val="35000"/>
+            </a:spcAft>
+          </a:pPr>
+          <a:endParaRPr lang="en-US" sz="1700" kern="1200"/>
+        </a:p>
+      </dsp:txBody>
+      <dsp:txXfrm>
+        <a:off x="5345112" y="487753"/>
+        <a:ext cx="316861" cy="317716"/>
+      </dsp:txXfrm>
+    </dsp:sp>
+    <dsp:sp modelId="{AEDB51C8-D1F4-496B-B4DF-5329362ECC57}">
+      <dsp:nvSpPr>
+        <dsp:cNvPr id="0" name=""/>
+        <dsp:cNvSpPr/>
+      </dsp:nvSpPr>
+      <dsp:spPr>
+        <a:xfrm>
+          <a:off x="5985668" y="6055"/>
+          <a:ext cx="2135187" cy="1281112"/>
+        </a:xfrm>
+        <a:prstGeom prst="roundRect">
+          <a:avLst>
+            <a:gd name="adj" fmla="val 10000"/>
+          </a:avLst>
+        </a:prstGeom>
+        <a:solidFill>
+          <a:schemeClr val="accent1">
+            <a:hueOff val="0"/>
+            <a:satOff val="0"/>
+            <a:lumOff val="0"/>
+            <a:alphaOff val="0"/>
+          </a:schemeClr>
+        </a:solidFill>
+        <a:ln w="12700" cap="flat" cmpd="sng" algn="ctr">
+          <a:solidFill>
+            <a:schemeClr val="lt1">
+              <a:hueOff val="0"/>
+              <a:satOff val="0"/>
+              <a:lumOff val="0"/>
+              <a:alphaOff val="0"/>
+            </a:schemeClr>
+          </a:solidFill>
+          <a:prstDash val="solid"/>
+          <a:miter lim="800000"/>
+        </a:ln>
+        <a:effectLst/>
+      </dsp:spPr>
+      <dsp:style>
+        <a:lnRef idx="2">
+          <a:scrgbClr r="0" g="0" b="0"/>
+        </a:lnRef>
+        <a:fillRef idx="1">
+          <a:scrgbClr r="0" g="0" b="0"/>
+        </a:fillRef>
+        <a:effectRef idx="0">
+          <a:scrgbClr r="0" g="0" b="0"/>
+        </a:effectRef>
+        <a:fontRef idx="minor">
+          <a:schemeClr val="lt1"/>
+        </a:fontRef>
+      </dsp:style>
+      <dsp:txBody>
+        <a:bodyPr spcFirstLastPara="0" vert="horz" wrap="square" lIns="80010" tIns="80010" rIns="80010" bIns="80010" numCol="1" spcCol="1270" anchor="ctr" anchorCtr="0">
+          <a:noAutofit/>
+        </a:bodyPr>
+        <a:lstStyle/>
+        <a:p>
+          <a:pPr lvl="0" algn="ctr" defTabSz="933450">
+            <a:lnSpc>
+              <a:spcPct val="90000"/>
+            </a:lnSpc>
+            <a:spcBef>
+              <a:spcPct val="0"/>
+            </a:spcBef>
+            <a:spcAft>
+              <a:spcPct val="35000"/>
+            </a:spcAft>
+          </a:pPr>
+          <a:r>
+            <a:rPr lang="en-US" sz="2100" kern="1200" dirty="0" smtClean="0"/>
+            <a:t>Tested and ready for Integration- Build 0</a:t>
+          </a:r>
+          <a:endParaRPr lang="en-US" sz="2100" kern="1200" dirty="0"/>
+        </a:p>
+      </dsp:txBody>
+      <dsp:txXfrm>
+        <a:off x="6023190" y="43577"/>
+        <a:ext cx="2060143" cy="1206068"/>
       </dsp:txXfrm>
     </dsp:sp>
   </dsp:spTree>
@@ -2344,6 +3694,152 @@
 </dgm:layoutDef>
 </file>
 
+<file path=ppt/diagrams/layout2.xml><?xml version="1.0" encoding="utf-8"?>
+<dgm:layoutDef xmlns:dgm="http://schemas.openxmlformats.org/drawingml/2006/diagram" xmlns:a="http://schemas.openxmlformats.org/drawingml/2006/main" uniqueId="urn:microsoft.com/office/officeart/2005/8/layout/process1">
+  <dgm:title val=""/>
+  <dgm:desc val=""/>
+  <dgm:catLst>
+    <dgm:cat type="process" pri="1000"/>
+    <dgm:cat type="convert" pri="15000"/>
+  </dgm:catLst>
+  <dgm:sampData useDef="1">
+    <dgm:dataModel>
+      <dgm:ptLst/>
+      <dgm:bg/>
+      <dgm:whole/>
+    </dgm:dataModel>
+  </dgm:sampData>
+  <dgm:styleData>
+    <dgm:dataModel>
+      <dgm:ptLst>
+        <dgm:pt modelId="0" type="doc"/>
+        <dgm:pt modelId="1"/>
+        <dgm:pt modelId="2"/>
+      </dgm:ptLst>
+      <dgm:cxnLst>
+        <dgm:cxn modelId="3" srcId="0" destId="1" srcOrd="0" destOrd="0"/>
+        <dgm:cxn modelId="4" srcId="0" destId="2" srcOrd="1" destOrd="0"/>
+      </dgm:cxnLst>
+      <dgm:bg/>
+      <dgm:whole/>
+    </dgm:dataModel>
+  </dgm:styleData>
+  <dgm:clrData>
+    <dgm:dataModel>
+      <dgm:ptLst>
+        <dgm:pt modelId="0" type="doc"/>
+        <dgm:pt modelId="1"/>
+        <dgm:pt modelId="2"/>
+        <dgm:pt modelId="3"/>
+        <dgm:pt modelId="4"/>
+      </dgm:ptLst>
+      <dgm:cxnLst>
+        <dgm:cxn modelId="5" srcId="0" destId="1" srcOrd="0" destOrd="0"/>
+        <dgm:cxn modelId="6" srcId="0" destId="2" srcOrd="1" destOrd="0"/>
+        <dgm:cxn modelId="7" srcId="0" destId="3" srcOrd="2" destOrd="0"/>
+        <dgm:cxn modelId="8" srcId="0" destId="4" srcOrd="3" destOrd="0"/>
+      </dgm:cxnLst>
+      <dgm:bg/>
+      <dgm:whole/>
+    </dgm:dataModel>
+  </dgm:clrData>
+  <dgm:layoutNode name="Name0">
+    <dgm:varLst>
+      <dgm:dir/>
+      <dgm:resizeHandles val="exact"/>
+    </dgm:varLst>
+    <dgm:choose name="Name1">
+      <dgm:if name="Name2" func="var" arg="dir" op="equ" val="norm">
+        <dgm:alg type="lin"/>
+      </dgm:if>
+      <dgm:else name="Name3">
+        <dgm:alg type="lin">
+          <dgm:param type="linDir" val="fromR"/>
+        </dgm:alg>
+      </dgm:else>
+    </dgm:choose>
+    <dgm:shape xmlns:r="http://schemas.openxmlformats.org/officeDocument/2006/relationships" r:blip="">
+      <dgm:adjLst/>
+    </dgm:shape>
+    <dgm:presOf/>
+    <dgm:constrLst>
+      <dgm:constr type="w" for="ch" ptType="node" refType="w"/>
+      <dgm:constr type="h" for="ch" ptType="node" op="equ"/>
+      <dgm:constr type="primFontSz" for="ch" ptType="node" op="equ" val="65"/>
+      <dgm:constr type="w" for="ch" ptType="sibTrans" refType="w" refFor="ch" refPtType="node" op="equ" fact="0.4"/>
+      <dgm:constr type="h" for="ch" ptType="sibTrans" op="equ"/>
+      <dgm:constr type="primFontSz" for="des" forName="connectorText" op="equ" val="55"/>
+      <dgm:constr type="primFontSz" for="des" forName="connectorText" refType="primFontSz" refFor="ch" refPtType="node" op="lte" fact="0.8"/>
+    </dgm:constrLst>
+    <dgm:ruleLst/>
+    <dgm:forEach name="nodesForEach" axis="ch" ptType="node">
+      <dgm:layoutNode name="node">
+        <dgm:varLst>
+          <dgm:bulletEnabled val="1"/>
+        </dgm:varLst>
+        <dgm:alg type="tx"/>
+        <dgm:shape xmlns:r="http://schemas.openxmlformats.org/officeDocument/2006/relationships" type="roundRect" r:blip="">
+          <dgm:adjLst>
+            <dgm:adj idx="1" val="0.1"/>
+          </dgm:adjLst>
+        </dgm:shape>
+        <dgm:presOf axis="desOrSelf" ptType="node"/>
+        <dgm:constrLst>
+          <dgm:constr type="h" refType="w" fact="0.6"/>
+          <dgm:constr type="tMarg" refType="primFontSz" fact="0.3"/>
+          <dgm:constr type="bMarg" refType="primFontSz" fact="0.3"/>
+          <dgm:constr type="lMarg" refType="primFontSz" fact="0.3"/>
+          <dgm:constr type="rMarg" refType="primFontSz" fact="0.3"/>
+        </dgm:constrLst>
+        <dgm:ruleLst>
+          <dgm:rule type="primFontSz" val="18" fact="NaN" max="NaN"/>
+          <dgm:rule type="h" val="NaN" fact="1.5" max="NaN"/>
+          <dgm:rule type="primFontSz" val="5" fact="NaN" max="NaN"/>
+          <dgm:rule type="h" val="INF" fact="NaN" max="NaN"/>
+        </dgm:ruleLst>
+      </dgm:layoutNode>
+      <dgm:forEach name="sibTransForEach" axis="followSib" ptType="sibTrans" cnt="1">
+        <dgm:layoutNode name="sibTrans">
+          <dgm:alg type="conn">
+            <dgm:param type="begPts" val="auto"/>
+            <dgm:param type="endPts" val="auto"/>
+          </dgm:alg>
+          <dgm:shape xmlns:r="http://schemas.openxmlformats.org/officeDocument/2006/relationships" type="conn" r:blip="">
+            <dgm:adjLst/>
+          </dgm:shape>
+          <dgm:presOf axis="self"/>
+          <dgm:constrLst>
+            <dgm:constr type="h" refType="w" fact="0.62"/>
+            <dgm:constr type="connDist"/>
+            <dgm:constr type="begPad" refType="connDist" fact="0.25"/>
+            <dgm:constr type="endPad" refType="connDist" fact="0.22"/>
+          </dgm:constrLst>
+          <dgm:ruleLst/>
+          <dgm:layoutNode name="connectorText">
+            <dgm:alg type="tx">
+              <dgm:param type="autoTxRot" val="grav"/>
+            </dgm:alg>
+            <dgm:shape xmlns:r="http://schemas.openxmlformats.org/officeDocument/2006/relationships" type="conn" r:blip="" hideGeom="1">
+              <dgm:adjLst/>
+            </dgm:shape>
+            <dgm:presOf axis="self"/>
+            <dgm:constrLst>
+              <dgm:constr type="lMarg"/>
+              <dgm:constr type="rMarg"/>
+              <dgm:constr type="tMarg"/>
+              <dgm:constr type="bMarg"/>
+            </dgm:constrLst>
+            <dgm:ruleLst>
+              <dgm:rule type="primFontSz" val="5" fact="NaN" max="NaN"/>
+            </dgm:ruleLst>
+          </dgm:layoutNode>
+        </dgm:layoutNode>
+      </dgm:forEach>
+    </dgm:forEach>
+  </dgm:layoutNode>
+</dgm:layoutDef>
+</file>
+
 <file path=ppt/diagrams/quickStyle1.xml><?xml version="1.0" encoding="utf-8"?>
 <dgm:styleDef xmlns:dgm="http://schemas.openxmlformats.org/drawingml/2006/diagram" xmlns:a="http://schemas.openxmlformats.org/drawingml/2006/main" uniqueId="urn:microsoft.com/office/officeart/2005/8/quickstyle/simple3">
   <dgm:title val=""/>
@@ -3376,6 +4872,1040 @@
         <a:scrgbClr r="0" g="0" b="0"/>
       </a:fillRef>
       <a:effectRef idx="1">
+        <a:scrgbClr r="0" g="0" b="0"/>
+      </a:effectRef>
+      <a:fontRef idx="minor"/>
+    </dgm:style>
+  </dgm:styleLbl>
+  <dgm:styleLbl name="revTx">
+    <dgm:scene3d>
+      <a:camera prst="orthographicFront"/>
+      <a:lightRig rig="threePt" dir="t"/>
+    </dgm:scene3d>
+    <dgm:sp3d/>
+    <dgm:txPr/>
+    <dgm:style>
+      <a:lnRef idx="0">
+        <a:scrgbClr r="0" g="0" b="0"/>
+      </a:lnRef>
+      <a:fillRef idx="0">
+        <a:scrgbClr r="0" g="0" b="0"/>
+      </a:fillRef>
+      <a:effectRef idx="0">
+        <a:scrgbClr r="0" g="0" b="0"/>
+      </a:effectRef>
+      <a:fontRef idx="minor"/>
+    </dgm:style>
+  </dgm:styleLbl>
+</dgm:styleDef>
+</file>
+
+<file path=ppt/diagrams/quickStyle2.xml><?xml version="1.0" encoding="utf-8"?>
+<dgm:styleDef xmlns:dgm="http://schemas.openxmlformats.org/drawingml/2006/diagram" xmlns:a="http://schemas.openxmlformats.org/drawingml/2006/main" uniqueId="urn:microsoft.com/office/officeart/2005/8/quickstyle/simple1">
+  <dgm:title val=""/>
+  <dgm:desc val=""/>
+  <dgm:catLst>
+    <dgm:cat type="simple" pri="10100"/>
+  </dgm:catLst>
+  <dgm:scene3d>
+    <a:camera prst="orthographicFront"/>
+    <a:lightRig rig="threePt" dir="t"/>
+  </dgm:scene3d>
+  <dgm:styleLbl name="node0">
+    <dgm:scene3d>
+      <a:camera prst="orthographicFront"/>
+      <a:lightRig rig="threePt" dir="t"/>
+    </dgm:scene3d>
+    <dgm:sp3d/>
+    <dgm:txPr/>
+    <dgm:style>
+      <a:lnRef idx="2">
+        <a:scrgbClr r="0" g="0" b="0"/>
+      </a:lnRef>
+      <a:fillRef idx="1">
+        <a:scrgbClr r="0" g="0" b="0"/>
+      </a:fillRef>
+      <a:effectRef idx="0">
+        <a:scrgbClr r="0" g="0" b="0"/>
+      </a:effectRef>
+      <a:fontRef idx="minor">
+        <a:schemeClr val="lt1"/>
+      </a:fontRef>
+    </dgm:style>
+  </dgm:styleLbl>
+  <dgm:styleLbl name="lnNode1">
+    <dgm:scene3d>
+      <a:camera prst="orthographicFront"/>
+      <a:lightRig rig="threePt" dir="t"/>
+    </dgm:scene3d>
+    <dgm:sp3d/>
+    <dgm:txPr/>
+    <dgm:style>
+      <a:lnRef idx="2">
+        <a:scrgbClr r="0" g="0" b="0"/>
+      </a:lnRef>
+      <a:fillRef idx="1">
+        <a:scrgbClr r="0" g="0" b="0"/>
+      </a:fillRef>
+      <a:effectRef idx="0">
+        <a:scrgbClr r="0" g="0" b="0"/>
+      </a:effectRef>
+      <a:fontRef idx="minor">
+        <a:schemeClr val="lt1"/>
+      </a:fontRef>
+    </dgm:style>
+  </dgm:styleLbl>
+  <dgm:styleLbl name="vennNode1">
+    <dgm:scene3d>
+      <a:camera prst="orthographicFront"/>
+      <a:lightRig rig="threePt" dir="t"/>
+    </dgm:scene3d>
+    <dgm:sp3d/>
+    <dgm:txPr/>
+    <dgm:style>
+      <a:lnRef idx="2">
+        <a:scrgbClr r="0" g="0" b="0"/>
+      </a:lnRef>
+      <a:fillRef idx="1">
+        <a:scrgbClr r="0" g="0" b="0"/>
+      </a:fillRef>
+      <a:effectRef idx="0">
+        <a:scrgbClr r="0" g="0" b="0"/>
+      </a:effectRef>
+      <a:fontRef idx="minor">
+        <a:schemeClr val="tx1"/>
+      </a:fontRef>
+    </dgm:style>
+  </dgm:styleLbl>
+  <dgm:styleLbl name="alignNode1">
+    <dgm:scene3d>
+      <a:camera prst="orthographicFront"/>
+      <a:lightRig rig="threePt" dir="t"/>
+    </dgm:scene3d>
+    <dgm:sp3d/>
+    <dgm:txPr/>
+    <dgm:style>
+      <a:lnRef idx="2">
+        <a:scrgbClr r="0" g="0" b="0"/>
+      </a:lnRef>
+      <a:fillRef idx="1">
+        <a:scrgbClr r="0" g="0" b="0"/>
+      </a:fillRef>
+      <a:effectRef idx="0">
+        <a:scrgbClr r="0" g="0" b="0"/>
+      </a:effectRef>
+      <a:fontRef idx="minor">
+        <a:schemeClr val="lt1"/>
+      </a:fontRef>
+    </dgm:style>
+  </dgm:styleLbl>
+  <dgm:styleLbl name="node1">
+    <dgm:scene3d>
+      <a:camera prst="orthographicFront"/>
+      <a:lightRig rig="threePt" dir="t"/>
+    </dgm:scene3d>
+    <dgm:sp3d/>
+    <dgm:txPr/>
+    <dgm:style>
+      <a:lnRef idx="2">
+        <a:scrgbClr r="0" g="0" b="0"/>
+      </a:lnRef>
+      <a:fillRef idx="1">
+        <a:scrgbClr r="0" g="0" b="0"/>
+      </a:fillRef>
+      <a:effectRef idx="0">
+        <a:scrgbClr r="0" g="0" b="0"/>
+      </a:effectRef>
+      <a:fontRef idx="minor">
+        <a:schemeClr val="lt1"/>
+      </a:fontRef>
+    </dgm:style>
+  </dgm:styleLbl>
+  <dgm:styleLbl name="node2">
+    <dgm:scene3d>
+      <a:camera prst="orthographicFront"/>
+      <a:lightRig rig="threePt" dir="t"/>
+    </dgm:scene3d>
+    <dgm:sp3d/>
+    <dgm:txPr/>
+    <dgm:style>
+      <a:lnRef idx="2">
+        <a:scrgbClr r="0" g="0" b="0"/>
+      </a:lnRef>
+      <a:fillRef idx="1">
+        <a:scrgbClr r="0" g="0" b="0"/>
+      </a:fillRef>
+      <a:effectRef idx="0">
+        <a:scrgbClr r="0" g="0" b="0"/>
+      </a:effectRef>
+      <a:fontRef idx="minor">
+        <a:schemeClr val="lt1"/>
+      </a:fontRef>
+    </dgm:style>
+  </dgm:styleLbl>
+  <dgm:styleLbl name="node3">
+    <dgm:scene3d>
+      <a:camera prst="orthographicFront"/>
+      <a:lightRig rig="threePt" dir="t"/>
+    </dgm:scene3d>
+    <dgm:sp3d/>
+    <dgm:txPr/>
+    <dgm:style>
+      <a:lnRef idx="2">
+        <a:scrgbClr r="0" g="0" b="0"/>
+      </a:lnRef>
+      <a:fillRef idx="1">
+        <a:scrgbClr r="0" g="0" b="0"/>
+      </a:fillRef>
+      <a:effectRef idx="0">
+        <a:scrgbClr r="0" g="0" b="0"/>
+      </a:effectRef>
+      <a:fontRef idx="minor">
+        <a:schemeClr val="lt1"/>
+      </a:fontRef>
+    </dgm:style>
+  </dgm:styleLbl>
+  <dgm:styleLbl name="node4">
+    <dgm:scene3d>
+      <a:camera prst="orthographicFront"/>
+      <a:lightRig rig="threePt" dir="t"/>
+    </dgm:scene3d>
+    <dgm:sp3d/>
+    <dgm:txPr/>
+    <dgm:style>
+      <a:lnRef idx="2">
+        <a:scrgbClr r="0" g="0" b="0"/>
+      </a:lnRef>
+      <a:fillRef idx="1">
+        <a:scrgbClr r="0" g="0" b="0"/>
+      </a:fillRef>
+      <a:effectRef idx="0">
+        <a:scrgbClr r="0" g="0" b="0"/>
+      </a:effectRef>
+      <a:fontRef idx="minor">
+        <a:schemeClr val="lt1"/>
+      </a:fontRef>
+    </dgm:style>
+  </dgm:styleLbl>
+  <dgm:styleLbl name="fgImgPlace1">
+    <dgm:scene3d>
+      <a:camera prst="orthographicFront"/>
+      <a:lightRig rig="threePt" dir="t"/>
+    </dgm:scene3d>
+    <dgm:sp3d/>
+    <dgm:txPr/>
+    <dgm:style>
+      <a:lnRef idx="2">
+        <a:scrgbClr r="0" g="0" b="0"/>
+      </a:lnRef>
+      <a:fillRef idx="1">
+        <a:scrgbClr r="0" g="0" b="0"/>
+      </a:fillRef>
+      <a:effectRef idx="0">
+        <a:scrgbClr r="0" g="0" b="0"/>
+      </a:effectRef>
+      <a:fontRef idx="minor"/>
+    </dgm:style>
+  </dgm:styleLbl>
+  <dgm:styleLbl name="alignImgPlace1">
+    <dgm:scene3d>
+      <a:camera prst="orthographicFront"/>
+      <a:lightRig rig="threePt" dir="t"/>
+    </dgm:scene3d>
+    <dgm:sp3d/>
+    <dgm:txPr/>
+    <dgm:style>
+      <a:lnRef idx="2">
+        <a:scrgbClr r="0" g="0" b="0"/>
+      </a:lnRef>
+      <a:fillRef idx="1">
+        <a:scrgbClr r="0" g="0" b="0"/>
+      </a:fillRef>
+      <a:effectRef idx="0">
+        <a:scrgbClr r="0" g="0" b="0"/>
+      </a:effectRef>
+      <a:fontRef idx="minor"/>
+    </dgm:style>
+  </dgm:styleLbl>
+  <dgm:styleLbl name="bgImgPlace1">
+    <dgm:scene3d>
+      <a:camera prst="orthographicFront"/>
+      <a:lightRig rig="threePt" dir="t"/>
+    </dgm:scene3d>
+    <dgm:sp3d/>
+    <dgm:txPr/>
+    <dgm:style>
+      <a:lnRef idx="2">
+        <a:scrgbClr r="0" g="0" b="0"/>
+      </a:lnRef>
+      <a:fillRef idx="1">
+        <a:scrgbClr r="0" g="0" b="0"/>
+      </a:fillRef>
+      <a:effectRef idx="0">
+        <a:scrgbClr r="0" g="0" b="0"/>
+      </a:effectRef>
+      <a:fontRef idx="minor"/>
+    </dgm:style>
+  </dgm:styleLbl>
+  <dgm:styleLbl name="sibTrans2D1">
+    <dgm:scene3d>
+      <a:camera prst="orthographicFront"/>
+      <a:lightRig rig="threePt" dir="t"/>
+    </dgm:scene3d>
+    <dgm:sp3d/>
+    <dgm:txPr/>
+    <dgm:style>
+      <a:lnRef idx="0">
+        <a:scrgbClr r="0" g="0" b="0"/>
+      </a:lnRef>
+      <a:fillRef idx="1">
+        <a:scrgbClr r="0" g="0" b="0"/>
+      </a:fillRef>
+      <a:effectRef idx="0">
+        <a:scrgbClr r="0" g="0" b="0"/>
+      </a:effectRef>
+      <a:fontRef idx="minor">
+        <a:schemeClr val="lt1"/>
+      </a:fontRef>
+    </dgm:style>
+  </dgm:styleLbl>
+  <dgm:styleLbl name="fgSibTrans2D1">
+    <dgm:scene3d>
+      <a:camera prst="orthographicFront"/>
+      <a:lightRig rig="threePt" dir="t"/>
+    </dgm:scene3d>
+    <dgm:sp3d/>
+    <dgm:txPr/>
+    <dgm:style>
+      <a:lnRef idx="0">
+        <a:scrgbClr r="0" g="0" b="0"/>
+      </a:lnRef>
+      <a:fillRef idx="1">
+        <a:scrgbClr r="0" g="0" b="0"/>
+      </a:fillRef>
+      <a:effectRef idx="0">
+        <a:scrgbClr r="0" g="0" b="0"/>
+      </a:effectRef>
+      <a:fontRef idx="minor">
+        <a:schemeClr val="lt1"/>
+      </a:fontRef>
+    </dgm:style>
+  </dgm:styleLbl>
+  <dgm:styleLbl name="bgSibTrans2D1">
+    <dgm:scene3d>
+      <a:camera prst="orthographicFront"/>
+      <a:lightRig rig="threePt" dir="t"/>
+    </dgm:scene3d>
+    <dgm:sp3d/>
+    <dgm:txPr/>
+    <dgm:style>
+      <a:lnRef idx="0">
+        <a:scrgbClr r="0" g="0" b="0"/>
+      </a:lnRef>
+      <a:fillRef idx="1">
+        <a:scrgbClr r="0" g="0" b="0"/>
+      </a:fillRef>
+      <a:effectRef idx="0">
+        <a:scrgbClr r="0" g="0" b="0"/>
+      </a:effectRef>
+      <a:fontRef idx="minor">
+        <a:schemeClr val="lt1"/>
+      </a:fontRef>
+    </dgm:style>
+  </dgm:styleLbl>
+  <dgm:styleLbl name="sibTrans1D1">
+    <dgm:scene3d>
+      <a:camera prst="orthographicFront"/>
+      <a:lightRig rig="threePt" dir="t"/>
+    </dgm:scene3d>
+    <dgm:sp3d/>
+    <dgm:txPr/>
+    <dgm:style>
+      <a:lnRef idx="1">
+        <a:scrgbClr r="0" g="0" b="0"/>
+      </a:lnRef>
+      <a:fillRef idx="0">
+        <a:scrgbClr r="0" g="0" b="0"/>
+      </a:fillRef>
+      <a:effectRef idx="0">
+        <a:scrgbClr r="0" g="0" b="0"/>
+      </a:effectRef>
+      <a:fontRef idx="minor"/>
+    </dgm:style>
+  </dgm:styleLbl>
+  <dgm:styleLbl name="callout">
+    <dgm:scene3d>
+      <a:camera prst="orthographicFront"/>
+      <a:lightRig rig="threePt" dir="t"/>
+    </dgm:scene3d>
+    <dgm:sp3d/>
+    <dgm:txPr/>
+    <dgm:style>
+      <a:lnRef idx="2">
+        <a:scrgbClr r="0" g="0" b="0"/>
+      </a:lnRef>
+      <a:fillRef idx="1">
+        <a:scrgbClr r="0" g="0" b="0"/>
+      </a:fillRef>
+      <a:effectRef idx="0">
+        <a:scrgbClr r="0" g="0" b="0"/>
+      </a:effectRef>
+      <a:fontRef idx="minor"/>
+    </dgm:style>
+  </dgm:styleLbl>
+  <dgm:styleLbl name="asst0">
+    <dgm:scene3d>
+      <a:camera prst="orthographicFront"/>
+      <a:lightRig rig="threePt" dir="t"/>
+    </dgm:scene3d>
+    <dgm:sp3d/>
+    <dgm:txPr/>
+    <dgm:style>
+      <a:lnRef idx="2">
+        <a:scrgbClr r="0" g="0" b="0"/>
+      </a:lnRef>
+      <a:fillRef idx="1">
+        <a:scrgbClr r="0" g="0" b="0"/>
+      </a:fillRef>
+      <a:effectRef idx="0">
+        <a:scrgbClr r="0" g="0" b="0"/>
+      </a:effectRef>
+      <a:fontRef idx="minor">
+        <a:schemeClr val="lt1"/>
+      </a:fontRef>
+    </dgm:style>
+  </dgm:styleLbl>
+  <dgm:styleLbl name="asst1">
+    <dgm:scene3d>
+      <a:camera prst="orthographicFront"/>
+      <a:lightRig rig="threePt" dir="t"/>
+    </dgm:scene3d>
+    <dgm:sp3d/>
+    <dgm:txPr/>
+    <dgm:style>
+      <a:lnRef idx="2">
+        <a:scrgbClr r="0" g="0" b="0"/>
+      </a:lnRef>
+      <a:fillRef idx="1">
+        <a:scrgbClr r="0" g="0" b="0"/>
+      </a:fillRef>
+      <a:effectRef idx="0">
+        <a:scrgbClr r="0" g="0" b="0"/>
+      </a:effectRef>
+      <a:fontRef idx="minor">
+        <a:schemeClr val="lt1"/>
+      </a:fontRef>
+    </dgm:style>
+  </dgm:styleLbl>
+  <dgm:styleLbl name="asst2">
+    <dgm:scene3d>
+      <a:camera prst="orthographicFront"/>
+      <a:lightRig rig="threePt" dir="t"/>
+    </dgm:scene3d>
+    <dgm:sp3d/>
+    <dgm:txPr/>
+    <dgm:style>
+      <a:lnRef idx="2">
+        <a:scrgbClr r="0" g="0" b="0"/>
+      </a:lnRef>
+      <a:fillRef idx="1">
+        <a:scrgbClr r="0" g="0" b="0"/>
+      </a:fillRef>
+      <a:effectRef idx="0">
+        <a:scrgbClr r="0" g="0" b="0"/>
+      </a:effectRef>
+      <a:fontRef idx="minor">
+        <a:schemeClr val="lt1"/>
+      </a:fontRef>
+    </dgm:style>
+  </dgm:styleLbl>
+  <dgm:styleLbl name="asst3">
+    <dgm:scene3d>
+      <a:camera prst="orthographicFront"/>
+      <a:lightRig rig="threePt" dir="t"/>
+    </dgm:scene3d>
+    <dgm:sp3d/>
+    <dgm:txPr/>
+    <dgm:style>
+      <a:lnRef idx="2">
+        <a:scrgbClr r="0" g="0" b="0"/>
+      </a:lnRef>
+      <a:fillRef idx="1">
+        <a:scrgbClr r="0" g="0" b="0"/>
+      </a:fillRef>
+      <a:effectRef idx="0">
+        <a:scrgbClr r="0" g="0" b="0"/>
+      </a:effectRef>
+      <a:fontRef idx="minor">
+        <a:schemeClr val="lt1"/>
+      </a:fontRef>
+    </dgm:style>
+  </dgm:styleLbl>
+  <dgm:styleLbl name="asst4">
+    <dgm:scene3d>
+      <a:camera prst="orthographicFront"/>
+      <a:lightRig rig="threePt" dir="t"/>
+    </dgm:scene3d>
+    <dgm:sp3d/>
+    <dgm:txPr/>
+    <dgm:style>
+      <a:lnRef idx="2">
+        <a:scrgbClr r="0" g="0" b="0"/>
+      </a:lnRef>
+      <a:fillRef idx="1">
+        <a:scrgbClr r="0" g="0" b="0"/>
+      </a:fillRef>
+      <a:effectRef idx="0">
+        <a:scrgbClr r="0" g="0" b="0"/>
+      </a:effectRef>
+      <a:fontRef idx="minor">
+        <a:schemeClr val="lt1"/>
+      </a:fontRef>
+    </dgm:style>
+  </dgm:styleLbl>
+  <dgm:styleLbl name="parChTrans2D1">
+    <dgm:scene3d>
+      <a:camera prst="orthographicFront"/>
+      <a:lightRig rig="threePt" dir="t"/>
+    </dgm:scene3d>
+    <dgm:sp3d/>
+    <dgm:txPr/>
+    <dgm:style>
+      <a:lnRef idx="2">
+        <a:scrgbClr r="0" g="0" b="0"/>
+      </a:lnRef>
+      <a:fillRef idx="1">
+        <a:scrgbClr r="0" g="0" b="0"/>
+      </a:fillRef>
+      <a:effectRef idx="0">
+        <a:scrgbClr r="0" g="0" b="0"/>
+      </a:effectRef>
+      <a:fontRef idx="minor">
+        <a:schemeClr val="lt1"/>
+      </a:fontRef>
+    </dgm:style>
+  </dgm:styleLbl>
+  <dgm:styleLbl name="parChTrans2D2">
+    <dgm:scene3d>
+      <a:camera prst="orthographicFront"/>
+      <a:lightRig rig="threePt" dir="t"/>
+    </dgm:scene3d>
+    <dgm:sp3d/>
+    <dgm:txPr/>
+    <dgm:style>
+      <a:lnRef idx="2">
+        <a:scrgbClr r="0" g="0" b="0"/>
+      </a:lnRef>
+      <a:fillRef idx="1">
+        <a:scrgbClr r="0" g="0" b="0"/>
+      </a:fillRef>
+      <a:effectRef idx="0">
+        <a:scrgbClr r="0" g="0" b="0"/>
+      </a:effectRef>
+      <a:fontRef idx="minor">
+        <a:schemeClr val="lt1"/>
+      </a:fontRef>
+    </dgm:style>
+  </dgm:styleLbl>
+  <dgm:styleLbl name="parChTrans2D3">
+    <dgm:scene3d>
+      <a:camera prst="orthographicFront"/>
+      <a:lightRig rig="threePt" dir="t"/>
+    </dgm:scene3d>
+    <dgm:sp3d/>
+    <dgm:txPr/>
+    <dgm:style>
+      <a:lnRef idx="2">
+        <a:scrgbClr r="0" g="0" b="0"/>
+      </a:lnRef>
+      <a:fillRef idx="1">
+        <a:scrgbClr r="0" g="0" b="0"/>
+      </a:fillRef>
+      <a:effectRef idx="0">
+        <a:scrgbClr r="0" g="0" b="0"/>
+      </a:effectRef>
+      <a:fontRef idx="minor">
+        <a:schemeClr val="lt1"/>
+      </a:fontRef>
+    </dgm:style>
+  </dgm:styleLbl>
+  <dgm:styleLbl name="parChTrans2D4">
+    <dgm:scene3d>
+      <a:camera prst="orthographicFront"/>
+      <a:lightRig rig="threePt" dir="t"/>
+    </dgm:scene3d>
+    <dgm:sp3d/>
+    <dgm:txPr/>
+    <dgm:style>
+      <a:lnRef idx="2">
+        <a:scrgbClr r="0" g="0" b="0"/>
+      </a:lnRef>
+      <a:fillRef idx="1">
+        <a:scrgbClr r="0" g="0" b="0"/>
+      </a:fillRef>
+      <a:effectRef idx="0">
+        <a:scrgbClr r="0" g="0" b="0"/>
+      </a:effectRef>
+      <a:fontRef idx="minor">
+        <a:schemeClr val="lt1"/>
+      </a:fontRef>
+    </dgm:style>
+  </dgm:styleLbl>
+  <dgm:styleLbl name="parChTrans1D1">
+    <dgm:scene3d>
+      <a:camera prst="orthographicFront"/>
+      <a:lightRig rig="threePt" dir="t"/>
+    </dgm:scene3d>
+    <dgm:sp3d/>
+    <dgm:txPr/>
+    <dgm:style>
+      <a:lnRef idx="2">
+        <a:scrgbClr r="0" g="0" b="0"/>
+      </a:lnRef>
+      <a:fillRef idx="0">
+        <a:scrgbClr r="0" g="0" b="0"/>
+      </a:fillRef>
+      <a:effectRef idx="0">
+        <a:scrgbClr r="0" g="0" b="0"/>
+      </a:effectRef>
+      <a:fontRef idx="minor"/>
+    </dgm:style>
+  </dgm:styleLbl>
+  <dgm:styleLbl name="parChTrans1D2">
+    <dgm:scene3d>
+      <a:camera prst="orthographicFront"/>
+      <a:lightRig rig="threePt" dir="t"/>
+    </dgm:scene3d>
+    <dgm:sp3d/>
+    <dgm:txPr/>
+    <dgm:style>
+      <a:lnRef idx="2">
+        <a:scrgbClr r="0" g="0" b="0"/>
+      </a:lnRef>
+      <a:fillRef idx="0">
+        <a:scrgbClr r="0" g="0" b="0"/>
+      </a:fillRef>
+      <a:effectRef idx="0">
+        <a:scrgbClr r="0" g="0" b="0"/>
+      </a:effectRef>
+      <a:fontRef idx="minor"/>
+    </dgm:style>
+  </dgm:styleLbl>
+  <dgm:styleLbl name="parChTrans1D3">
+    <dgm:scene3d>
+      <a:camera prst="orthographicFront"/>
+      <a:lightRig rig="threePt" dir="t"/>
+    </dgm:scene3d>
+    <dgm:sp3d/>
+    <dgm:txPr/>
+    <dgm:style>
+      <a:lnRef idx="2">
+        <a:scrgbClr r="0" g="0" b="0"/>
+      </a:lnRef>
+      <a:fillRef idx="0">
+        <a:scrgbClr r="0" g="0" b="0"/>
+      </a:fillRef>
+      <a:effectRef idx="0">
+        <a:scrgbClr r="0" g="0" b="0"/>
+      </a:effectRef>
+      <a:fontRef idx="minor"/>
+    </dgm:style>
+  </dgm:styleLbl>
+  <dgm:styleLbl name="parChTrans1D4">
+    <dgm:scene3d>
+      <a:camera prst="orthographicFront"/>
+      <a:lightRig rig="threePt" dir="t"/>
+    </dgm:scene3d>
+    <dgm:sp3d/>
+    <dgm:txPr/>
+    <dgm:style>
+      <a:lnRef idx="2">
+        <a:scrgbClr r="0" g="0" b="0"/>
+      </a:lnRef>
+      <a:fillRef idx="0">
+        <a:scrgbClr r="0" g="0" b="0"/>
+      </a:fillRef>
+      <a:effectRef idx="0">
+        <a:scrgbClr r="0" g="0" b="0"/>
+      </a:effectRef>
+      <a:fontRef idx="minor"/>
+    </dgm:style>
+  </dgm:styleLbl>
+  <dgm:styleLbl name="fgAcc1">
+    <dgm:scene3d>
+      <a:camera prst="orthographicFront"/>
+      <a:lightRig rig="threePt" dir="t"/>
+    </dgm:scene3d>
+    <dgm:sp3d/>
+    <dgm:txPr/>
+    <dgm:style>
+      <a:lnRef idx="2">
+        <a:scrgbClr r="0" g="0" b="0"/>
+      </a:lnRef>
+      <a:fillRef idx="1">
+        <a:scrgbClr r="0" g="0" b="0"/>
+      </a:fillRef>
+      <a:effectRef idx="0">
+        <a:scrgbClr r="0" g="0" b="0"/>
+      </a:effectRef>
+      <a:fontRef idx="minor"/>
+    </dgm:style>
+  </dgm:styleLbl>
+  <dgm:styleLbl name="conFgAcc1">
+    <dgm:scene3d>
+      <a:camera prst="orthographicFront"/>
+      <a:lightRig rig="threePt" dir="t"/>
+    </dgm:scene3d>
+    <dgm:sp3d/>
+    <dgm:txPr/>
+    <dgm:style>
+      <a:lnRef idx="2">
+        <a:scrgbClr r="0" g="0" b="0"/>
+      </a:lnRef>
+      <a:fillRef idx="1">
+        <a:scrgbClr r="0" g="0" b="0"/>
+      </a:fillRef>
+      <a:effectRef idx="0">
+        <a:scrgbClr r="0" g="0" b="0"/>
+      </a:effectRef>
+      <a:fontRef idx="minor"/>
+    </dgm:style>
+  </dgm:styleLbl>
+  <dgm:styleLbl name="alignAcc1">
+    <dgm:scene3d>
+      <a:camera prst="orthographicFront"/>
+      <a:lightRig rig="threePt" dir="t"/>
+    </dgm:scene3d>
+    <dgm:sp3d/>
+    <dgm:txPr/>
+    <dgm:style>
+      <a:lnRef idx="2">
+        <a:scrgbClr r="0" g="0" b="0"/>
+      </a:lnRef>
+      <a:fillRef idx="1">
+        <a:scrgbClr r="0" g="0" b="0"/>
+      </a:fillRef>
+      <a:effectRef idx="0">
+        <a:scrgbClr r="0" g="0" b="0"/>
+      </a:effectRef>
+      <a:fontRef idx="minor"/>
+    </dgm:style>
+  </dgm:styleLbl>
+  <dgm:styleLbl name="trAlignAcc1">
+    <dgm:scene3d>
+      <a:camera prst="orthographicFront"/>
+      <a:lightRig rig="threePt" dir="t"/>
+    </dgm:scene3d>
+    <dgm:sp3d/>
+    <dgm:txPr/>
+    <dgm:style>
+      <a:lnRef idx="1">
+        <a:scrgbClr r="0" g="0" b="0"/>
+      </a:lnRef>
+      <a:fillRef idx="1">
+        <a:scrgbClr r="0" g="0" b="0"/>
+      </a:fillRef>
+      <a:effectRef idx="0">
+        <a:scrgbClr r="0" g="0" b="0"/>
+      </a:effectRef>
+      <a:fontRef idx="minor"/>
+    </dgm:style>
+  </dgm:styleLbl>
+  <dgm:styleLbl name="bgAcc1">
+    <dgm:scene3d>
+      <a:camera prst="orthographicFront"/>
+      <a:lightRig rig="threePt" dir="t"/>
+    </dgm:scene3d>
+    <dgm:sp3d/>
+    <dgm:txPr/>
+    <dgm:style>
+      <a:lnRef idx="2">
+        <a:scrgbClr r="0" g="0" b="0"/>
+      </a:lnRef>
+      <a:fillRef idx="1">
+        <a:scrgbClr r="0" g="0" b="0"/>
+      </a:fillRef>
+      <a:effectRef idx="0">
+        <a:scrgbClr r="0" g="0" b="0"/>
+      </a:effectRef>
+      <a:fontRef idx="minor"/>
+    </dgm:style>
+  </dgm:styleLbl>
+  <dgm:styleLbl name="solidFgAcc1">
+    <dgm:scene3d>
+      <a:camera prst="orthographicFront"/>
+      <a:lightRig rig="threePt" dir="t"/>
+    </dgm:scene3d>
+    <dgm:sp3d/>
+    <dgm:txPr/>
+    <dgm:style>
+      <a:lnRef idx="2">
+        <a:scrgbClr r="0" g="0" b="0"/>
+      </a:lnRef>
+      <a:fillRef idx="1">
+        <a:scrgbClr r="0" g="0" b="0"/>
+      </a:fillRef>
+      <a:effectRef idx="0">
+        <a:scrgbClr r="0" g="0" b="0"/>
+      </a:effectRef>
+      <a:fontRef idx="minor"/>
+    </dgm:style>
+  </dgm:styleLbl>
+  <dgm:styleLbl name="solidAlignAcc1">
+    <dgm:scene3d>
+      <a:camera prst="orthographicFront"/>
+      <a:lightRig rig="threePt" dir="t"/>
+    </dgm:scene3d>
+    <dgm:sp3d/>
+    <dgm:txPr/>
+    <dgm:style>
+      <a:lnRef idx="2">
+        <a:scrgbClr r="0" g="0" b="0"/>
+      </a:lnRef>
+      <a:fillRef idx="1">
+        <a:scrgbClr r="0" g="0" b="0"/>
+      </a:fillRef>
+      <a:effectRef idx="0">
+        <a:scrgbClr r="0" g="0" b="0"/>
+      </a:effectRef>
+      <a:fontRef idx="minor"/>
+    </dgm:style>
+  </dgm:styleLbl>
+  <dgm:styleLbl name="solidBgAcc1">
+    <dgm:scene3d>
+      <a:camera prst="orthographicFront"/>
+      <a:lightRig rig="threePt" dir="t"/>
+    </dgm:scene3d>
+    <dgm:sp3d/>
+    <dgm:txPr/>
+    <dgm:style>
+      <a:lnRef idx="2">
+        <a:scrgbClr r="0" g="0" b="0"/>
+      </a:lnRef>
+      <a:fillRef idx="1">
+        <a:scrgbClr r="0" g="0" b="0"/>
+      </a:fillRef>
+      <a:effectRef idx="0">
+        <a:scrgbClr r="0" g="0" b="0"/>
+      </a:effectRef>
+      <a:fontRef idx="minor"/>
+    </dgm:style>
+  </dgm:styleLbl>
+  <dgm:styleLbl name="fgAccFollowNode1">
+    <dgm:scene3d>
+      <a:camera prst="orthographicFront"/>
+      <a:lightRig rig="threePt" dir="t"/>
+    </dgm:scene3d>
+    <dgm:sp3d/>
+    <dgm:txPr/>
+    <dgm:style>
+      <a:lnRef idx="2">
+        <a:scrgbClr r="0" g="0" b="0"/>
+      </a:lnRef>
+      <a:fillRef idx="1">
+        <a:scrgbClr r="0" g="0" b="0"/>
+      </a:fillRef>
+      <a:effectRef idx="0">
+        <a:scrgbClr r="0" g="0" b="0"/>
+      </a:effectRef>
+      <a:fontRef idx="minor"/>
+    </dgm:style>
+  </dgm:styleLbl>
+  <dgm:styleLbl name="alignAccFollowNode1">
+    <dgm:scene3d>
+      <a:camera prst="orthographicFront"/>
+      <a:lightRig rig="threePt" dir="t"/>
+    </dgm:scene3d>
+    <dgm:sp3d/>
+    <dgm:txPr/>
+    <dgm:style>
+      <a:lnRef idx="2">
+        <a:scrgbClr r="0" g="0" b="0"/>
+      </a:lnRef>
+      <a:fillRef idx="1">
+        <a:scrgbClr r="0" g="0" b="0"/>
+      </a:fillRef>
+      <a:effectRef idx="0">
+        <a:scrgbClr r="0" g="0" b="0"/>
+      </a:effectRef>
+      <a:fontRef idx="minor"/>
+    </dgm:style>
+  </dgm:styleLbl>
+  <dgm:styleLbl name="bgAccFollowNode1">
+    <dgm:scene3d>
+      <a:camera prst="orthographicFront"/>
+      <a:lightRig rig="threePt" dir="t"/>
+    </dgm:scene3d>
+    <dgm:sp3d/>
+    <dgm:txPr/>
+    <dgm:style>
+      <a:lnRef idx="2">
+        <a:scrgbClr r="0" g="0" b="0"/>
+      </a:lnRef>
+      <a:fillRef idx="1">
+        <a:scrgbClr r="0" g="0" b="0"/>
+      </a:fillRef>
+      <a:effectRef idx="0">
+        <a:scrgbClr r="0" g="0" b="0"/>
+      </a:effectRef>
+      <a:fontRef idx="minor"/>
+    </dgm:style>
+  </dgm:styleLbl>
+  <dgm:styleLbl name="fgAcc0">
+    <dgm:scene3d>
+      <a:camera prst="orthographicFront"/>
+      <a:lightRig rig="threePt" dir="t"/>
+    </dgm:scene3d>
+    <dgm:sp3d/>
+    <dgm:txPr/>
+    <dgm:style>
+      <a:lnRef idx="2">
+        <a:scrgbClr r="0" g="0" b="0"/>
+      </a:lnRef>
+      <a:fillRef idx="1">
+        <a:scrgbClr r="0" g="0" b="0"/>
+      </a:fillRef>
+      <a:effectRef idx="0">
+        <a:scrgbClr r="0" g="0" b="0"/>
+      </a:effectRef>
+      <a:fontRef idx="minor"/>
+    </dgm:style>
+  </dgm:styleLbl>
+  <dgm:styleLbl name="fgAcc2">
+    <dgm:scene3d>
+      <a:camera prst="orthographicFront"/>
+      <a:lightRig rig="threePt" dir="t"/>
+    </dgm:scene3d>
+    <dgm:sp3d/>
+    <dgm:txPr/>
+    <dgm:style>
+      <a:lnRef idx="2">
+        <a:scrgbClr r="0" g="0" b="0"/>
+      </a:lnRef>
+      <a:fillRef idx="1">
+        <a:scrgbClr r="0" g="0" b="0"/>
+      </a:fillRef>
+      <a:effectRef idx="0">
+        <a:scrgbClr r="0" g="0" b="0"/>
+      </a:effectRef>
+      <a:fontRef idx="minor"/>
+    </dgm:style>
+  </dgm:styleLbl>
+  <dgm:styleLbl name="fgAcc3">
+    <dgm:scene3d>
+      <a:camera prst="orthographicFront"/>
+      <a:lightRig rig="threePt" dir="t"/>
+    </dgm:scene3d>
+    <dgm:sp3d/>
+    <dgm:txPr/>
+    <dgm:style>
+      <a:lnRef idx="2">
+        <a:scrgbClr r="0" g="0" b="0"/>
+      </a:lnRef>
+      <a:fillRef idx="1">
+        <a:scrgbClr r="0" g="0" b="0"/>
+      </a:fillRef>
+      <a:effectRef idx="0">
+        <a:scrgbClr r="0" g="0" b="0"/>
+      </a:effectRef>
+      <a:fontRef idx="minor"/>
+    </dgm:style>
+  </dgm:styleLbl>
+  <dgm:styleLbl name="fgAcc4">
+    <dgm:scene3d>
+      <a:camera prst="orthographicFront"/>
+      <a:lightRig rig="threePt" dir="t"/>
+    </dgm:scene3d>
+    <dgm:sp3d/>
+    <dgm:txPr/>
+    <dgm:style>
+      <a:lnRef idx="2">
+        <a:scrgbClr r="0" g="0" b="0"/>
+      </a:lnRef>
+      <a:fillRef idx="1">
+        <a:scrgbClr r="0" g="0" b="0"/>
+      </a:fillRef>
+      <a:effectRef idx="0">
+        <a:scrgbClr r="0" g="0" b="0"/>
+      </a:effectRef>
+      <a:fontRef idx="minor"/>
+    </dgm:style>
+  </dgm:styleLbl>
+  <dgm:styleLbl name="bgShp">
+    <dgm:scene3d>
+      <a:camera prst="orthographicFront"/>
+      <a:lightRig rig="threePt" dir="t"/>
+    </dgm:scene3d>
+    <dgm:sp3d/>
+    <dgm:txPr/>
+    <dgm:style>
+      <a:lnRef idx="0">
+        <a:scrgbClr r="0" g="0" b="0"/>
+      </a:lnRef>
+      <a:fillRef idx="1">
+        <a:scrgbClr r="0" g="0" b="0"/>
+      </a:fillRef>
+      <a:effectRef idx="0">
+        <a:scrgbClr r="0" g="0" b="0"/>
+      </a:effectRef>
+      <a:fontRef idx="minor"/>
+    </dgm:style>
+  </dgm:styleLbl>
+  <dgm:styleLbl name="dkBgShp">
+    <dgm:scene3d>
+      <a:camera prst="orthographicFront"/>
+      <a:lightRig rig="threePt" dir="t"/>
+    </dgm:scene3d>
+    <dgm:sp3d/>
+    <dgm:txPr/>
+    <dgm:style>
+      <a:lnRef idx="0">
+        <a:scrgbClr r="0" g="0" b="0"/>
+      </a:lnRef>
+      <a:fillRef idx="1">
+        <a:scrgbClr r="0" g="0" b="0"/>
+      </a:fillRef>
+      <a:effectRef idx="0">
+        <a:scrgbClr r="0" g="0" b="0"/>
+      </a:effectRef>
+      <a:fontRef idx="minor"/>
+    </dgm:style>
+  </dgm:styleLbl>
+  <dgm:styleLbl name="trBgShp">
+    <dgm:scene3d>
+      <a:camera prst="orthographicFront"/>
+      <a:lightRig rig="threePt" dir="t"/>
+    </dgm:scene3d>
+    <dgm:sp3d/>
+    <dgm:txPr/>
+    <dgm:style>
+      <a:lnRef idx="0">
+        <a:scrgbClr r="0" g="0" b="0"/>
+      </a:lnRef>
+      <a:fillRef idx="1">
+        <a:scrgbClr r="0" g="0" b="0"/>
+      </a:fillRef>
+      <a:effectRef idx="0">
+        <a:scrgbClr r="0" g="0" b="0"/>
+      </a:effectRef>
+      <a:fontRef idx="minor"/>
+    </dgm:style>
+  </dgm:styleLbl>
+  <dgm:styleLbl name="fgShp">
+    <dgm:scene3d>
+      <a:camera prst="orthographicFront"/>
+      <a:lightRig rig="threePt" dir="t"/>
+    </dgm:scene3d>
+    <dgm:sp3d/>
+    <dgm:txPr/>
+    <dgm:style>
+      <a:lnRef idx="2">
+        <a:scrgbClr r="0" g="0" b="0"/>
+      </a:lnRef>
+      <a:fillRef idx="1">
+        <a:scrgbClr r="0" g="0" b="0"/>
+      </a:fillRef>
+      <a:effectRef idx="0">
         <a:scrgbClr r="0" g="0" b="0"/>
       </a:effectRef>
       <a:fontRef idx="minor"/>
@@ -7485,6 +10015,13 @@
       </p:transition>
     </mc:Fallback>
   </mc:AlternateContent>
+  <p:timing>
+    <p:tnLst>
+      <p:par>
+        <p:cTn id="1" dur="indefinite" restart="never" nodeType="tmRoot"/>
+      </p:par>
+    </p:tnLst>
+  </p:timing>
 </p:sld>
 </file>
 
@@ -7732,6 +10269,13 @@
       </p:transition>
     </mc:Fallback>
   </mc:AlternateContent>
+  <p:timing>
+    <p:tnLst>
+      <p:par>
+        <p:cTn id="1" dur="indefinite" restart="never" nodeType="tmRoot"/>
+      </p:par>
+    </p:tnLst>
+  </p:timing>
 </p:sld>
 </file>
 
@@ -7884,11 +10428,7 @@
           <a:p>
             <a:r>
               <a:rPr lang="en-US" dirty="0" smtClean="0"/>
-              <a:t>R</a:t>
-            </a:r>
-            <a:r>
-              <a:rPr lang="en-US" dirty="0" smtClean="0"/>
-              <a:t>equirements Overview</a:t>
+              <a:t>Requirements Overview</a:t>
             </a:r>
             <a:endParaRPr lang="en-US" dirty="0"/>
           </a:p>
@@ -8442,7 +10982,7 @@
             <p:ph idx="1"/>
             <p:extLst>
               <p:ext uri="{D42A27DB-BD31-4B8C-83A1-F6EECF244321}">
-                <p14:modId xmlns:p14="http://schemas.microsoft.com/office/powerpoint/2010/main" val="172902131"/>
+                <p14:modId xmlns:p14="http://schemas.microsoft.com/office/powerpoint/2010/main" val="431229267"/>
               </p:ext>
             </p:extLst>
           </p:nvPr>
@@ -8516,7 +11056,7 @@
           <a:p>
             <a:r>
               <a:rPr lang="en-US" dirty="0" smtClean="0"/>
-              <a:t>Challenges faced.</a:t>
+              <a:t>Test Strategy.</a:t>
             </a:r>
             <a:endParaRPr lang="en-US" dirty="0"/>
           </a:p>
@@ -8537,10 +11077,54 @@
           <a:bodyPr/>
           <a:lstStyle/>
           <a:p>
+            <a:r>
+              <a:rPr lang="en-US" dirty="0"/>
+              <a:t>We have 4 builds having several core functionalities being developed in an incremental fashion.</a:t>
+            </a:r>
+          </a:p>
+          <a:p>
+            <a:r>
+              <a:rPr lang="en-US" dirty="0"/>
+              <a:t>Each build is a collection of several functionalities which are tested by the responsible individual.</a:t>
+            </a:r>
+          </a:p>
+          <a:p>
+            <a:r>
+              <a:rPr lang="en-US" dirty="0"/>
+              <a:t>Each build went through rigorous testing after every release.</a:t>
+            </a:r>
+          </a:p>
+          <a:p>
+            <a:r>
+              <a:rPr lang="en-US" dirty="0"/>
+              <a:t>We have used the test suite to test each build and respective functionality. </a:t>
+            </a:r>
             <a:endParaRPr lang="en-US" dirty="0"/>
           </a:p>
         </p:txBody>
       </p:sp>
+      <p:graphicFrame>
+        <p:nvGraphicFramePr>
+          <p:cNvPr id="3" name="Diagram 2"/>
+          <p:cNvGraphicFramePr/>
+          <p:nvPr>
+            <p:extLst>
+              <p:ext uri="{D42A27DB-BD31-4B8C-83A1-F6EECF244321}">
+                <p14:modId xmlns:p14="http://schemas.microsoft.com/office/powerpoint/2010/main" val="2300312044"/>
+              </p:ext>
+            </p:extLst>
+          </p:nvPr>
+        </p:nvGraphicFramePr>
+        <p:xfrm>
+          <a:off x="2032000" y="5081450"/>
+          <a:ext cx="8128000" cy="1293223"/>
+        </p:xfrm>
+        <a:graphic>
+          <a:graphicData uri="http://schemas.openxmlformats.org/drawingml/2006/diagram">
+            <dgm:relIds xmlns:dgm="http://schemas.openxmlformats.org/drawingml/2006/diagram" xmlns:r="http://schemas.openxmlformats.org/officeDocument/2006/relationships" r:dm="rId2" r:lo="rId3" r:qs="rId4" r:cs="rId5"/>
+          </a:graphicData>
+        </a:graphic>
+      </p:graphicFrame>
     </p:spTree>
     <p:extLst>
       <p:ext uri="{BB962C8B-B14F-4D97-AF65-F5344CB8AC3E}">
